--- a/OIV_projekt.pptx
+++ b/OIV_projekt.pptx
@@ -1,49 +1,49 @@
 
 <file path=ppt/presentation.xml><?xml version="1.0" encoding="utf-8"?>
-<p:presentation xmlns:a="http://schemas.openxmlformats.org/drawingml/2006/main" xmlns:r="http://schemas.openxmlformats.org/officeDocument/2006/relationships" xmlns:mc="http://schemas.openxmlformats.org/markup-compatibility/2006" xmlns:mv="urn:schemas-microsoft-com:mac:vml" xmlns:p="http://schemas.openxmlformats.org/presentationml/2006/main" xmlns:c="http://schemas.openxmlformats.org/drawingml/2006/chart" xmlns:dgm="http://schemas.openxmlformats.org/drawingml/2006/diagram" xmlns:o="urn:schemas-microsoft-com:office:office" xmlns:v="urn:schemas-microsoft-com:vml" xmlns:pvml="urn:schemas-microsoft-com:office:powerpoint" xmlns:com="http://schemas.openxmlformats.org/drawingml/2006/compatibility" xmlns:p14="http://schemas.microsoft.com/office/powerpoint/2010/main" xmlns:p15="http://schemas.microsoft.com/office/powerpoint/2012/main" xmlns:ahyp="http://schemas.microsoft.com/office/drawing/2018/hyperlinkcolor" autoCompressPictures="0" embedTrueTypeFonts="1" strictFirstAndLastChars="0" saveSubsetFonts="1">
+<p:presentation xmlns:a="http://schemas.openxmlformats.org/drawingml/2006/main" xmlns:r="http://schemas.openxmlformats.org/officeDocument/2006/relationships" xmlns:p="http://schemas.openxmlformats.org/presentationml/2006/main" strictFirstAndLastChars="0" embedTrueTypeFonts="1" saveSubsetFonts="1" autoCompressPictures="0">
   <p:sldMasterIdLst>
-    <p:sldMasterId id="2147483659" r:id="rId5"/>
+    <p:sldMasterId id="2147483659" r:id="rId1"/>
   </p:sldMasterIdLst>
   <p:notesMasterIdLst>
-    <p:notesMasterId r:id="rId6"/>
+    <p:notesMasterId r:id="rId10"/>
   </p:notesMasterIdLst>
   <p:sldIdLst>
-    <p:sldId id="256" r:id="rId7"/>
-    <p:sldId id="257" r:id="rId8"/>
-    <p:sldId id="258" r:id="rId9"/>
-    <p:sldId id="259" r:id="rId10"/>
-    <p:sldId id="260" r:id="rId11"/>
-    <p:sldId id="261" r:id="rId12"/>
-    <p:sldId id="262" r:id="rId13"/>
-    <p:sldId id="263" r:id="rId14"/>
+    <p:sldId id="256" r:id="rId2"/>
+    <p:sldId id="257" r:id="rId3"/>
+    <p:sldId id="258" r:id="rId4"/>
+    <p:sldId id="259" r:id="rId5"/>
+    <p:sldId id="260" r:id="rId6"/>
+    <p:sldId id="261" r:id="rId7"/>
+    <p:sldId id="262" r:id="rId8"/>
+    <p:sldId id="263" r:id="rId9"/>
   </p:sldIdLst>
-  <p:sldSz cy="5143500" cx="9144000"/>
+  <p:sldSz cx="9144000" cy="5143500" type="screen16x9"/>
   <p:notesSz cx="6858000" cy="9144000"/>
   <p:embeddedFontLst>
     <p:embeddedFont>
-      <p:font typeface="Roboto"/>
+      <p:font typeface="Merriweather" panose="00000500000000000000" pitchFamily="2" charset="0"/>
+      <p:regular r:id="rId11"/>
+      <p:bold r:id="rId12"/>
+      <p:italic r:id="rId13"/>
+      <p:boldItalic r:id="rId14"/>
+    </p:embeddedFont>
+    <p:embeddedFont>
+      <p:font typeface="Roboto" panose="02000000000000000000" pitchFamily="2" charset="0"/>
       <p:regular r:id="rId15"/>
       <p:bold r:id="rId16"/>
       <p:italic r:id="rId17"/>
       <p:boldItalic r:id="rId18"/>
     </p:embeddedFont>
     <p:embeddedFont>
-      <p:font typeface="Roboto Light"/>
+      <p:font typeface="Roboto Light" panose="02000000000000000000" pitchFamily="2" charset="0"/>
       <p:regular r:id="rId19"/>
       <p:bold r:id="rId20"/>
       <p:italic r:id="rId21"/>
       <p:boldItalic r:id="rId22"/>
     </p:embeddedFont>
-    <p:embeddedFont>
-      <p:font typeface="Merriweather"/>
-      <p:regular r:id="rId23"/>
-      <p:bold r:id="rId24"/>
-      <p:italic r:id="rId25"/>
-      <p:boldItalic r:id="rId26"/>
-    </p:embeddedFont>
   </p:embeddedFontLst>
   <p:defaultTextStyle>
-    <a:defPPr lvl="0" marR="0" rtl="0" algn="l">
+    <a:defPPr marR="0" lvl="0" algn="l" rtl="0">
       <a:lnSpc>
         <a:spcPct val="100000"/>
       </a:lnSpc>
@@ -54,7 +54,7 @@
         <a:spcPts val="0"/>
       </a:spcAft>
     </a:defPPr>
-    <a:lvl1pPr lvl="0" marR="0" rtl="0" algn="l">
+    <a:lvl1pPr marR="0" lvl="0" algn="l" rtl="0">
       <a:lnSpc>
         <a:spcPct val="100000"/>
       </a:lnSpc>
@@ -68,7 +68,7 @@
         <a:srgbClr val="000000"/>
       </a:buClr>
       <a:buFont typeface="Arial"/>
-      <a:defRPr b="0" i="0" sz="1400" u="none" cap="none" strike="noStrike">
+      <a:defRPr sz="1400" b="0" i="0" u="none" strike="noStrike" cap="none">
         <a:solidFill>
           <a:srgbClr val="000000"/>
         </a:solidFill>
@@ -78,7 +78,7 @@
         <a:sym typeface="Arial"/>
       </a:defRPr>
     </a:lvl1pPr>
-    <a:lvl2pPr lvl="1" marR="0" rtl="0" algn="l">
+    <a:lvl2pPr marR="0" lvl="1" algn="l" rtl="0">
       <a:lnSpc>
         <a:spcPct val="100000"/>
       </a:lnSpc>
@@ -92,7 +92,7 @@
         <a:srgbClr val="000000"/>
       </a:buClr>
       <a:buFont typeface="Arial"/>
-      <a:defRPr b="0" i="0" sz="1400" u="none" cap="none" strike="noStrike">
+      <a:defRPr sz="1400" b="0" i="0" u="none" strike="noStrike" cap="none">
         <a:solidFill>
           <a:srgbClr val="000000"/>
         </a:solidFill>
@@ -102,7 +102,7 @@
         <a:sym typeface="Arial"/>
       </a:defRPr>
     </a:lvl2pPr>
-    <a:lvl3pPr lvl="2" marR="0" rtl="0" algn="l">
+    <a:lvl3pPr marR="0" lvl="2" algn="l" rtl="0">
       <a:lnSpc>
         <a:spcPct val="100000"/>
       </a:lnSpc>
@@ -116,7 +116,7 @@
         <a:srgbClr val="000000"/>
       </a:buClr>
       <a:buFont typeface="Arial"/>
-      <a:defRPr b="0" i="0" sz="1400" u="none" cap="none" strike="noStrike">
+      <a:defRPr sz="1400" b="0" i="0" u="none" strike="noStrike" cap="none">
         <a:solidFill>
           <a:srgbClr val="000000"/>
         </a:solidFill>
@@ -126,7 +126,7 @@
         <a:sym typeface="Arial"/>
       </a:defRPr>
     </a:lvl3pPr>
-    <a:lvl4pPr lvl="3" marR="0" rtl="0" algn="l">
+    <a:lvl4pPr marR="0" lvl="3" algn="l" rtl="0">
       <a:lnSpc>
         <a:spcPct val="100000"/>
       </a:lnSpc>
@@ -140,7 +140,7 @@
         <a:srgbClr val="000000"/>
       </a:buClr>
       <a:buFont typeface="Arial"/>
-      <a:defRPr b="0" i="0" sz="1400" u="none" cap="none" strike="noStrike">
+      <a:defRPr sz="1400" b="0" i="0" u="none" strike="noStrike" cap="none">
         <a:solidFill>
           <a:srgbClr val="000000"/>
         </a:solidFill>
@@ -150,7 +150,7 @@
         <a:sym typeface="Arial"/>
       </a:defRPr>
     </a:lvl4pPr>
-    <a:lvl5pPr lvl="4" marR="0" rtl="0" algn="l">
+    <a:lvl5pPr marR="0" lvl="4" algn="l" rtl="0">
       <a:lnSpc>
         <a:spcPct val="100000"/>
       </a:lnSpc>
@@ -164,7 +164,7 @@
         <a:srgbClr val="000000"/>
       </a:buClr>
       <a:buFont typeface="Arial"/>
-      <a:defRPr b="0" i="0" sz="1400" u="none" cap="none" strike="noStrike">
+      <a:defRPr sz="1400" b="0" i="0" u="none" strike="noStrike" cap="none">
         <a:solidFill>
           <a:srgbClr val="000000"/>
         </a:solidFill>
@@ -174,7 +174,7 @@
         <a:sym typeface="Arial"/>
       </a:defRPr>
     </a:lvl5pPr>
-    <a:lvl6pPr lvl="5" marR="0" rtl="0" algn="l">
+    <a:lvl6pPr marR="0" lvl="5" algn="l" rtl="0">
       <a:lnSpc>
         <a:spcPct val="100000"/>
       </a:lnSpc>
@@ -188,7 +188,7 @@
         <a:srgbClr val="000000"/>
       </a:buClr>
       <a:buFont typeface="Arial"/>
-      <a:defRPr b="0" i="0" sz="1400" u="none" cap="none" strike="noStrike">
+      <a:defRPr sz="1400" b="0" i="0" u="none" strike="noStrike" cap="none">
         <a:solidFill>
           <a:srgbClr val="000000"/>
         </a:solidFill>
@@ -198,7 +198,7 @@
         <a:sym typeface="Arial"/>
       </a:defRPr>
     </a:lvl6pPr>
-    <a:lvl7pPr lvl="6" marR="0" rtl="0" algn="l">
+    <a:lvl7pPr marR="0" lvl="6" algn="l" rtl="0">
       <a:lnSpc>
         <a:spcPct val="100000"/>
       </a:lnSpc>
@@ -212,7 +212,7 @@
         <a:srgbClr val="000000"/>
       </a:buClr>
       <a:buFont typeface="Arial"/>
-      <a:defRPr b="0" i="0" sz="1400" u="none" cap="none" strike="noStrike">
+      <a:defRPr sz="1400" b="0" i="0" u="none" strike="noStrike" cap="none">
         <a:solidFill>
           <a:srgbClr val="000000"/>
         </a:solidFill>
@@ -222,7 +222,7 @@
         <a:sym typeface="Arial"/>
       </a:defRPr>
     </a:lvl7pPr>
-    <a:lvl8pPr lvl="7" marR="0" rtl="0" algn="l">
+    <a:lvl8pPr marR="0" lvl="7" algn="l" rtl="0">
       <a:lnSpc>
         <a:spcPct val="100000"/>
       </a:lnSpc>
@@ -236,7 +236,7 @@
         <a:srgbClr val="000000"/>
       </a:buClr>
       <a:buFont typeface="Arial"/>
-      <a:defRPr b="0" i="0" sz="1400" u="none" cap="none" strike="noStrike">
+      <a:defRPr sz="1400" b="0" i="0" u="none" strike="noStrike" cap="none">
         <a:solidFill>
           <a:srgbClr val="000000"/>
         </a:solidFill>
@@ -246,7 +246,7 @@
         <a:sym typeface="Arial"/>
       </a:defRPr>
     </a:lvl8pPr>
-    <a:lvl9pPr lvl="8" marR="0" rtl="0" algn="l">
+    <a:lvl9pPr marR="0" lvl="8" algn="l" rtl="0">
       <a:lnSpc>
         <a:spcPct val="100000"/>
       </a:lnSpc>
@@ -260,7 +260,7 @@
         <a:srgbClr val="000000"/>
       </a:buClr>
       <a:buFont typeface="Arial"/>
-      <a:defRPr b="0" i="0" sz="1400" u="none" cap="none" strike="noStrike">
+      <a:defRPr sz="1400" b="0" i="0" u="none" strike="noStrike" cap="none">
         <a:solidFill>
           <a:srgbClr val="000000"/>
         </a:solidFill>
@@ -273,7 +273,7 @@
   </p:defaultTextStyle>
   <p:extLst>
     <p:ext uri="{EFAFB233-063F-42B5-8137-9DF3F51BA10A}">
-      <p15:sldGuideLst>
+      <p15:sldGuideLst xmlns:p15="http://schemas.microsoft.com/office/powerpoint/2012/main">
         <p15:guide id="1" orient="horz" pos="1620">
           <p15:clr>
             <a:srgbClr val="747775"/>
@@ -291,11 +291,16 @@
 </file>
 
 <file path=ppt/notesMasters/notesMaster1.xml><?xml version="1.0" encoding="utf-8"?>
-<p:notesMaster xmlns:a="http://schemas.openxmlformats.org/drawingml/2006/main" xmlns:r="http://schemas.openxmlformats.org/officeDocument/2006/relationships" xmlns:mc="http://schemas.openxmlformats.org/markup-compatibility/2006" xmlns:mv="urn:schemas-microsoft-com:mac:vml" xmlns:p="http://schemas.openxmlformats.org/presentationml/2006/main" xmlns:c="http://schemas.openxmlformats.org/drawingml/2006/chart" xmlns:dgm="http://schemas.openxmlformats.org/drawingml/2006/diagram" xmlns:o="urn:schemas-microsoft-com:office:office" xmlns:v="urn:schemas-microsoft-com:vml" xmlns:pvml="urn:schemas-microsoft-com:office:powerpoint" xmlns:com="http://schemas.openxmlformats.org/drawingml/2006/compatibility" xmlns:p14="http://schemas.microsoft.com/office/powerpoint/2010/main" xmlns:p15="http://schemas.microsoft.com/office/powerpoint/2012/main" xmlns:ahyp="http://schemas.microsoft.com/office/drawing/2018/hyperlinkcolor">
+<p:notesMaster xmlns:a="http://schemas.openxmlformats.org/drawingml/2006/main" xmlns:r="http://schemas.openxmlformats.org/officeDocument/2006/relationships" xmlns:p="http://schemas.openxmlformats.org/presentationml/2006/main">
   <p:cSld>
+    <p:bg>
+      <p:bgRef idx="1001">
+        <a:schemeClr val="bg1"/>
+      </p:bgRef>
+    </p:bg>
     <p:spTree>
       <p:nvGrpSpPr>
-        <p:cNvPr id="2" name="Shape 2"/>
+        <p:cNvPr id="1" name="Shape 2"/>
         <p:cNvGrpSpPr/>
         <p:nvPr/>
       </p:nvGrpSpPr>
@@ -310,9 +315,11 @@
       <p:sp>
         <p:nvSpPr>
           <p:cNvPr id="3" name="Google Shape;3;n"/>
-          <p:cNvSpPr/>
+          <p:cNvSpPr>
+            <a:spLocks noGrp="1" noRot="1" noChangeAspect="1"/>
+          </p:cNvSpPr>
           <p:nvPr>
-            <p:ph idx="2" type="sldImg"/>
+            <p:ph type="sldImg" idx="2"/>
           </p:nvPr>
         </p:nvSpPr>
         <p:spPr>
@@ -321,9 +328,13 @@
             <a:ext cx="6096075" cy="3429000"/>
           </a:xfrm>
           <a:custGeom>
-            <a:rect b="b" l="l" r="r" t="t"/>
+            <a:avLst/>
+            <a:gdLst/>
+            <a:ahLst/>
+            <a:cxnLst/>
+            <a:rect l="l" t="t" r="r" b="b"/>
             <a:pathLst>
-              <a:path extrusionOk="0" h="120000" w="120000">
+              <a:path w="120000" h="120000" extrusionOk="0">
                 <a:moveTo>
                   <a:pt x="0" y="0"/>
                 </a:moveTo>
@@ -341,23 +352,25 @@
             </a:pathLst>
           </a:custGeom>
           <a:noFill/>
-          <a:ln cap="flat" cmpd="sng" w="9525">
+          <a:ln w="9525" cap="flat" cmpd="sng">
             <a:solidFill>
               <a:srgbClr val="000000"/>
             </a:solidFill>
             <a:prstDash val="solid"/>
             <a:round/>
-            <a:headEnd len="sm" w="sm" type="none"/>
-            <a:tailEnd len="sm" w="sm" type="none"/>
+            <a:headEnd type="none" w="sm" len="sm"/>
+            <a:tailEnd type="none" w="sm" len="sm"/>
           </a:ln>
         </p:spPr>
       </p:sp>
       <p:sp>
         <p:nvSpPr>
           <p:cNvPr id="4" name="Google Shape;4;n"/>
-          <p:cNvSpPr txBox="1"/>
+          <p:cNvSpPr txBox="1">
+            <a:spLocks noGrp="1"/>
+          </p:cNvSpPr>
           <p:nvPr>
-            <p:ph idx="1" type="body"/>
+            <p:ph type="body" idx="1"/>
           </p:nvPr>
         </p:nvSpPr>
         <p:spPr>
@@ -374,11 +387,11 @@
           </a:ln>
         </p:spPr>
         <p:txBody>
-          <a:bodyPr anchorCtr="0" anchor="t" bIns="91425" lIns="91425" spcFirstLastPara="1" rIns="91425" wrap="square" tIns="91425">
+          <a:bodyPr spcFirstLastPara="1" wrap="square" lIns="91425" tIns="91425" rIns="91425" bIns="91425" anchor="t" anchorCtr="0">
             <a:noAutofit/>
           </a:bodyPr>
           <a:lstStyle>
-            <a:lvl1pPr indent="-298450" lvl="0" marL="457200">
+            <a:lvl1pPr marL="457200" lvl="0" indent="-298450">
               <a:spcBef>
                 <a:spcPts val="0"/>
               </a:spcBef>
@@ -389,7 +402,7 @@
               <a:buChar char="●"/>
               <a:defRPr sz="1100"/>
             </a:lvl1pPr>
-            <a:lvl2pPr indent="-298450" lvl="1" marL="914400">
+            <a:lvl2pPr marL="914400" lvl="1" indent="-298450">
               <a:spcBef>
                 <a:spcPts val="0"/>
               </a:spcBef>
@@ -400,7 +413,7 @@
               <a:buChar char="○"/>
               <a:defRPr sz="1100"/>
             </a:lvl2pPr>
-            <a:lvl3pPr indent="-298450" lvl="2" marL="1371600">
+            <a:lvl3pPr marL="1371600" lvl="2" indent="-298450">
               <a:spcBef>
                 <a:spcPts val="0"/>
               </a:spcBef>
@@ -411,7 +424,7 @@
               <a:buChar char="■"/>
               <a:defRPr sz="1100"/>
             </a:lvl3pPr>
-            <a:lvl4pPr indent="-298450" lvl="3" marL="1828800">
+            <a:lvl4pPr marL="1828800" lvl="3" indent="-298450">
               <a:spcBef>
                 <a:spcPts val="0"/>
               </a:spcBef>
@@ -422,7 +435,7 @@
               <a:buChar char="●"/>
               <a:defRPr sz="1100"/>
             </a:lvl4pPr>
-            <a:lvl5pPr indent="-298450" lvl="4" marL="2286000">
+            <a:lvl5pPr marL="2286000" lvl="4" indent="-298450">
               <a:spcBef>
                 <a:spcPts val="0"/>
               </a:spcBef>
@@ -433,7 +446,7 @@
               <a:buChar char="○"/>
               <a:defRPr sz="1100"/>
             </a:lvl5pPr>
-            <a:lvl6pPr indent="-298450" lvl="5" marL="2743200">
+            <a:lvl6pPr marL="2743200" lvl="5" indent="-298450">
               <a:spcBef>
                 <a:spcPts val="0"/>
               </a:spcBef>
@@ -444,7 +457,7 @@
               <a:buChar char="■"/>
               <a:defRPr sz="1100"/>
             </a:lvl6pPr>
-            <a:lvl7pPr indent="-298450" lvl="6" marL="3200400">
+            <a:lvl7pPr marL="3200400" lvl="6" indent="-298450">
               <a:spcBef>
                 <a:spcPts val="0"/>
               </a:spcBef>
@@ -455,7 +468,7 @@
               <a:buChar char="●"/>
               <a:defRPr sz="1100"/>
             </a:lvl7pPr>
-            <a:lvl8pPr indent="-298450" lvl="7" marL="3657600">
+            <a:lvl8pPr marL="3657600" lvl="7" indent="-298450">
               <a:spcBef>
                 <a:spcPts val="0"/>
               </a:spcBef>
@@ -466,7 +479,7 @@
               <a:buChar char="○"/>
               <a:defRPr sz="1100"/>
             </a:lvl8pPr>
-            <a:lvl9pPr indent="-298450" lvl="8" marL="4114800">
+            <a:lvl9pPr marL="4114800" lvl="8" indent="-298450">
               <a:spcBef>
                 <a:spcPts val="0"/>
               </a:spcBef>
@@ -478,14 +491,16 @@
               <a:defRPr sz="1100"/>
             </a:lvl9pPr>
           </a:lstStyle>
-          <a:p/>
+          <a:p>
+            <a:endParaRPr/>
+          </a:p>
         </p:txBody>
       </p:sp>
     </p:spTree>
   </p:cSld>
-  <p:clrMap accent1="accent1" accent2="accent2" accent3="accent3" accent4="accent4" accent5="accent5" accent6="accent6" bg1="lt1" bg2="dk2" tx1="dk1" tx2="lt2" folHlink="folHlink" hlink="hlink"/>
+  <p:clrMap bg1="lt1" tx1="dk1" bg2="dk2" tx2="lt2" accent1="accent1" accent2="accent2" accent3="accent3" accent4="accent4" accent5="accent5" accent6="accent6" hlink="hlink" folHlink="folHlink"/>
   <p:notesStyle>
-    <a:defPPr lvl="0" marR="0" rtl="0" algn="l">
+    <a:defPPr marR="0" lvl="0" algn="l" rtl="0">
       <a:lnSpc>
         <a:spcPct val="100000"/>
       </a:lnSpc>
@@ -496,7 +511,7 @@
         <a:spcPts val="0"/>
       </a:spcAft>
     </a:defPPr>
-    <a:lvl1pPr lvl="0" marR="0" rtl="0" algn="l">
+    <a:lvl1pPr marR="0" lvl="0" algn="l" rtl="0">
       <a:lnSpc>
         <a:spcPct val="100000"/>
       </a:lnSpc>
@@ -510,7 +525,7 @@
         <a:srgbClr val="000000"/>
       </a:buClr>
       <a:buFont typeface="Arial"/>
-      <a:defRPr b="0" i="0" sz="1400" u="none" cap="none" strike="noStrike">
+      <a:defRPr sz="1400" b="0" i="0" u="none" strike="noStrike" cap="none">
         <a:solidFill>
           <a:srgbClr val="000000"/>
         </a:solidFill>
@@ -520,7 +535,7 @@
         <a:sym typeface="Arial"/>
       </a:defRPr>
     </a:lvl1pPr>
-    <a:lvl2pPr lvl="1" marR="0" rtl="0" algn="l">
+    <a:lvl2pPr marR="0" lvl="1" algn="l" rtl="0">
       <a:lnSpc>
         <a:spcPct val="100000"/>
       </a:lnSpc>
@@ -534,7 +549,7 @@
         <a:srgbClr val="000000"/>
       </a:buClr>
       <a:buFont typeface="Arial"/>
-      <a:defRPr b="0" i="0" sz="1400" u="none" cap="none" strike="noStrike">
+      <a:defRPr sz="1400" b="0" i="0" u="none" strike="noStrike" cap="none">
         <a:solidFill>
           <a:srgbClr val="000000"/>
         </a:solidFill>
@@ -544,7 +559,7 @@
         <a:sym typeface="Arial"/>
       </a:defRPr>
     </a:lvl2pPr>
-    <a:lvl3pPr lvl="2" marR="0" rtl="0" algn="l">
+    <a:lvl3pPr marR="0" lvl="2" algn="l" rtl="0">
       <a:lnSpc>
         <a:spcPct val="100000"/>
       </a:lnSpc>
@@ -558,7 +573,7 @@
         <a:srgbClr val="000000"/>
       </a:buClr>
       <a:buFont typeface="Arial"/>
-      <a:defRPr b="0" i="0" sz="1400" u="none" cap="none" strike="noStrike">
+      <a:defRPr sz="1400" b="0" i="0" u="none" strike="noStrike" cap="none">
         <a:solidFill>
           <a:srgbClr val="000000"/>
         </a:solidFill>
@@ -568,7 +583,7 @@
         <a:sym typeface="Arial"/>
       </a:defRPr>
     </a:lvl3pPr>
-    <a:lvl4pPr lvl="3" marR="0" rtl="0" algn="l">
+    <a:lvl4pPr marR="0" lvl="3" algn="l" rtl="0">
       <a:lnSpc>
         <a:spcPct val="100000"/>
       </a:lnSpc>
@@ -582,7 +597,7 @@
         <a:srgbClr val="000000"/>
       </a:buClr>
       <a:buFont typeface="Arial"/>
-      <a:defRPr b="0" i="0" sz="1400" u="none" cap="none" strike="noStrike">
+      <a:defRPr sz="1400" b="0" i="0" u="none" strike="noStrike" cap="none">
         <a:solidFill>
           <a:srgbClr val="000000"/>
         </a:solidFill>
@@ -592,7 +607,7 @@
         <a:sym typeface="Arial"/>
       </a:defRPr>
     </a:lvl4pPr>
-    <a:lvl5pPr lvl="4" marR="0" rtl="0" algn="l">
+    <a:lvl5pPr marR="0" lvl="4" algn="l" rtl="0">
       <a:lnSpc>
         <a:spcPct val="100000"/>
       </a:lnSpc>
@@ -606,7 +621,7 @@
         <a:srgbClr val="000000"/>
       </a:buClr>
       <a:buFont typeface="Arial"/>
-      <a:defRPr b="0" i="0" sz="1400" u="none" cap="none" strike="noStrike">
+      <a:defRPr sz="1400" b="0" i="0" u="none" strike="noStrike" cap="none">
         <a:solidFill>
           <a:srgbClr val="000000"/>
         </a:solidFill>
@@ -616,7 +631,7 @@
         <a:sym typeface="Arial"/>
       </a:defRPr>
     </a:lvl5pPr>
-    <a:lvl6pPr lvl="5" marR="0" rtl="0" algn="l">
+    <a:lvl6pPr marR="0" lvl="5" algn="l" rtl="0">
       <a:lnSpc>
         <a:spcPct val="100000"/>
       </a:lnSpc>
@@ -630,7 +645,7 @@
         <a:srgbClr val="000000"/>
       </a:buClr>
       <a:buFont typeface="Arial"/>
-      <a:defRPr b="0" i="0" sz="1400" u="none" cap="none" strike="noStrike">
+      <a:defRPr sz="1400" b="0" i="0" u="none" strike="noStrike" cap="none">
         <a:solidFill>
           <a:srgbClr val="000000"/>
         </a:solidFill>
@@ -640,7 +655,7 @@
         <a:sym typeface="Arial"/>
       </a:defRPr>
     </a:lvl6pPr>
-    <a:lvl7pPr lvl="6" marR="0" rtl="0" algn="l">
+    <a:lvl7pPr marR="0" lvl="6" algn="l" rtl="0">
       <a:lnSpc>
         <a:spcPct val="100000"/>
       </a:lnSpc>
@@ -654,7 +669,7 @@
         <a:srgbClr val="000000"/>
       </a:buClr>
       <a:buFont typeface="Arial"/>
-      <a:defRPr b="0" i="0" sz="1400" u="none" cap="none" strike="noStrike">
+      <a:defRPr sz="1400" b="0" i="0" u="none" strike="noStrike" cap="none">
         <a:solidFill>
           <a:srgbClr val="000000"/>
         </a:solidFill>
@@ -664,7 +679,7 @@
         <a:sym typeface="Arial"/>
       </a:defRPr>
     </a:lvl7pPr>
-    <a:lvl8pPr lvl="7" marR="0" rtl="0" algn="l">
+    <a:lvl8pPr marR="0" lvl="7" algn="l" rtl="0">
       <a:lnSpc>
         <a:spcPct val="100000"/>
       </a:lnSpc>
@@ -678,7 +693,7 @@
         <a:srgbClr val="000000"/>
       </a:buClr>
       <a:buFont typeface="Arial"/>
-      <a:defRPr b="0" i="0" sz="1400" u="none" cap="none" strike="noStrike">
+      <a:defRPr sz="1400" b="0" i="0" u="none" strike="noStrike" cap="none">
         <a:solidFill>
           <a:srgbClr val="000000"/>
         </a:solidFill>
@@ -688,7 +703,7 @@
         <a:sym typeface="Arial"/>
       </a:defRPr>
     </a:lvl8pPr>
-    <a:lvl9pPr lvl="8" marR="0" rtl="0" algn="l">
+    <a:lvl9pPr marR="0" lvl="8" algn="l" rtl="0">
       <a:lnSpc>
         <a:spcPct val="100000"/>
       </a:lnSpc>
@@ -702,7 +717,7 @@
         <a:srgbClr val="000000"/>
       </a:buClr>
       <a:buFont typeface="Arial"/>
-      <a:defRPr b="0" i="0" sz="1400" u="none" cap="none" strike="noStrike">
+      <a:defRPr sz="1400" b="0" i="0" u="none" strike="noStrike" cap="none">
         <a:solidFill>
           <a:srgbClr val="000000"/>
         </a:solidFill>
@@ -717,11 +732,11 @@
 </file>
 
 <file path=ppt/notesSlides/notesSlide1.xml><?xml version="1.0" encoding="utf-8"?>
-<p:notes xmlns:a="http://schemas.openxmlformats.org/drawingml/2006/main" xmlns:r="http://schemas.openxmlformats.org/officeDocument/2006/relationships" xmlns:mc="http://schemas.openxmlformats.org/markup-compatibility/2006" xmlns:mv="urn:schemas-microsoft-com:mac:vml" xmlns:p="http://schemas.openxmlformats.org/presentationml/2006/main" xmlns:c="http://schemas.openxmlformats.org/drawingml/2006/chart" xmlns:dgm="http://schemas.openxmlformats.org/drawingml/2006/diagram" xmlns:o="urn:schemas-microsoft-com:office:office" xmlns:v="urn:schemas-microsoft-com:vml" xmlns:pvml="urn:schemas-microsoft-com:office:powerpoint" xmlns:com="http://schemas.openxmlformats.org/drawingml/2006/compatibility" xmlns:p14="http://schemas.microsoft.com/office/powerpoint/2010/main" xmlns:p15="http://schemas.microsoft.com/office/powerpoint/2012/main" xmlns:ahyp="http://schemas.microsoft.com/office/drawing/2018/hyperlinkcolor" showMasterPhAnim="0" showMasterSp="0">
+<p:notes xmlns:a="http://schemas.openxmlformats.org/drawingml/2006/main" xmlns:r="http://schemas.openxmlformats.org/officeDocument/2006/relationships" xmlns:p="http://schemas.openxmlformats.org/presentationml/2006/main" showMasterSp="0" showMasterPhAnim="0">
   <p:cSld>
     <p:spTree>
       <p:nvGrpSpPr>
-        <p:cNvPr id="60" name="Shape 60"/>
+        <p:cNvPr id="1" name="Shape 60"/>
         <p:cNvGrpSpPr/>
         <p:nvPr/>
       </p:nvGrpSpPr>
@@ -736,9 +751,11 @@
       <p:sp>
         <p:nvSpPr>
           <p:cNvPr id="61" name="Google Shape;61;g355512cab76_0_891:notes"/>
-          <p:cNvSpPr/>
+          <p:cNvSpPr>
+            <a:spLocks noGrp="1" noRot="1" noChangeAspect="1"/>
+          </p:cNvSpPr>
           <p:nvPr>
-            <p:ph idx="2" type="sldImg"/>
+            <p:ph type="sldImg" idx="2"/>
           </p:nvPr>
         </p:nvSpPr>
         <p:spPr>
@@ -747,9 +764,13 @@
             <a:ext cx="6096000" cy="3429000"/>
           </a:xfrm>
           <a:custGeom>
-            <a:rect b="b" l="l" r="r" t="t"/>
+            <a:avLst/>
+            <a:gdLst/>
+            <a:ahLst/>
+            <a:cxnLst/>
+            <a:rect l="l" t="t" r="r" b="b"/>
             <a:pathLst>
-              <a:path extrusionOk="0" h="120000" w="120000">
+              <a:path w="120000" h="120000" extrusionOk="0">
                 <a:moveTo>
                   <a:pt x="0" y="0"/>
                 </a:moveTo>
@@ -771,9 +792,11 @@
       <p:sp>
         <p:nvSpPr>
           <p:cNvPr id="62" name="Google Shape;62;g355512cab76_0_891:notes"/>
-          <p:cNvSpPr txBox="1"/>
+          <p:cNvSpPr txBox="1">
+            <a:spLocks noGrp="1"/>
+          </p:cNvSpPr>
           <p:nvPr>
-            <p:ph idx="1" type="body"/>
+            <p:ph type="body" idx="1"/>
           </p:nvPr>
         </p:nvSpPr>
         <p:spPr>
@@ -786,12 +809,12 @@
           </a:prstGeom>
         </p:spPr>
         <p:txBody>
-          <a:bodyPr anchorCtr="0" anchor="t" bIns="91425" lIns="91425" spcFirstLastPara="1" rIns="91425" wrap="square" tIns="91425">
+          <a:bodyPr spcFirstLastPara="1" wrap="square" lIns="91425" tIns="91425" rIns="91425" bIns="91425" anchor="t" anchorCtr="0">
             <a:noAutofit/>
           </a:bodyPr>
           <a:lstStyle/>
           <a:p>
-            <a:pPr indent="0" lvl="0" marL="0" rtl="0" algn="l">
+            <a:pPr marL="0" lvl="0" indent="0" algn="l" rtl="0">
               <a:spcBef>
                 <a:spcPts val="0"/>
               </a:spcBef>
@@ -800,9 +823,6 @@
               </a:spcAft>
               <a:buNone/>
             </a:pPr>
-            <a:r>
-              <a:t/>
-            </a:r>
             <a:endParaRPr/>
           </a:p>
         </p:txBody>
@@ -816,11 +836,11 @@
 </file>
 
 <file path=ppt/notesSlides/notesSlide2.xml><?xml version="1.0" encoding="utf-8"?>
-<p:notes xmlns:a="http://schemas.openxmlformats.org/drawingml/2006/main" xmlns:r="http://schemas.openxmlformats.org/officeDocument/2006/relationships" xmlns:mc="http://schemas.openxmlformats.org/markup-compatibility/2006" xmlns:mv="urn:schemas-microsoft-com:mac:vml" xmlns:p="http://schemas.openxmlformats.org/presentationml/2006/main" xmlns:c="http://schemas.openxmlformats.org/drawingml/2006/chart" xmlns:dgm="http://schemas.openxmlformats.org/drawingml/2006/diagram" xmlns:o="urn:schemas-microsoft-com:office:office" xmlns:v="urn:schemas-microsoft-com:vml" xmlns:pvml="urn:schemas-microsoft-com:office:powerpoint" xmlns:com="http://schemas.openxmlformats.org/drawingml/2006/compatibility" xmlns:p14="http://schemas.microsoft.com/office/powerpoint/2010/main" xmlns:p15="http://schemas.microsoft.com/office/powerpoint/2012/main" xmlns:ahyp="http://schemas.microsoft.com/office/drawing/2018/hyperlinkcolor" showMasterPhAnim="0" showMasterSp="0">
+<p:notes xmlns:a="http://schemas.openxmlformats.org/drawingml/2006/main" xmlns:r="http://schemas.openxmlformats.org/officeDocument/2006/relationships" xmlns:p="http://schemas.openxmlformats.org/presentationml/2006/main" showMasterSp="0" showMasterPhAnim="0">
   <p:cSld>
     <p:spTree>
       <p:nvGrpSpPr>
-        <p:cNvPr id="66" name="Shape 66"/>
+        <p:cNvPr id="1" name="Shape 66"/>
         <p:cNvGrpSpPr/>
         <p:nvPr/>
       </p:nvGrpSpPr>
@@ -835,9 +855,11 @@
       <p:sp>
         <p:nvSpPr>
           <p:cNvPr id="67" name="Google Shape;67;g355512cab76_0_951:notes"/>
-          <p:cNvSpPr/>
+          <p:cNvSpPr>
+            <a:spLocks noGrp="1" noRot="1" noChangeAspect="1"/>
+          </p:cNvSpPr>
           <p:nvPr>
-            <p:ph idx="2" type="sldImg"/>
+            <p:ph type="sldImg" idx="2"/>
           </p:nvPr>
         </p:nvSpPr>
         <p:spPr>
@@ -846,9 +868,13 @@
             <a:ext cx="6096000" cy="3429000"/>
           </a:xfrm>
           <a:custGeom>
-            <a:rect b="b" l="l" r="r" t="t"/>
+            <a:avLst/>
+            <a:gdLst/>
+            <a:ahLst/>
+            <a:cxnLst/>
+            <a:rect l="l" t="t" r="r" b="b"/>
             <a:pathLst>
-              <a:path extrusionOk="0" h="120000" w="120000">
+              <a:path w="120000" h="120000" extrusionOk="0">
                 <a:moveTo>
                   <a:pt x="0" y="0"/>
                 </a:moveTo>
@@ -870,9 +896,11 @@
       <p:sp>
         <p:nvSpPr>
           <p:cNvPr id="68" name="Google Shape;68;g355512cab76_0_951:notes"/>
-          <p:cNvSpPr txBox="1"/>
+          <p:cNvSpPr txBox="1">
+            <a:spLocks noGrp="1"/>
+          </p:cNvSpPr>
           <p:nvPr>
-            <p:ph idx="1" type="body"/>
+            <p:ph type="body" idx="1"/>
           </p:nvPr>
         </p:nvSpPr>
         <p:spPr>
@@ -885,12 +913,12 @@
           </a:prstGeom>
         </p:spPr>
         <p:txBody>
-          <a:bodyPr anchorCtr="0" anchor="t" bIns="91425" lIns="91425" spcFirstLastPara="1" rIns="91425" wrap="square" tIns="91425">
+          <a:bodyPr spcFirstLastPara="1" wrap="square" lIns="91425" tIns="91425" rIns="91425" bIns="91425" anchor="t" anchorCtr="0">
             <a:noAutofit/>
           </a:bodyPr>
           <a:lstStyle/>
           <a:p>
-            <a:pPr indent="0" lvl="0" marL="0" rtl="0" algn="l">
+            <a:pPr marL="0" lvl="0" indent="0" algn="l" rtl="0">
               <a:spcBef>
                 <a:spcPts val="0"/>
               </a:spcBef>
@@ -899,9 +927,6 @@
               </a:spcAft>
               <a:buNone/>
             </a:pPr>
-            <a:r>
-              <a:t/>
-            </a:r>
             <a:endParaRPr/>
           </a:p>
         </p:txBody>
@@ -915,11 +940,11 @@
 </file>
 
 <file path=ppt/notesSlides/notesSlide3.xml><?xml version="1.0" encoding="utf-8"?>
-<p:notes xmlns:a="http://schemas.openxmlformats.org/drawingml/2006/main" xmlns:r="http://schemas.openxmlformats.org/officeDocument/2006/relationships" xmlns:mc="http://schemas.openxmlformats.org/markup-compatibility/2006" xmlns:mv="urn:schemas-microsoft-com:mac:vml" xmlns:p="http://schemas.openxmlformats.org/presentationml/2006/main" xmlns:c="http://schemas.openxmlformats.org/drawingml/2006/chart" xmlns:dgm="http://schemas.openxmlformats.org/drawingml/2006/diagram" xmlns:o="urn:schemas-microsoft-com:office:office" xmlns:v="urn:schemas-microsoft-com:vml" xmlns:pvml="urn:schemas-microsoft-com:office:powerpoint" xmlns:com="http://schemas.openxmlformats.org/drawingml/2006/compatibility" xmlns:p14="http://schemas.microsoft.com/office/powerpoint/2010/main" xmlns:p15="http://schemas.microsoft.com/office/powerpoint/2012/main" xmlns:ahyp="http://schemas.microsoft.com/office/drawing/2018/hyperlinkcolor" showMasterPhAnim="0" showMasterSp="0">
+<p:notes xmlns:a="http://schemas.openxmlformats.org/drawingml/2006/main" xmlns:r="http://schemas.openxmlformats.org/officeDocument/2006/relationships" xmlns:p="http://schemas.openxmlformats.org/presentationml/2006/main" showMasterSp="0" showMasterPhAnim="0">
   <p:cSld>
     <p:spTree>
       <p:nvGrpSpPr>
-        <p:cNvPr id="73" name="Shape 73"/>
+        <p:cNvPr id="1" name="Shape 73"/>
         <p:cNvGrpSpPr/>
         <p:nvPr/>
       </p:nvGrpSpPr>
@@ -934,9 +959,11 @@
       <p:sp>
         <p:nvSpPr>
           <p:cNvPr id="74" name="Google Shape;74;g355512cab76_0_956:notes"/>
-          <p:cNvSpPr/>
+          <p:cNvSpPr>
+            <a:spLocks noGrp="1" noRot="1" noChangeAspect="1"/>
+          </p:cNvSpPr>
           <p:nvPr>
-            <p:ph idx="2" type="sldImg"/>
+            <p:ph type="sldImg" idx="2"/>
           </p:nvPr>
         </p:nvSpPr>
         <p:spPr>
@@ -945,9 +972,13 @@
             <a:ext cx="6096000" cy="3429000"/>
           </a:xfrm>
           <a:custGeom>
-            <a:rect b="b" l="l" r="r" t="t"/>
+            <a:avLst/>
+            <a:gdLst/>
+            <a:ahLst/>
+            <a:cxnLst/>
+            <a:rect l="l" t="t" r="r" b="b"/>
             <a:pathLst>
-              <a:path extrusionOk="0" h="120000" w="120000">
+              <a:path w="120000" h="120000" extrusionOk="0">
                 <a:moveTo>
                   <a:pt x="0" y="0"/>
                 </a:moveTo>
@@ -969,9 +1000,11 @@
       <p:sp>
         <p:nvSpPr>
           <p:cNvPr id="75" name="Google Shape;75;g355512cab76_0_956:notes"/>
-          <p:cNvSpPr txBox="1"/>
+          <p:cNvSpPr txBox="1">
+            <a:spLocks noGrp="1"/>
+          </p:cNvSpPr>
           <p:nvPr>
-            <p:ph idx="1" type="body"/>
+            <p:ph type="body" idx="1"/>
           </p:nvPr>
         </p:nvSpPr>
         <p:spPr>
@@ -984,12 +1017,12 @@
           </a:prstGeom>
         </p:spPr>
         <p:txBody>
-          <a:bodyPr anchorCtr="0" anchor="t" bIns="91425" lIns="91425" spcFirstLastPara="1" rIns="91425" wrap="square" tIns="91425">
+          <a:bodyPr spcFirstLastPara="1" wrap="square" lIns="91425" tIns="91425" rIns="91425" bIns="91425" anchor="t" anchorCtr="0">
             <a:noAutofit/>
           </a:bodyPr>
           <a:lstStyle/>
           <a:p>
-            <a:pPr indent="0" lvl="0" marL="0" rtl="0" algn="l">
+            <a:pPr marL="0" lvl="0" indent="0" algn="l" rtl="0">
               <a:spcBef>
                 <a:spcPts val="0"/>
               </a:spcBef>
@@ -998,9 +1031,6 @@
               </a:spcAft>
               <a:buNone/>
             </a:pPr>
-            <a:r>
-              <a:t/>
-            </a:r>
             <a:endParaRPr/>
           </a:p>
         </p:txBody>
@@ -1014,11 +1044,11 @@
 </file>
 
 <file path=ppt/notesSlides/notesSlide4.xml><?xml version="1.0" encoding="utf-8"?>
-<p:notes xmlns:a="http://schemas.openxmlformats.org/drawingml/2006/main" xmlns:r="http://schemas.openxmlformats.org/officeDocument/2006/relationships" xmlns:mc="http://schemas.openxmlformats.org/markup-compatibility/2006" xmlns:mv="urn:schemas-microsoft-com:mac:vml" xmlns:p="http://schemas.openxmlformats.org/presentationml/2006/main" xmlns:c="http://schemas.openxmlformats.org/drawingml/2006/chart" xmlns:dgm="http://schemas.openxmlformats.org/drawingml/2006/diagram" xmlns:o="urn:schemas-microsoft-com:office:office" xmlns:v="urn:schemas-microsoft-com:vml" xmlns:pvml="urn:schemas-microsoft-com:office:powerpoint" xmlns:com="http://schemas.openxmlformats.org/drawingml/2006/compatibility" xmlns:p14="http://schemas.microsoft.com/office/powerpoint/2010/main" xmlns:p15="http://schemas.microsoft.com/office/powerpoint/2012/main" xmlns:ahyp="http://schemas.microsoft.com/office/drawing/2018/hyperlinkcolor" showMasterPhAnim="0" showMasterSp="0">
+<p:notes xmlns:a="http://schemas.openxmlformats.org/drawingml/2006/main" xmlns:r="http://schemas.openxmlformats.org/officeDocument/2006/relationships" xmlns:p="http://schemas.openxmlformats.org/presentationml/2006/main" showMasterSp="0" showMasterPhAnim="0">
   <p:cSld>
     <p:spTree>
       <p:nvGrpSpPr>
-        <p:cNvPr id="80" name="Shape 80"/>
+        <p:cNvPr id="1" name="Shape 80"/>
         <p:cNvGrpSpPr/>
         <p:nvPr/>
       </p:nvGrpSpPr>
@@ -1033,9 +1063,11 @@
       <p:sp>
         <p:nvSpPr>
           <p:cNvPr id="81" name="Google Shape;81;g355512cab76_0_961:notes"/>
-          <p:cNvSpPr/>
+          <p:cNvSpPr>
+            <a:spLocks noGrp="1" noRot="1" noChangeAspect="1"/>
+          </p:cNvSpPr>
           <p:nvPr>
-            <p:ph idx="2" type="sldImg"/>
+            <p:ph type="sldImg" idx="2"/>
           </p:nvPr>
         </p:nvSpPr>
         <p:spPr>
@@ -1044,9 +1076,13 @@
             <a:ext cx="6096000" cy="3429000"/>
           </a:xfrm>
           <a:custGeom>
-            <a:rect b="b" l="l" r="r" t="t"/>
+            <a:avLst/>
+            <a:gdLst/>
+            <a:ahLst/>
+            <a:cxnLst/>
+            <a:rect l="l" t="t" r="r" b="b"/>
             <a:pathLst>
-              <a:path extrusionOk="0" h="120000" w="120000">
+              <a:path w="120000" h="120000" extrusionOk="0">
                 <a:moveTo>
                   <a:pt x="0" y="0"/>
                 </a:moveTo>
@@ -1068,9 +1104,11 @@
       <p:sp>
         <p:nvSpPr>
           <p:cNvPr id="82" name="Google Shape;82;g355512cab76_0_961:notes"/>
-          <p:cNvSpPr txBox="1"/>
+          <p:cNvSpPr txBox="1">
+            <a:spLocks noGrp="1"/>
+          </p:cNvSpPr>
           <p:nvPr>
-            <p:ph idx="1" type="body"/>
+            <p:ph type="body" idx="1"/>
           </p:nvPr>
         </p:nvSpPr>
         <p:spPr>
@@ -1083,12 +1121,12 @@
           </a:prstGeom>
         </p:spPr>
         <p:txBody>
-          <a:bodyPr anchorCtr="0" anchor="t" bIns="91425" lIns="91425" spcFirstLastPara="1" rIns="91425" wrap="square" tIns="91425">
+          <a:bodyPr spcFirstLastPara="1" wrap="square" lIns="91425" tIns="91425" rIns="91425" bIns="91425" anchor="t" anchorCtr="0">
             <a:noAutofit/>
           </a:bodyPr>
           <a:lstStyle/>
           <a:p>
-            <a:pPr indent="0" lvl="0" marL="0" rtl="0" algn="l">
+            <a:pPr marL="0" lvl="0" indent="0" algn="l" rtl="0">
               <a:spcBef>
                 <a:spcPts val="0"/>
               </a:spcBef>
@@ -1097,9 +1135,6 @@
               </a:spcAft>
               <a:buNone/>
             </a:pPr>
-            <a:r>
-              <a:t/>
-            </a:r>
             <a:endParaRPr/>
           </a:p>
         </p:txBody>
@@ -1113,11 +1148,11 @@
 </file>
 
 <file path=ppt/notesSlides/notesSlide5.xml><?xml version="1.0" encoding="utf-8"?>
-<p:notes xmlns:a="http://schemas.openxmlformats.org/drawingml/2006/main" xmlns:r="http://schemas.openxmlformats.org/officeDocument/2006/relationships" xmlns:mc="http://schemas.openxmlformats.org/markup-compatibility/2006" xmlns:mv="urn:schemas-microsoft-com:mac:vml" xmlns:p="http://schemas.openxmlformats.org/presentationml/2006/main" xmlns:c="http://schemas.openxmlformats.org/drawingml/2006/chart" xmlns:dgm="http://schemas.openxmlformats.org/drawingml/2006/diagram" xmlns:o="urn:schemas-microsoft-com:office:office" xmlns:v="urn:schemas-microsoft-com:vml" xmlns:pvml="urn:schemas-microsoft-com:office:powerpoint" xmlns:com="http://schemas.openxmlformats.org/drawingml/2006/compatibility" xmlns:p14="http://schemas.microsoft.com/office/powerpoint/2010/main" xmlns:p15="http://schemas.microsoft.com/office/powerpoint/2012/main" xmlns:ahyp="http://schemas.microsoft.com/office/drawing/2018/hyperlinkcolor" showMasterPhAnim="0" showMasterSp="0">
+<p:notes xmlns:a="http://schemas.openxmlformats.org/drawingml/2006/main" xmlns:r="http://schemas.openxmlformats.org/officeDocument/2006/relationships" xmlns:p="http://schemas.openxmlformats.org/presentationml/2006/main" showMasterSp="0" showMasterPhAnim="0">
   <p:cSld>
     <p:spTree>
       <p:nvGrpSpPr>
-        <p:cNvPr id="87" name="Shape 87"/>
+        <p:cNvPr id="1" name="Shape 87"/>
         <p:cNvGrpSpPr/>
         <p:nvPr/>
       </p:nvGrpSpPr>
@@ -1132,20 +1167,26 @@
       <p:sp>
         <p:nvSpPr>
           <p:cNvPr id="88" name="Google Shape;88;g35575f60c13_0_0:notes"/>
-          <p:cNvSpPr/>
+          <p:cNvSpPr>
+            <a:spLocks noGrp="1" noRot="1" noChangeAspect="1"/>
+          </p:cNvSpPr>
           <p:nvPr>
-            <p:ph idx="2" type="sldImg"/>
+            <p:ph type="sldImg" idx="2"/>
           </p:nvPr>
         </p:nvSpPr>
         <p:spPr>
           <a:xfrm>
-            <a:off x="381300" y="685800"/>
+            <a:off x="381000" y="685800"/>
             <a:ext cx="6096000" cy="3429000"/>
           </a:xfrm>
           <a:custGeom>
-            <a:rect b="b" l="l" r="r" t="t"/>
+            <a:avLst/>
+            <a:gdLst/>
+            <a:ahLst/>
+            <a:cxnLst/>
+            <a:rect l="l" t="t" r="r" b="b"/>
             <a:pathLst>
-              <a:path extrusionOk="0" h="120000" w="120000">
+              <a:path w="120000" h="120000" extrusionOk="0">
                 <a:moveTo>
                   <a:pt x="0" y="0"/>
                 </a:moveTo>
@@ -1167,9 +1208,11 @@
       <p:sp>
         <p:nvSpPr>
           <p:cNvPr id="89" name="Google Shape;89;g35575f60c13_0_0:notes"/>
-          <p:cNvSpPr txBox="1"/>
+          <p:cNvSpPr txBox="1">
+            <a:spLocks noGrp="1"/>
+          </p:cNvSpPr>
           <p:nvPr>
-            <p:ph idx="1" type="body"/>
+            <p:ph type="body" idx="1"/>
           </p:nvPr>
         </p:nvSpPr>
         <p:spPr>
@@ -1182,12 +1225,12 @@
           </a:prstGeom>
         </p:spPr>
         <p:txBody>
-          <a:bodyPr anchorCtr="0" anchor="t" bIns="91425" lIns="91425" spcFirstLastPara="1" rIns="91425" wrap="square" tIns="91425">
+          <a:bodyPr spcFirstLastPara="1" wrap="square" lIns="91425" tIns="91425" rIns="91425" bIns="91425" anchor="t" anchorCtr="0">
             <a:noAutofit/>
           </a:bodyPr>
           <a:lstStyle/>
           <a:p>
-            <a:pPr indent="0" lvl="0" marL="0" rtl="0" algn="l">
+            <a:pPr marL="0" lvl="0" indent="0" algn="l" rtl="0">
               <a:spcBef>
                 <a:spcPts val="0"/>
               </a:spcBef>
@@ -1196,9 +1239,6 @@
               </a:spcAft>
               <a:buNone/>
             </a:pPr>
-            <a:r>
-              <a:t/>
-            </a:r>
             <a:endParaRPr/>
           </a:p>
         </p:txBody>
@@ -1212,11 +1252,11 @@
 </file>
 
 <file path=ppt/notesSlides/notesSlide6.xml><?xml version="1.0" encoding="utf-8"?>
-<p:notes xmlns:a="http://schemas.openxmlformats.org/drawingml/2006/main" xmlns:r="http://schemas.openxmlformats.org/officeDocument/2006/relationships" xmlns:mc="http://schemas.openxmlformats.org/markup-compatibility/2006" xmlns:mv="urn:schemas-microsoft-com:mac:vml" xmlns:p="http://schemas.openxmlformats.org/presentationml/2006/main" xmlns:c="http://schemas.openxmlformats.org/drawingml/2006/chart" xmlns:dgm="http://schemas.openxmlformats.org/drawingml/2006/diagram" xmlns:o="urn:schemas-microsoft-com:office:office" xmlns:v="urn:schemas-microsoft-com:vml" xmlns:pvml="urn:schemas-microsoft-com:office:powerpoint" xmlns:com="http://schemas.openxmlformats.org/drawingml/2006/compatibility" xmlns:p14="http://schemas.microsoft.com/office/powerpoint/2010/main" xmlns:p15="http://schemas.microsoft.com/office/powerpoint/2012/main" xmlns:ahyp="http://schemas.microsoft.com/office/drawing/2018/hyperlinkcolor" showMasterPhAnim="0" showMasterSp="0">
+<p:notes xmlns:a="http://schemas.openxmlformats.org/drawingml/2006/main" xmlns:r="http://schemas.openxmlformats.org/officeDocument/2006/relationships" xmlns:p="http://schemas.openxmlformats.org/presentationml/2006/main" showMasterSp="0" showMasterPhAnim="0">
   <p:cSld>
     <p:spTree>
       <p:nvGrpSpPr>
-        <p:cNvPr id="94" name="Shape 94"/>
+        <p:cNvPr id="1" name="Shape 94"/>
         <p:cNvGrpSpPr/>
         <p:nvPr/>
       </p:nvGrpSpPr>
@@ -1231,9 +1271,11 @@
       <p:sp>
         <p:nvSpPr>
           <p:cNvPr id="95" name="Google Shape;95;g355512cab76_0_976:notes"/>
-          <p:cNvSpPr/>
+          <p:cNvSpPr>
+            <a:spLocks noGrp="1" noRot="1" noChangeAspect="1"/>
+          </p:cNvSpPr>
           <p:nvPr>
-            <p:ph idx="2" type="sldImg"/>
+            <p:ph type="sldImg" idx="2"/>
           </p:nvPr>
         </p:nvSpPr>
         <p:spPr>
@@ -1242,9 +1284,13 @@
             <a:ext cx="6096000" cy="3429000"/>
           </a:xfrm>
           <a:custGeom>
-            <a:rect b="b" l="l" r="r" t="t"/>
+            <a:avLst/>
+            <a:gdLst/>
+            <a:ahLst/>
+            <a:cxnLst/>
+            <a:rect l="l" t="t" r="r" b="b"/>
             <a:pathLst>
-              <a:path extrusionOk="0" h="120000" w="120000">
+              <a:path w="120000" h="120000" extrusionOk="0">
                 <a:moveTo>
                   <a:pt x="0" y="0"/>
                 </a:moveTo>
@@ -1266,9 +1312,11 @@
       <p:sp>
         <p:nvSpPr>
           <p:cNvPr id="96" name="Google Shape;96;g355512cab76_0_976:notes"/>
-          <p:cNvSpPr txBox="1"/>
+          <p:cNvSpPr txBox="1">
+            <a:spLocks noGrp="1"/>
+          </p:cNvSpPr>
           <p:nvPr>
-            <p:ph idx="1" type="body"/>
+            <p:ph type="body" idx="1"/>
           </p:nvPr>
         </p:nvSpPr>
         <p:spPr>
@@ -1281,12 +1329,12 @@
           </a:prstGeom>
         </p:spPr>
         <p:txBody>
-          <a:bodyPr anchorCtr="0" anchor="t" bIns="91425" lIns="91425" spcFirstLastPara="1" rIns="91425" wrap="square" tIns="91425">
+          <a:bodyPr spcFirstLastPara="1" wrap="square" lIns="91425" tIns="91425" rIns="91425" bIns="91425" anchor="t" anchorCtr="0">
             <a:noAutofit/>
           </a:bodyPr>
           <a:lstStyle/>
           <a:p>
-            <a:pPr indent="0" lvl="0" marL="0" rtl="0" algn="l">
+            <a:pPr marL="0" lvl="0" indent="0" algn="l" rtl="0">
               <a:spcBef>
                 <a:spcPts val="0"/>
               </a:spcBef>
@@ -1295,9 +1343,6 @@
               </a:spcAft>
               <a:buNone/>
             </a:pPr>
-            <a:r>
-              <a:t/>
-            </a:r>
             <a:endParaRPr/>
           </a:p>
         </p:txBody>
@@ -1311,11 +1356,11 @@
 </file>
 
 <file path=ppt/notesSlides/notesSlide7.xml><?xml version="1.0" encoding="utf-8"?>
-<p:notes xmlns:a="http://schemas.openxmlformats.org/drawingml/2006/main" xmlns:r="http://schemas.openxmlformats.org/officeDocument/2006/relationships" xmlns:mc="http://schemas.openxmlformats.org/markup-compatibility/2006" xmlns:mv="urn:schemas-microsoft-com:mac:vml" xmlns:p="http://schemas.openxmlformats.org/presentationml/2006/main" xmlns:c="http://schemas.openxmlformats.org/drawingml/2006/chart" xmlns:dgm="http://schemas.openxmlformats.org/drawingml/2006/diagram" xmlns:o="urn:schemas-microsoft-com:office:office" xmlns:v="urn:schemas-microsoft-com:vml" xmlns:pvml="urn:schemas-microsoft-com:office:powerpoint" xmlns:com="http://schemas.openxmlformats.org/drawingml/2006/compatibility" xmlns:p14="http://schemas.microsoft.com/office/powerpoint/2010/main" xmlns:p15="http://schemas.microsoft.com/office/powerpoint/2012/main" xmlns:ahyp="http://schemas.microsoft.com/office/drawing/2018/hyperlinkcolor" showMasterPhAnim="0" showMasterSp="0">
+<p:notes xmlns:a="http://schemas.openxmlformats.org/drawingml/2006/main" xmlns:r="http://schemas.openxmlformats.org/officeDocument/2006/relationships" xmlns:p="http://schemas.openxmlformats.org/presentationml/2006/main" showMasterSp="0" showMasterPhAnim="0">
   <p:cSld>
     <p:spTree>
       <p:nvGrpSpPr>
-        <p:cNvPr id="104" name="Shape 104"/>
+        <p:cNvPr id="1" name="Shape 104"/>
         <p:cNvGrpSpPr/>
         <p:nvPr/>
       </p:nvGrpSpPr>
@@ -1330,20 +1375,26 @@
       <p:sp>
         <p:nvSpPr>
           <p:cNvPr id="105" name="Google Shape;105;g355512cab76_0_990:notes"/>
-          <p:cNvSpPr/>
+          <p:cNvSpPr>
+            <a:spLocks noGrp="1" noRot="1" noChangeAspect="1"/>
+          </p:cNvSpPr>
           <p:nvPr>
-            <p:ph idx="2" type="sldImg"/>
+            <p:ph type="sldImg" idx="2"/>
           </p:nvPr>
         </p:nvSpPr>
         <p:spPr>
           <a:xfrm>
-            <a:off x="381300" y="685800"/>
+            <a:off x="381000" y="685800"/>
             <a:ext cx="6096000" cy="3429000"/>
           </a:xfrm>
           <a:custGeom>
-            <a:rect b="b" l="l" r="r" t="t"/>
+            <a:avLst/>
+            <a:gdLst/>
+            <a:ahLst/>
+            <a:cxnLst/>
+            <a:rect l="l" t="t" r="r" b="b"/>
             <a:pathLst>
-              <a:path extrusionOk="0" h="120000" w="120000">
+              <a:path w="120000" h="120000" extrusionOk="0">
                 <a:moveTo>
                   <a:pt x="0" y="0"/>
                 </a:moveTo>
@@ -1365,9 +1416,11 @@
       <p:sp>
         <p:nvSpPr>
           <p:cNvPr id="106" name="Google Shape;106;g355512cab76_0_990:notes"/>
-          <p:cNvSpPr txBox="1"/>
+          <p:cNvSpPr txBox="1">
+            <a:spLocks noGrp="1"/>
+          </p:cNvSpPr>
           <p:nvPr>
-            <p:ph idx="1" type="body"/>
+            <p:ph type="body" idx="1"/>
           </p:nvPr>
         </p:nvSpPr>
         <p:spPr>
@@ -1380,12 +1433,12 @@
           </a:prstGeom>
         </p:spPr>
         <p:txBody>
-          <a:bodyPr anchorCtr="0" anchor="t" bIns="91425" lIns="91425" spcFirstLastPara="1" rIns="91425" wrap="square" tIns="91425">
+          <a:bodyPr spcFirstLastPara="1" wrap="square" lIns="91425" tIns="91425" rIns="91425" bIns="91425" anchor="t" anchorCtr="0">
             <a:noAutofit/>
           </a:bodyPr>
           <a:lstStyle/>
           <a:p>
-            <a:pPr indent="0" lvl="0" marL="0" rtl="0" algn="l">
+            <a:pPr marL="0" lvl="0" indent="0" algn="l" rtl="0">
               <a:spcBef>
                 <a:spcPts val="0"/>
               </a:spcBef>
@@ -1394,9 +1447,6 @@
               </a:spcAft>
               <a:buNone/>
             </a:pPr>
-            <a:r>
-              <a:t/>
-            </a:r>
             <a:endParaRPr/>
           </a:p>
         </p:txBody>
@@ -1410,11 +1460,11 @@
 </file>
 
 <file path=ppt/notesSlides/notesSlide8.xml><?xml version="1.0" encoding="utf-8"?>
-<p:notes xmlns:a="http://schemas.openxmlformats.org/drawingml/2006/main" xmlns:r="http://schemas.openxmlformats.org/officeDocument/2006/relationships" xmlns:mc="http://schemas.openxmlformats.org/markup-compatibility/2006" xmlns:mv="urn:schemas-microsoft-com:mac:vml" xmlns:p="http://schemas.openxmlformats.org/presentationml/2006/main" xmlns:c="http://schemas.openxmlformats.org/drawingml/2006/chart" xmlns:dgm="http://schemas.openxmlformats.org/drawingml/2006/diagram" xmlns:o="urn:schemas-microsoft-com:office:office" xmlns:v="urn:schemas-microsoft-com:vml" xmlns:pvml="urn:schemas-microsoft-com:office:powerpoint" xmlns:com="http://schemas.openxmlformats.org/drawingml/2006/compatibility" xmlns:p14="http://schemas.microsoft.com/office/powerpoint/2010/main" xmlns:p15="http://schemas.microsoft.com/office/powerpoint/2012/main" xmlns:ahyp="http://schemas.microsoft.com/office/drawing/2018/hyperlinkcolor" showMasterPhAnim="0" showMasterSp="0">
+<p:notes xmlns:a="http://schemas.openxmlformats.org/drawingml/2006/main" xmlns:r="http://schemas.openxmlformats.org/officeDocument/2006/relationships" xmlns:p="http://schemas.openxmlformats.org/presentationml/2006/main" showMasterSp="0" showMasterPhAnim="0">
   <p:cSld>
     <p:spTree>
       <p:nvGrpSpPr>
-        <p:cNvPr id="114" name="Shape 114"/>
+        <p:cNvPr id="1" name="Shape 114"/>
         <p:cNvGrpSpPr/>
         <p:nvPr/>
       </p:nvGrpSpPr>
@@ -1429,20 +1479,26 @@
       <p:sp>
         <p:nvSpPr>
           <p:cNvPr id="115" name="Google Shape;115;g35575f60c13_0_6:notes"/>
-          <p:cNvSpPr/>
+          <p:cNvSpPr>
+            <a:spLocks noGrp="1" noRot="1" noChangeAspect="1"/>
+          </p:cNvSpPr>
           <p:nvPr>
-            <p:ph idx="2" type="sldImg"/>
+            <p:ph type="sldImg" idx="2"/>
           </p:nvPr>
         </p:nvSpPr>
         <p:spPr>
           <a:xfrm>
-            <a:off x="381300" y="685800"/>
+            <a:off x="381000" y="685800"/>
             <a:ext cx="6096000" cy="3429000"/>
           </a:xfrm>
           <a:custGeom>
-            <a:rect b="b" l="l" r="r" t="t"/>
+            <a:avLst/>
+            <a:gdLst/>
+            <a:ahLst/>
+            <a:cxnLst/>
+            <a:rect l="l" t="t" r="r" b="b"/>
             <a:pathLst>
-              <a:path extrusionOk="0" h="120000" w="120000">
+              <a:path w="120000" h="120000" extrusionOk="0">
                 <a:moveTo>
                   <a:pt x="0" y="0"/>
                 </a:moveTo>
@@ -1464,9 +1520,11 @@
       <p:sp>
         <p:nvSpPr>
           <p:cNvPr id="116" name="Google Shape;116;g35575f60c13_0_6:notes"/>
-          <p:cNvSpPr txBox="1"/>
+          <p:cNvSpPr txBox="1">
+            <a:spLocks noGrp="1"/>
+          </p:cNvSpPr>
           <p:nvPr>
-            <p:ph idx="1" type="body"/>
+            <p:ph type="body" idx="1"/>
           </p:nvPr>
         </p:nvSpPr>
         <p:spPr>
@@ -1479,12 +1537,12 @@
           </a:prstGeom>
         </p:spPr>
         <p:txBody>
-          <a:bodyPr anchorCtr="0" anchor="t" bIns="91425" lIns="91425" spcFirstLastPara="1" rIns="91425" wrap="square" tIns="91425">
+          <a:bodyPr spcFirstLastPara="1" wrap="square" lIns="91425" tIns="91425" rIns="91425" bIns="91425" anchor="t" anchorCtr="0">
             <a:noAutofit/>
           </a:bodyPr>
           <a:lstStyle/>
           <a:p>
-            <a:pPr indent="0" lvl="0" marL="0" rtl="0" algn="l">
+            <a:pPr marL="0" lvl="0" indent="0" algn="l" rtl="0">
               <a:spcBef>
                 <a:spcPts val="0"/>
               </a:spcBef>
@@ -1493,9 +1551,6 @@
               </a:spcAft>
               <a:buNone/>
             </a:pPr>
-            <a:r>
-              <a:t/>
-            </a:r>
             <a:endParaRPr/>
           </a:p>
         </p:txBody>
@@ -1509,18 +1564,19 @@
 </file>
 
 <file path=ppt/slideLayouts/slideLayout1.xml><?xml version="1.0" encoding="utf-8"?>
-<p:sldLayout xmlns:a="http://schemas.openxmlformats.org/drawingml/2006/main" xmlns:r="http://schemas.openxmlformats.org/officeDocument/2006/relationships" xmlns:mc="http://schemas.openxmlformats.org/markup-compatibility/2006" xmlns:mv="urn:schemas-microsoft-com:mac:vml" xmlns:p="http://schemas.openxmlformats.org/presentationml/2006/main" xmlns:c="http://schemas.openxmlformats.org/drawingml/2006/chart" xmlns:dgm="http://schemas.openxmlformats.org/drawingml/2006/diagram" xmlns:o="urn:schemas-microsoft-com:office:office" xmlns:v="urn:schemas-microsoft-com:vml" xmlns:pvml="urn:schemas-microsoft-com:office:powerpoint" xmlns:com="http://schemas.openxmlformats.org/drawingml/2006/compatibility" xmlns:p14="http://schemas.microsoft.com/office/powerpoint/2010/main" xmlns:p15="http://schemas.microsoft.com/office/powerpoint/2012/main" xmlns:ahyp="http://schemas.microsoft.com/office/drawing/2018/hyperlinkcolor" matchingName="Title slide" type="title">
+<p:sldLayout xmlns:a="http://schemas.openxmlformats.org/drawingml/2006/main" xmlns:r="http://schemas.openxmlformats.org/officeDocument/2006/relationships" xmlns:p="http://schemas.openxmlformats.org/presentationml/2006/main" matchingName="Title slide" type="title">
   <p:cSld name="TITLE">
     <p:bg>
       <p:bgPr>
         <a:solidFill>
           <a:schemeClr val="dk1"/>
         </a:solidFill>
+        <a:effectLst/>
       </p:bgPr>
     </p:bg>
     <p:spTree>
       <p:nvGrpSpPr>
-        <p:cNvPr id="9" name="Shape 9"/>
+        <p:cNvPr id="1" name="Shape 9"/>
         <p:cNvGrpSpPr/>
         <p:nvPr/>
       </p:nvGrpSpPr>
@@ -1544,9 +1600,13 @@
             <a:ext cx="9144250" cy="4398100"/>
           </a:xfrm>
           <a:custGeom>
-            <a:rect b="b" l="l" r="r" t="t"/>
+            <a:avLst/>
+            <a:gdLst/>
+            <a:ahLst/>
+            <a:cxnLst/>
+            <a:rect l="l" t="t" r="r" b="b"/>
             <a:pathLst>
-              <a:path extrusionOk="0" h="175924" w="365770">
+              <a:path w="365770" h="175924" extrusionOk="0">
                 <a:moveTo>
                   <a:pt x="0" y="0"/>
                 </a:moveTo>
@@ -1574,7 +1634,9 @@
       <p:sp>
         <p:nvSpPr>
           <p:cNvPr id="11" name="Google Shape;11;p2"/>
-          <p:cNvSpPr txBox="1"/>
+          <p:cNvSpPr txBox="1">
+            <a:spLocks noGrp="1"/>
+          </p:cNvSpPr>
           <p:nvPr>
             <p:ph type="ctrTitle"/>
           </p:nvPr>
@@ -1589,7 +1651,7 @@
           </a:prstGeom>
         </p:spPr>
         <p:txBody>
-          <a:bodyPr anchorCtr="0" anchor="t" bIns="91425" lIns="91425" spcFirstLastPara="1" rIns="91425" wrap="square" tIns="91425">
+          <a:bodyPr spcFirstLastPara="1" wrap="square" lIns="91425" tIns="91425" rIns="91425" bIns="91425" anchor="t" anchorCtr="0">
             <a:normAutofit/>
           </a:bodyPr>
           <a:lstStyle>
@@ -1693,15 +1755,19 @@
               <a:defRPr sz="3600"/>
             </a:lvl9pPr>
           </a:lstStyle>
-          <a:p/>
+          <a:p>
+            <a:endParaRPr/>
+          </a:p>
         </p:txBody>
       </p:sp>
       <p:sp>
         <p:nvSpPr>
           <p:cNvPr id="12" name="Google Shape;12;p2"/>
-          <p:cNvSpPr txBox="1"/>
+          <p:cNvSpPr txBox="1">
+            <a:spLocks noGrp="1"/>
+          </p:cNvSpPr>
           <p:nvPr>
-            <p:ph idx="1" type="subTitle"/>
+            <p:ph type="subTitle" idx="1"/>
           </p:nvPr>
         </p:nvSpPr>
         <p:spPr>
@@ -1714,7 +1780,7 @@
           </a:prstGeom>
         </p:spPr>
         <p:txBody>
-          <a:bodyPr anchorCtr="0" anchor="t" bIns="91425" lIns="91425" spcFirstLastPara="1" rIns="91425" wrap="square" tIns="91425">
+          <a:bodyPr spcFirstLastPara="1" wrap="square" lIns="91425" tIns="91425" rIns="91425" bIns="91425" anchor="t" anchorCtr="0">
             <a:normAutofit/>
           </a:bodyPr>
           <a:lstStyle>
@@ -1908,15 +1974,19 @@
               </a:defRPr>
             </a:lvl9pPr>
           </a:lstStyle>
-          <a:p/>
+          <a:p>
+            <a:endParaRPr/>
+          </a:p>
         </p:txBody>
       </p:sp>
       <p:sp>
         <p:nvSpPr>
           <p:cNvPr id="13" name="Google Shape;13;p2"/>
-          <p:cNvSpPr txBox="1"/>
+          <p:cNvSpPr txBox="1">
+            <a:spLocks noGrp="1"/>
+          </p:cNvSpPr>
           <p:nvPr>
-            <p:ph idx="12" type="sldNum"/>
+            <p:ph type="sldNum" idx="12"/>
           </p:nvPr>
         </p:nvSpPr>
         <p:spPr>
@@ -1929,7 +1999,7 @@
           </a:prstGeom>
         </p:spPr>
         <p:txBody>
-          <a:bodyPr anchorCtr="0" anchor="ctr" bIns="91425" lIns="91425" spcFirstLastPara="1" rIns="91425" wrap="square" tIns="91425">
+          <a:bodyPr spcFirstLastPara="1" wrap="square" lIns="91425" tIns="91425" rIns="91425" bIns="91425" anchor="ctr" anchorCtr="0">
             <a:normAutofit/>
           </a:bodyPr>
           <a:lstStyle>
@@ -2007,7 +2077,7 @@
             </a:lvl9pPr>
           </a:lstStyle>
           <a:p>
-            <a:pPr indent="0" lvl="0" marL="0" rtl="0" algn="r">
+            <a:pPr marL="0" lvl="0" indent="0" algn="r" rtl="0">
               <a:spcBef>
                 <a:spcPts val="0"/>
               </a:spcBef>
@@ -2033,18 +2103,19 @@
 </file>
 
 <file path=ppt/slideLayouts/slideLayout10.xml><?xml version="1.0" encoding="utf-8"?>
-<p:sldLayout xmlns:a="http://schemas.openxmlformats.org/drawingml/2006/main" xmlns:r="http://schemas.openxmlformats.org/officeDocument/2006/relationships" xmlns:mc="http://schemas.openxmlformats.org/markup-compatibility/2006" xmlns:mv="urn:schemas-microsoft-com:mac:vml" xmlns:p="http://schemas.openxmlformats.org/presentationml/2006/main" xmlns:c="http://schemas.openxmlformats.org/drawingml/2006/chart" xmlns:dgm="http://schemas.openxmlformats.org/drawingml/2006/diagram" xmlns:o="urn:schemas-microsoft-com:office:office" xmlns:v="urn:schemas-microsoft-com:vml" xmlns:pvml="urn:schemas-microsoft-com:office:powerpoint" xmlns:com="http://schemas.openxmlformats.org/drawingml/2006/compatibility" xmlns:p14="http://schemas.microsoft.com/office/powerpoint/2010/main" xmlns:p15="http://schemas.microsoft.com/office/powerpoint/2012/main" xmlns:ahyp="http://schemas.microsoft.com/office/drawing/2018/hyperlinkcolor" matchingName="Big number">
+<p:sldLayout xmlns:a="http://schemas.openxmlformats.org/drawingml/2006/main" xmlns:r="http://schemas.openxmlformats.org/officeDocument/2006/relationships" xmlns:p="http://schemas.openxmlformats.org/presentationml/2006/main" matchingName="Big number">
   <p:cSld name="BIG_NUMBER">
     <p:bg>
       <p:bgPr>
         <a:solidFill>
           <a:schemeClr val="dk1"/>
         </a:solidFill>
+        <a:effectLst/>
       </p:bgPr>
     </p:bg>
     <p:spTree>
       <p:nvGrpSpPr>
-        <p:cNvPr id="54" name="Shape 54"/>
+        <p:cNvPr id="1" name="Shape 54"/>
         <p:cNvGrpSpPr/>
         <p:nvPr/>
       </p:nvGrpSpPr>
@@ -2059,9 +2130,11 @@
       <p:sp>
         <p:nvSpPr>
           <p:cNvPr id="55" name="Google Shape;55;p11"/>
-          <p:cNvSpPr txBox="1"/>
+          <p:cNvSpPr txBox="1">
+            <a:spLocks noGrp="1"/>
+          </p:cNvSpPr>
           <p:nvPr>
-            <p:ph hasCustomPrompt="1" type="title"/>
+            <p:ph type="title" hasCustomPrompt="1"/>
           </p:nvPr>
         </p:nvSpPr>
         <p:spPr>
@@ -2074,7 +2147,7 @@
           </a:prstGeom>
         </p:spPr>
         <p:txBody>
-          <a:bodyPr anchorCtr="0" anchor="b" bIns="91425" lIns="91425" spcFirstLastPara="1" rIns="91425" wrap="square" tIns="91425">
+          <a:bodyPr spcFirstLastPara="1" wrap="square" lIns="91425" tIns="91425" rIns="91425" bIns="91425" anchor="b" anchorCtr="0">
             <a:normAutofit/>
           </a:bodyPr>
           <a:lstStyle>
@@ -2251,9 +2324,11 @@
       <p:sp>
         <p:nvSpPr>
           <p:cNvPr id="56" name="Google Shape;56;p11"/>
-          <p:cNvSpPr txBox="1"/>
+          <p:cNvSpPr txBox="1">
+            <a:spLocks noGrp="1"/>
+          </p:cNvSpPr>
           <p:nvPr>
-            <p:ph idx="1" type="body"/>
+            <p:ph type="body" idx="1"/>
           </p:nvPr>
         </p:nvSpPr>
         <p:spPr>
@@ -2266,11 +2341,11 @@
           </a:prstGeom>
         </p:spPr>
         <p:txBody>
-          <a:bodyPr anchorCtr="0" anchor="t" bIns="91425" lIns="91425" spcFirstLastPara="1" rIns="91425" wrap="square" tIns="91425">
+          <a:bodyPr spcFirstLastPara="1" wrap="square" lIns="91425" tIns="91425" rIns="91425" bIns="91425" anchor="t" anchorCtr="0">
             <a:normAutofit/>
           </a:bodyPr>
           <a:lstStyle>
-            <a:lvl1pPr indent="-311150" lvl="0" marL="457200">
+            <a:lvl1pPr marL="457200" lvl="0" indent="-311150">
               <a:spcBef>
                 <a:spcPts val="0"/>
               </a:spcBef>
@@ -2288,7 +2363,7 @@
                 </a:solidFill>
               </a:defRPr>
             </a:lvl1pPr>
-            <a:lvl2pPr indent="-298450" lvl="1" marL="914400">
+            <a:lvl2pPr marL="914400" lvl="1" indent="-298450">
               <a:spcBef>
                 <a:spcPts val="0"/>
               </a:spcBef>
@@ -2306,7 +2381,7 @@
                 </a:solidFill>
               </a:defRPr>
             </a:lvl2pPr>
-            <a:lvl3pPr indent="-298450" lvl="2" marL="1371600">
+            <a:lvl3pPr marL="1371600" lvl="2" indent="-298450">
               <a:spcBef>
                 <a:spcPts val="0"/>
               </a:spcBef>
@@ -2324,7 +2399,7 @@
                 </a:solidFill>
               </a:defRPr>
             </a:lvl3pPr>
-            <a:lvl4pPr indent="-298450" lvl="3" marL="1828800">
+            <a:lvl4pPr marL="1828800" lvl="3" indent="-298450">
               <a:spcBef>
                 <a:spcPts val="0"/>
               </a:spcBef>
@@ -2342,7 +2417,7 @@
                 </a:solidFill>
               </a:defRPr>
             </a:lvl4pPr>
-            <a:lvl5pPr indent="-298450" lvl="4" marL="2286000">
+            <a:lvl5pPr marL="2286000" lvl="4" indent="-298450">
               <a:spcBef>
                 <a:spcPts val="0"/>
               </a:spcBef>
@@ -2360,7 +2435,7 @@
                 </a:solidFill>
               </a:defRPr>
             </a:lvl5pPr>
-            <a:lvl6pPr indent="-298450" lvl="5" marL="2743200">
+            <a:lvl6pPr marL="2743200" lvl="5" indent="-298450">
               <a:spcBef>
                 <a:spcPts val="0"/>
               </a:spcBef>
@@ -2378,7 +2453,7 @@
                 </a:solidFill>
               </a:defRPr>
             </a:lvl6pPr>
-            <a:lvl7pPr indent="-298450" lvl="6" marL="3200400">
+            <a:lvl7pPr marL="3200400" lvl="6" indent="-298450">
               <a:spcBef>
                 <a:spcPts val="0"/>
               </a:spcBef>
@@ -2396,7 +2471,7 @@
                 </a:solidFill>
               </a:defRPr>
             </a:lvl7pPr>
-            <a:lvl8pPr indent="-298450" lvl="7" marL="3657600">
+            <a:lvl8pPr marL="3657600" lvl="7" indent="-298450">
               <a:spcBef>
                 <a:spcPts val="0"/>
               </a:spcBef>
@@ -2414,7 +2489,7 @@
                 </a:solidFill>
               </a:defRPr>
             </a:lvl8pPr>
-            <a:lvl9pPr indent="-298450" lvl="8" marL="4114800">
+            <a:lvl9pPr marL="4114800" lvl="8" indent="-298450">
               <a:spcBef>
                 <a:spcPts val="0"/>
               </a:spcBef>
@@ -2433,15 +2508,19 @@
               </a:defRPr>
             </a:lvl9pPr>
           </a:lstStyle>
-          <a:p/>
+          <a:p>
+            <a:endParaRPr/>
+          </a:p>
         </p:txBody>
       </p:sp>
       <p:sp>
         <p:nvSpPr>
           <p:cNvPr id="57" name="Google Shape;57;p11"/>
-          <p:cNvSpPr txBox="1"/>
+          <p:cNvSpPr txBox="1">
+            <a:spLocks noGrp="1"/>
+          </p:cNvSpPr>
           <p:nvPr>
-            <p:ph idx="12" type="sldNum"/>
+            <p:ph type="sldNum" idx="12"/>
           </p:nvPr>
         </p:nvSpPr>
         <p:spPr>
@@ -2454,7 +2533,7 @@
           </a:prstGeom>
         </p:spPr>
         <p:txBody>
-          <a:bodyPr anchorCtr="0" anchor="ctr" bIns="91425" lIns="91425" spcFirstLastPara="1" rIns="91425" wrap="square" tIns="91425">
+          <a:bodyPr spcFirstLastPara="1" wrap="square" lIns="91425" tIns="91425" rIns="91425" bIns="91425" anchor="ctr" anchorCtr="0">
             <a:normAutofit/>
           </a:bodyPr>
           <a:lstStyle>
@@ -2532,7 +2611,7 @@
             </a:lvl9pPr>
           </a:lstStyle>
           <a:p>
-            <a:pPr indent="0" lvl="0" marL="0" rtl="0" algn="r">
+            <a:pPr marL="0" lvl="0" indent="0" algn="r" rtl="0">
               <a:spcBef>
                 <a:spcPts val="0"/>
               </a:spcBef>
@@ -2558,11 +2637,11 @@
 </file>
 
 <file path=ppt/slideLayouts/slideLayout11.xml><?xml version="1.0" encoding="utf-8"?>
-<p:sldLayout xmlns:a="http://schemas.openxmlformats.org/drawingml/2006/main" xmlns:r="http://schemas.openxmlformats.org/officeDocument/2006/relationships" xmlns:mc="http://schemas.openxmlformats.org/markup-compatibility/2006" xmlns:mv="urn:schemas-microsoft-com:mac:vml" xmlns:p="http://schemas.openxmlformats.org/presentationml/2006/main" xmlns:c="http://schemas.openxmlformats.org/drawingml/2006/chart" xmlns:dgm="http://schemas.openxmlformats.org/drawingml/2006/diagram" xmlns:o="urn:schemas-microsoft-com:office:office" xmlns:v="urn:schemas-microsoft-com:vml" xmlns:pvml="urn:schemas-microsoft-com:office:powerpoint" xmlns:com="http://schemas.openxmlformats.org/drawingml/2006/compatibility" xmlns:p14="http://schemas.microsoft.com/office/powerpoint/2010/main" xmlns:p15="http://schemas.microsoft.com/office/powerpoint/2012/main" xmlns:ahyp="http://schemas.microsoft.com/office/drawing/2018/hyperlinkcolor" matchingName="Blank" type="blank">
+<p:sldLayout xmlns:a="http://schemas.openxmlformats.org/drawingml/2006/main" xmlns:r="http://schemas.openxmlformats.org/officeDocument/2006/relationships" xmlns:p="http://schemas.openxmlformats.org/presentationml/2006/main" matchingName="Blank" type="blank">
   <p:cSld name="BLANK">
     <p:spTree>
       <p:nvGrpSpPr>
-        <p:cNvPr id="58" name="Shape 58"/>
+        <p:cNvPr id="1" name="Shape 58"/>
         <p:cNvGrpSpPr/>
         <p:nvPr/>
       </p:nvGrpSpPr>
@@ -2577,9 +2656,11 @@
       <p:sp>
         <p:nvSpPr>
           <p:cNvPr id="59" name="Google Shape;59;p12"/>
-          <p:cNvSpPr txBox="1"/>
+          <p:cNvSpPr txBox="1">
+            <a:spLocks noGrp="1"/>
+          </p:cNvSpPr>
           <p:nvPr>
-            <p:ph idx="12" type="sldNum"/>
+            <p:ph type="sldNum" idx="12"/>
           </p:nvPr>
         </p:nvSpPr>
         <p:spPr>
@@ -2592,7 +2673,7 @@
           </a:prstGeom>
         </p:spPr>
         <p:txBody>
-          <a:bodyPr anchorCtr="0" anchor="ctr" bIns="91425" lIns="91425" spcFirstLastPara="1" rIns="91425" wrap="square" tIns="91425">
+          <a:bodyPr spcFirstLastPara="1" wrap="square" lIns="91425" tIns="91425" rIns="91425" bIns="91425" anchor="ctr" anchorCtr="0">
             <a:normAutofit/>
           </a:bodyPr>
           <a:lstStyle>
@@ -2634,7 +2715,7 @@
             </a:lvl9pPr>
           </a:lstStyle>
           <a:p>
-            <a:pPr indent="0" lvl="0" marL="0" rtl="0" algn="r">
+            <a:pPr marL="0" lvl="0" indent="0" algn="r" rtl="0">
               <a:spcBef>
                 <a:spcPts val="0"/>
               </a:spcBef>
@@ -2660,18 +2741,19 @@
 </file>
 
 <file path=ppt/slideLayouts/slideLayout2.xml><?xml version="1.0" encoding="utf-8"?>
-<p:sldLayout xmlns:a="http://schemas.openxmlformats.org/drawingml/2006/main" xmlns:r="http://schemas.openxmlformats.org/officeDocument/2006/relationships" xmlns:mc="http://schemas.openxmlformats.org/markup-compatibility/2006" xmlns:mv="urn:schemas-microsoft-com:mac:vml" xmlns:p="http://schemas.openxmlformats.org/presentationml/2006/main" xmlns:c="http://schemas.openxmlformats.org/drawingml/2006/chart" xmlns:dgm="http://schemas.openxmlformats.org/drawingml/2006/diagram" xmlns:o="urn:schemas-microsoft-com:office:office" xmlns:v="urn:schemas-microsoft-com:vml" xmlns:pvml="urn:schemas-microsoft-com:office:powerpoint" xmlns:com="http://schemas.openxmlformats.org/drawingml/2006/compatibility" xmlns:p14="http://schemas.microsoft.com/office/powerpoint/2010/main" xmlns:p15="http://schemas.microsoft.com/office/powerpoint/2012/main" xmlns:ahyp="http://schemas.microsoft.com/office/drawing/2018/hyperlinkcolor" matchingName="Section header" type="secHead">
+<p:sldLayout xmlns:a="http://schemas.openxmlformats.org/drawingml/2006/main" xmlns:r="http://schemas.openxmlformats.org/officeDocument/2006/relationships" xmlns:p="http://schemas.openxmlformats.org/presentationml/2006/main" matchingName="Section header" type="secHead">
   <p:cSld name="SECTION_HEADER">
     <p:bg>
       <p:bgPr>
         <a:solidFill>
           <a:schemeClr val="accent3"/>
         </a:solidFill>
+        <a:effectLst/>
       </p:bgPr>
     </p:bg>
     <p:spTree>
       <p:nvGrpSpPr>
-        <p:cNvPr id="14" name="Shape 14"/>
+        <p:cNvPr id="1" name="Shape 14"/>
         <p:cNvGrpSpPr/>
         <p:nvPr/>
       </p:nvGrpSpPr>
@@ -2695,9 +2777,13 @@
             <a:ext cx="9144250" cy="4398100"/>
           </a:xfrm>
           <a:custGeom>
-            <a:rect b="b" l="l" r="r" t="t"/>
+            <a:avLst/>
+            <a:gdLst/>
+            <a:ahLst/>
+            <a:cxnLst/>
+            <a:rect l="l" t="t" r="r" b="b"/>
             <a:pathLst>
-              <a:path extrusionOk="0" h="175924" w="365770">
+              <a:path w="365770" h="175924" extrusionOk="0">
                 <a:moveTo>
                   <a:pt x="0" y="0"/>
                 </a:moveTo>
@@ -2734,9 +2820,13 @@
             <a:ext cx="9144250" cy="4398100"/>
           </a:xfrm>
           <a:custGeom>
-            <a:rect b="b" l="l" r="r" t="t"/>
+            <a:avLst/>
+            <a:gdLst/>
+            <a:ahLst/>
+            <a:cxnLst/>
+            <a:rect l="l" t="t" r="r" b="b"/>
             <a:pathLst>
-              <a:path extrusionOk="0" h="175924" w="365770">
+              <a:path w="365770" h="175924" extrusionOk="0">
                 <a:moveTo>
                   <a:pt x="0" y="0"/>
                 </a:moveTo>
@@ -2764,7 +2854,9 @@
       <p:sp>
         <p:nvSpPr>
           <p:cNvPr id="17" name="Google Shape;17;p3"/>
-          <p:cNvSpPr txBox="1"/>
+          <p:cNvSpPr txBox="1">
+            <a:spLocks noGrp="1"/>
+          </p:cNvSpPr>
           <p:nvPr>
             <p:ph type="title"/>
           </p:nvPr>
@@ -2779,7 +2871,7 @@
           </a:prstGeom>
         </p:spPr>
         <p:txBody>
-          <a:bodyPr anchorCtr="0" anchor="t" bIns="91425" lIns="91425" spcFirstLastPara="1" rIns="91425" wrap="square" tIns="91425">
+          <a:bodyPr spcFirstLastPara="1" wrap="square" lIns="91425" tIns="91425" rIns="91425" bIns="91425" anchor="t" anchorCtr="0">
             <a:normAutofit/>
           </a:bodyPr>
           <a:lstStyle>
@@ -2883,15 +2975,19 @@
               <a:defRPr sz="3600"/>
             </a:lvl9pPr>
           </a:lstStyle>
-          <a:p/>
+          <a:p>
+            <a:endParaRPr/>
+          </a:p>
         </p:txBody>
       </p:sp>
       <p:sp>
         <p:nvSpPr>
           <p:cNvPr id="18" name="Google Shape;18;p3"/>
-          <p:cNvSpPr txBox="1"/>
+          <p:cNvSpPr txBox="1">
+            <a:spLocks noGrp="1"/>
+          </p:cNvSpPr>
           <p:nvPr>
-            <p:ph idx="12" type="sldNum"/>
+            <p:ph type="sldNum" idx="12"/>
           </p:nvPr>
         </p:nvSpPr>
         <p:spPr>
@@ -2904,7 +3000,7 @@
           </a:prstGeom>
         </p:spPr>
         <p:txBody>
-          <a:bodyPr anchorCtr="0" anchor="ctr" bIns="91425" lIns="91425" spcFirstLastPara="1" rIns="91425" wrap="square" tIns="91425">
+          <a:bodyPr spcFirstLastPara="1" wrap="square" lIns="91425" tIns="91425" rIns="91425" bIns="91425" anchor="ctr" anchorCtr="0">
             <a:normAutofit/>
           </a:bodyPr>
           <a:lstStyle>
@@ -2982,7 +3078,7 @@
             </a:lvl9pPr>
           </a:lstStyle>
           <a:p>
-            <a:pPr indent="0" lvl="0" marL="0" rtl="0" algn="r">
+            <a:pPr marL="0" lvl="0" indent="0" algn="r" rtl="0">
               <a:spcBef>
                 <a:spcPts val="0"/>
               </a:spcBef>
@@ -3008,11 +3104,11 @@
 </file>
 
 <file path=ppt/slideLayouts/slideLayout3.xml><?xml version="1.0" encoding="utf-8"?>
-<p:sldLayout xmlns:a="http://schemas.openxmlformats.org/drawingml/2006/main" xmlns:r="http://schemas.openxmlformats.org/officeDocument/2006/relationships" xmlns:mc="http://schemas.openxmlformats.org/markup-compatibility/2006" xmlns:mv="urn:schemas-microsoft-com:mac:vml" xmlns:p="http://schemas.openxmlformats.org/presentationml/2006/main" xmlns:c="http://schemas.openxmlformats.org/drawingml/2006/chart" xmlns:dgm="http://schemas.openxmlformats.org/drawingml/2006/diagram" xmlns:o="urn:schemas-microsoft-com:office:office" xmlns:v="urn:schemas-microsoft-com:vml" xmlns:pvml="urn:schemas-microsoft-com:office:powerpoint" xmlns:com="http://schemas.openxmlformats.org/drawingml/2006/compatibility" xmlns:p14="http://schemas.microsoft.com/office/powerpoint/2010/main" xmlns:p15="http://schemas.microsoft.com/office/powerpoint/2012/main" xmlns:ahyp="http://schemas.microsoft.com/office/drawing/2018/hyperlinkcolor" matchingName="Title and body" type="tx">
+<p:sldLayout xmlns:a="http://schemas.openxmlformats.org/drawingml/2006/main" xmlns:r="http://schemas.openxmlformats.org/officeDocument/2006/relationships" xmlns:p="http://schemas.openxmlformats.org/presentationml/2006/main" matchingName="Title and body" type="tx">
   <p:cSld name="TITLE_AND_BODY">
     <p:spTree>
       <p:nvGrpSpPr>
-        <p:cNvPr id="19" name="Shape 19"/>
+        <p:cNvPr id="1" name="Shape 19"/>
         <p:cNvGrpSpPr/>
         <p:nvPr/>
       </p:nvGrpSpPr>
@@ -3046,12 +3142,12 @@
           </a:ln>
         </p:spPr>
         <p:txBody>
-          <a:bodyPr anchorCtr="0" anchor="ctr" bIns="91425" lIns="91425" spcFirstLastPara="1" rIns="91425" wrap="square" tIns="91425">
+          <a:bodyPr spcFirstLastPara="1" wrap="square" lIns="91425" tIns="91425" rIns="91425" bIns="91425" anchor="ctr" anchorCtr="0">
             <a:noAutofit/>
           </a:bodyPr>
           <a:lstStyle/>
           <a:p>
-            <a:pPr indent="0" lvl="0" marL="0" rtl="0" algn="l">
+            <a:pPr marL="0" lvl="0" indent="0" algn="l" rtl="0">
               <a:spcBef>
                 <a:spcPts val="0"/>
               </a:spcBef>
@@ -3060,9 +3156,6 @@
               </a:spcAft>
               <a:buNone/>
             </a:pPr>
-            <a:r>
-              <a:t/>
-            </a:r>
             <a:endParaRPr/>
           </a:p>
         </p:txBody>
@@ -3079,9 +3172,13 @@
             <a:ext cx="4313625" cy="4399375"/>
           </a:xfrm>
           <a:custGeom>
-            <a:rect b="b" l="l" r="r" t="t"/>
+            <a:avLst/>
+            <a:gdLst/>
+            <a:ahLst/>
+            <a:cxnLst/>
+            <a:rect l="l" t="t" r="r" b="b"/>
             <a:pathLst>
-              <a:path extrusionOk="0" h="175975" w="172545">
+              <a:path w="172545" h="175975" extrusionOk="0">
                 <a:moveTo>
                   <a:pt x="0" y="157"/>
                 </a:moveTo>
@@ -3118,9 +3215,13 @@
             <a:ext cx="4316900" cy="4395600"/>
           </a:xfrm>
           <a:custGeom>
-            <a:rect b="b" l="l" r="r" t="t"/>
+            <a:avLst/>
+            <a:gdLst/>
+            <a:ahLst/>
+            <a:cxnLst/>
+            <a:rect l="l" t="t" r="r" b="b"/>
             <a:pathLst>
-              <a:path extrusionOk="0" h="175824" w="172676">
+              <a:path w="172676" h="175824" extrusionOk="0">
                 <a:moveTo>
                   <a:pt x="0" y="6"/>
                 </a:moveTo>
@@ -3148,7 +3249,9 @@
       <p:sp>
         <p:nvSpPr>
           <p:cNvPr id="23" name="Google Shape;23;p4"/>
-          <p:cNvSpPr txBox="1"/>
+          <p:cNvSpPr txBox="1">
+            <a:spLocks noGrp="1"/>
+          </p:cNvSpPr>
           <p:nvPr>
             <p:ph type="title"/>
           </p:nvPr>
@@ -3163,7 +3266,7 @@
           </a:prstGeom>
         </p:spPr>
         <p:txBody>
-          <a:bodyPr anchorCtr="0" anchor="t" bIns="91425" lIns="91425" spcFirstLastPara="1" rIns="91425" wrap="square" tIns="91425">
+          <a:bodyPr spcFirstLastPara="1" wrap="square" lIns="91425" tIns="91425" rIns="91425" bIns="91425" anchor="t" anchorCtr="0">
             <a:normAutofit/>
           </a:bodyPr>
           <a:lstStyle>
@@ -3330,15 +3433,19 @@
               </a:defRPr>
             </a:lvl9pPr>
           </a:lstStyle>
-          <a:p/>
+          <a:p>
+            <a:endParaRPr/>
+          </a:p>
         </p:txBody>
       </p:sp>
       <p:sp>
         <p:nvSpPr>
           <p:cNvPr id="24" name="Google Shape;24;p4"/>
-          <p:cNvSpPr txBox="1"/>
+          <p:cNvSpPr txBox="1">
+            <a:spLocks noGrp="1"/>
+          </p:cNvSpPr>
           <p:nvPr>
-            <p:ph idx="1" type="body"/>
+            <p:ph type="body" idx="1"/>
           </p:nvPr>
         </p:nvSpPr>
         <p:spPr>
@@ -3351,11 +3458,11 @@
           </a:prstGeom>
         </p:spPr>
         <p:txBody>
-          <a:bodyPr anchorCtr="0" anchor="t" bIns="91425" lIns="91425" spcFirstLastPara="1" rIns="91425" wrap="square" tIns="91425">
+          <a:bodyPr spcFirstLastPara="1" wrap="square" lIns="91425" tIns="91425" rIns="91425" bIns="91425" anchor="t" anchorCtr="0">
             <a:normAutofit/>
           </a:bodyPr>
           <a:lstStyle>
-            <a:lvl1pPr indent="-311150" lvl="0" marL="457200">
+            <a:lvl1pPr marL="457200" lvl="0" indent="-311150">
               <a:spcBef>
                 <a:spcPts val="0"/>
               </a:spcBef>
@@ -3366,7 +3473,7 @@
               <a:buChar char="●"/>
               <a:defRPr/>
             </a:lvl1pPr>
-            <a:lvl2pPr indent="-298450" lvl="1" marL="914400">
+            <a:lvl2pPr marL="914400" lvl="1" indent="-298450">
               <a:spcBef>
                 <a:spcPts val="0"/>
               </a:spcBef>
@@ -3377,7 +3484,7 @@
               <a:buChar char="○"/>
               <a:defRPr/>
             </a:lvl2pPr>
-            <a:lvl3pPr indent="-298450" lvl="2" marL="1371600">
+            <a:lvl3pPr marL="1371600" lvl="2" indent="-298450">
               <a:spcBef>
                 <a:spcPts val="0"/>
               </a:spcBef>
@@ -3388,7 +3495,7 @@
               <a:buChar char="■"/>
               <a:defRPr/>
             </a:lvl3pPr>
-            <a:lvl4pPr indent="-298450" lvl="3" marL="1828800">
+            <a:lvl4pPr marL="1828800" lvl="3" indent="-298450">
               <a:spcBef>
                 <a:spcPts val="0"/>
               </a:spcBef>
@@ -3399,7 +3506,7 @@
               <a:buChar char="●"/>
               <a:defRPr/>
             </a:lvl4pPr>
-            <a:lvl5pPr indent="-298450" lvl="4" marL="2286000">
+            <a:lvl5pPr marL="2286000" lvl="4" indent="-298450">
               <a:spcBef>
                 <a:spcPts val="0"/>
               </a:spcBef>
@@ -3410,7 +3517,7 @@
               <a:buChar char="○"/>
               <a:defRPr/>
             </a:lvl5pPr>
-            <a:lvl6pPr indent="-298450" lvl="5" marL="2743200">
+            <a:lvl6pPr marL="2743200" lvl="5" indent="-298450">
               <a:spcBef>
                 <a:spcPts val="0"/>
               </a:spcBef>
@@ -3421,7 +3528,7 @@
               <a:buChar char="■"/>
               <a:defRPr/>
             </a:lvl6pPr>
-            <a:lvl7pPr indent="-298450" lvl="6" marL="3200400">
+            <a:lvl7pPr marL="3200400" lvl="6" indent="-298450">
               <a:spcBef>
                 <a:spcPts val="0"/>
               </a:spcBef>
@@ -3432,7 +3539,7 @@
               <a:buChar char="●"/>
               <a:defRPr/>
             </a:lvl7pPr>
-            <a:lvl8pPr indent="-298450" lvl="7" marL="3657600">
+            <a:lvl8pPr marL="3657600" lvl="7" indent="-298450">
               <a:spcBef>
                 <a:spcPts val="0"/>
               </a:spcBef>
@@ -3443,7 +3550,7 @@
               <a:buChar char="○"/>
               <a:defRPr/>
             </a:lvl8pPr>
-            <a:lvl9pPr indent="-298450" lvl="8" marL="4114800">
+            <a:lvl9pPr marL="4114800" lvl="8" indent="-298450">
               <a:spcBef>
                 <a:spcPts val="0"/>
               </a:spcBef>
@@ -3455,15 +3562,19 @@
               <a:defRPr/>
             </a:lvl9pPr>
           </a:lstStyle>
-          <a:p/>
+          <a:p>
+            <a:endParaRPr/>
+          </a:p>
         </p:txBody>
       </p:sp>
       <p:sp>
         <p:nvSpPr>
           <p:cNvPr id="25" name="Google Shape;25;p4"/>
-          <p:cNvSpPr txBox="1"/>
+          <p:cNvSpPr txBox="1">
+            <a:spLocks noGrp="1"/>
+          </p:cNvSpPr>
           <p:nvPr>
-            <p:ph idx="12" type="sldNum"/>
+            <p:ph type="sldNum" idx="12"/>
           </p:nvPr>
         </p:nvSpPr>
         <p:spPr>
@@ -3476,7 +3587,7 @@
           </a:prstGeom>
         </p:spPr>
         <p:txBody>
-          <a:bodyPr anchorCtr="0" anchor="ctr" bIns="91425" lIns="91425" spcFirstLastPara="1" rIns="91425" wrap="square" tIns="91425">
+          <a:bodyPr spcFirstLastPara="1" wrap="square" lIns="91425" tIns="91425" rIns="91425" bIns="91425" anchor="ctr" anchorCtr="0">
             <a:normAutofit/>
           </a:bodyPr>
           <a:lstStyle>
@@ -3518,7 +3629,7 @@
             </a:lvl9pPr>
           </a:lstStyle>
           <a:p>
-            <a:pPr indent="0" lvl="0" marL="0" rtl="0" algn="r">
+            <a:pPr marL="0" lvl="0" indent="0" algn="r" rtl="0">
               <a:spcBef>
                 <a:spcPts val="0"/>
               </a:spcBef>
@@ -3544,11 +3655,11 @@
 </file>
 
 <file path=ppt/slideLayouts/slideLayout4.xml><?xml version="1.0" encoding="utf-8"?>
-<p:sldLayout xmlns:a="http://schemas.openxmlformats.org/drawingml/2006/main" xmlns:r="http://schemas.openxmlformats.org/officeDocument/2006/relationships" xmlns:mc="http://schemas.openxmlformats.org/markup-compatibility/2006" xmlns:mv="urn:schemas-microsoft-com:mac:vml" xmlns:p="http://schemas.openxmlformats.org/presentationml/2006/main" xmlns:c="http://schemas.openxmlformats.org/drawingml/2006/chart" xmlns:dgm="http://schemas.openxmlformats.org/drawingml/2006/diagram" xmlns:o="urn:schemas-microsoft-com:office:office" xmlns:v="urn:schemas-microsoft-com:vml" xmlns:pvml="urn:schemas-microsoft-com:office:powerpoint" xmlns:com="http://schemas.openxmlformats.org/drawingml/2006/compatibility" xmlns:p14="http://schemas.microsoft.com/office/powerpoint/2010/main" xmlns:p15="http://schemas.microsoft.com/office/powerpoint/2012/main" xmlns:ahyp="http://schemas.microsoft.com/office/drawing/2018/hyperlinkcolor" matchingName="Title and two columns" type="twoColTx">
+<p:sldLayout xmlns:a="http://schemas.openxmlformats.org/drawingml/2006/main" xmlns:r="http://schemas.openxmlformats.org/officeDocument/2006/relationships" xmlns:p="http://schemas.openxmlformats.org/presentationml/2006/main" matchingName="Title and two columns" type="twoColTx">
   <p:cSld name="TITLE_AND_TWO_COLUMNS">
     <p:spTree>
       <p:nvGrpSpPr>
-        <p:cNvPr id="26" name="Shape 26"/>
+        <p:cNvPr id="1" name="Shape 26"/>
         <p:cNvGrpSpPr/>
         <p:nvPr/>
       </p:nvGrpSpPr>
@@ -3582,12 +3693,12 @@
           </a:ln>
         </p:spPr>
         <p:txBody>
-          <a:bodyPr anchorCtr="0" anchor="ctr" bIns="91425" lIns="91425" spcFirstLastPara="1" rIns="91425" wrap="square" tIns="91425">
+          <a:bodyPr spcFirstLastPara="1" wrap="square" lIns="91425" tIns="91425" rIns="91425" bIns="91425" anchor="ctr" anchorCtr="0">
             <a:noAutofit/>
           </a:bodyPr>
           <a:lstStyle/>
           <a:p>
-            <a:pPr indent="0" lvl="0" marL="0" rtl="0" algn="l">
+            <a:pPr marL="0" lvl="0" indent="0" algn="l" rtl="0">
               <a:spcBef>
                 <a:spcPts val="0"/>
               </a:spcBef>
@@ -3596,9 +3707,6 @@
               </a:spcAft>
               <a:buNone/>
             </a:pPr>
-            <a:r>
-              <a:t/>
-            </a:r>
             <a:endParaRPr/>
           </a:p>
         </p:txBody>
@@ -3606,7 +3714,9 @@
       <p:sp>
         <p:nvSpPr>
           <p:cNvPr id="28" name="Google Shape;28;p5"/>
-          <p:cNvSpPr txBox="1"/>
+          <p:cNvSpPr txBox="1">
+            <a:spLocks noGrp="1"/>
+          </p:cNvSpPr>
           <p:nvPr>
             <p:ph type="title"/>
           </p:nvPr>
@@ -3621,7 +3731,7 @@
           </a:prstGeom>
         </p:spPr>
         <p:txBody>
-          <a:bodyPr anchorCtr="0" anchor="t" bIns="91425" lIns="91425" spcFirstLastPara="1" rIns="91425" wrap="square" tIns="91425">
+          <a:bodyPr spcFirstLastPara="1" wrap="square" lIns="91425" tIns="91425" rIns="91425" bIns="91425" anchor="t" anchorCtr="0">
             <a:normAutofit/>
           </a:bodyPr>
           <a:lstStyle>
@@ -3788,15 +3898,19 @@
               </a:defRPr>
             </a:lvl9pPr>
           </a:lstStyle>
-          <a:p/>
+          <a:p>
+            <a:endParaRPr/>
+          </a:p>
         </p:txBody>
       </p:sp>
       <p:sp>
         <p:nvSpPr>
           <p:cNvPr id="29" name="Google Shape;29;p5"/>
-          <p:cNvSpPr txBox="1"/>
+          <p:cNvSpPr txBox="1">
+            <a:spLocks noGrp="1"/>
+          </p:cNvSpPr>
           <p:nvPr>
-            <p:ph idx="1" type="body"/>
+            <p:ph type="body" idx="1"/>
           </p:nvPr>
         </p:nvSpPr>
         <p:spPr>
@@ -3809,11 +3923,11 @@
           </a:prstGeom>
         </p:spPr>
         <p:txBody>
-          <a:bodyPr anchorCtr="0" anchor="t" bIns="91425" lIns="91425" spcFirstLastPara="1" rIns="91425" wrap="square" tIns="91425">
+          <a:bodyPr spcFirstLastPara="1" wrap="square" lIns="91425" tIns="91425" rIns="91425" bIns="91425" anchor="t" anchorCtr="0">
             <a:normAutofit/>
           </a:bodyPr>
           <a:lstStyle>
-            <a:lvl1pPr indent="-311150" lvl="0" marL="457200">
+            <a:lvl1pPr marL="457200" lvl="0" indent="-311150">
               <a:spcBef>
                 <a:spcPts val="0"/>
               </a:spcBef>
@@ -3824,7 +3938,7 @@
               <a:buChar char="●"/>
               <a:defRPr/>
             </a:lvl1pPr>
-            <a:lvl2pPr indent="-298450" lvl="1" marL="914400">
+            <a:lvl2pPr marL="914400" lvl="1" indent="-298450">
               <a:spcBef>
                 <a:spcPts val="0"/>
               </a:spcBef>
@@ -3835,7 +3949,7 @@
               <a:buChar char="○"/>
               <a:defRPr/>
             </a:lvl2pPr>
-            <a:lvl3pPr indent="-298450" lvl="2" marL="1371600">
+            <a:lvl3pPr marL="1371600" lvl="2" indent="-298450">
               <a:spcBef>
                 <a:spcPts val="0"/>
               </a:spcBef>
@@ -3846,7 +3960,7 @@
               <a:buChar char="■"/>
               <a:defRPr/>
             </a:lvl3pPr>
-            <a:lvl4pPr indent="-298450" lvl="3" marL="1828800">
+            <a:lvl4pPr marL="1828800" lvl="3" indent="-298450">
               <a:spcBef>
                 <a:spcPts val="0"/>
               </a:spcBef>
@@ -3857,7 +3971,7 @@
               <a:buChar char="●"/>
               <a:defRPr/>
             </a:lvl4pPr>
-            <a:lvl5pPr indent="-298450" lvl="4" marL="2286000">
+            <a:lvl5pPr marL="2286000" lvl="4" indent="-298450">
               <a:spcBef>
                 <a:spcPts val="0"/>
               </a:spcBef>
@@ -3868,7 +3982,7 @@
               <a:buChar char="○"/>
               <a:defRPr/>
             </a:lvl5pPr>
-            <a:lvl6pPr indent="-298450" lvl="5" marL="2743200">
+            <a:lvl6pPr marL="2743200" lvl="5" indent="-298450">
               <a:spcBef>
                 <a:spcPts val="0"/>
               </a:spcBef>
@@ -3879,7 +3993,7 @@
               <a:buChar char="■"/>
               <a:defRPr/>
             </a:lvl6pPr>
-            <a:lvl7pPr indent="-298450" lvl="6" marL="3200400">
+            <a:lvl7pPr marL="3200400" lvl="6" indent="-298450">
               <a:spcBef>
                 <a:spcPts val="0"/>
               </a:spcBef>
@@ -3890,7 +4004,7 @@
               <a:buChar char="●"/>
               <a:defRPr/>
             </a:lvl7pPr>
-            <a:lvl8pPr indent="-298450" lvl="7" marL="3657600">
+            <a:lvl8pPr marL="3657600" lvl="7" indent="-298450">
               <a:spcBef>
                 <a:spcPts val="0"/>
               </a:spcBef>
@@ -3901,7 +4015,7 @@
               <a:buChar char="○"/>
               <a:defRPr/>
             </a:lvl8pPr>
-            <a:lvl9pPr indent="-298450" lvl="8" marL="4114800">
+            <a:lvl9pPr marL="4114800" lvl="8" indent="-298450">
               <a:spcBef>
                 <a:spcPts val="0"/>
               </a:spcBef>
@@ -3913,15 +4027,19 @@
               <a:defRPr/>
             </a:lvl9pPr>
           </a:lstStyle>
-          <a:p/>
+          <a:p>
+            <a:endParaRPr/>
+          </a:p>
         </p:txBody>
       </p:sp>
       <p:sp>
         <p:nvSpPr>
           <p:cNvPr id="30" name="Google Shape;30;p5"/>
-          <p:cNvSpPr txBox="1"/>
+          <p:cNvSpPr txBox="1">
+            <a:spLocks noGrp="1"/>
+          </p:cNvSpPr>
           <p:nvPr>
-            <p:ph idx="2" type="body"/>
+            <p:ph type="body" idx="2"/>
           </p:nvPr>
         </p:nvSpPr>
         <p:spPr>
@@ -3934,11 +4052,11 @@
           </a:prstGeom>
         </p:spPr>
         <p:txBody>
-          <a:bodyPr anchorCtr="0" anchor="t" bIns="91425" lIns="91425" spcFirstLastPara="1" rIns="91425" wrap="square" tIns="91425">
+          <a:bodyPr spcFirstLastPara="1" wrap="square" lIns="91425" tIns="91425" rIns="91425" bIns="91425" anchor="t" anchorCtr="0">
             <a:normAutofit/>
           </a:bodyPr>
           <a:lstStyle>
-            <a:lvl1pPr indent="-311150" lvl="0" marL="457200">
+            <a:lvl1pPr marL="457200" lvl="0" indent="-311150">
               <a:spcBef>
                 <a:spcPts val="0"/>
               </a:spcBef>
@@ -3949,7 +4067,7 @@
               <a:buChar char="●"/>
               <a:defRPr/>
             </a:lvl1pPr>
-            <a:lvl2pPr indent="-298450" lvl="1" marL="914400">
+            <a:lvl2pPr marL="914400" lvl="1" indent="-298450">
               <a:spcBef>
                 <a:spcPts val="0"/>
               </a:spcBef>
@@ -3960,7 +4078,7 @@
               <a:buChar char="○"/>
               <a:defRPr/>
             </a:lvl2pPr>
-            <a:lvl3pPr indent="-298450" lvl="2" marL="1371600">
+            <a:lvl3pPr marL="1371600" lvl="2" indent="-298450">
               <a:spcBef>
                 <a:spcPts val="0"/>
               </a:spcBef>
@@ -3971,7 +4089,7 @@
               <a:buChar char="■"/>
               <a:defRPr/>
             </a:lvl3pPr>
-            <a:lvl4pPr indent="-298450" lvl="3" marL="1828800">
+            <a:lvl4pPr marL="1828800" lvl="3" indent="-298450">
               <a:spcBef>
                 <a:spcPts val="0"/>
               </a:spcBef>
@@ -3982,7 +4100,7 @@
               <a:buChar char="●"/>
               <a:defRPr/>
             </a:lvl4pPr>
-            <a:lvl5pPr indent="-298450" lvl="4" marL="2286000">
+            <a:lvl5pPr marL="2286000" lvl="4" indent="-298450">
               <a:spcBef>
                 <a:spcPts val="0"/>
               </a:spcBef>
@@ -3993,7 +4111,7 @@
               <a:buChar char="○"/>
               <a:defRPr/>
             </a:lvl5pPr>
-            <a:lvl6pPr indent="-298450" lvl="5" marL="2743200">
+            <a:lvl6pPr marL="2743200" lvl="5" indent="-298450">
               <a:spcBef>
                 <a:spcPts val="0"/>
               </a:spcBef>
@@ -4004,7 +4122,7 @@
               <a:buChar char="■"/>
               <a:defRPr/>
             </a:lvl6pPr>
-            <a:lvl7pPr indent="-298450" lvl="6" marL="3200400">
+            <a:lvl7pPr marL="3200400" lvl="6" indent="-298450">
               <a:spcBef>
                 <a:spcPts val="0"/>
               </a:spcBef>
@@ -4015,7 +4133,7 @@
               <a:buChar char="●"/>
               <a:defRPr/>
             </a:lvl7pPr>
-            <a:lvl8pPr indent="-298450" lvl="7" marL="3657600">
+            <a:lvl8pPr marL="3657600" lvl="7" indent="-298450">
               <a:spcBef>
                 <a:spcPts val="0"/>
               </a:spcBef>
@@ -4026,7 +4144,7 @@
               <a:buChar char="○"/>
               <a:defRPr/>
             </a:lvl8pPr>
-            <a:lvl9pPr indent="-298450" lvl="8" marL="4114800">
+            <a:lvl9pPr marL="4114800" lvl="8" indent="-298450">
               <a:spcBef>
                 <a:spcPts val="0"/>
               </a:spcBef>
@@ -4038,15 +4156,19 @@
               <a:defRPr/>
             </a:lvl9pPr>
           </a:lstStyle>
-          <a:p/>
+          <a:p>
+            <a:endParaRPr/>
+          </a:p>
         </p:txBody>
       </p:sp>
       <p:sp>
         <p:nvSpPr>
           <p:cNvPr id="31" name="Google Shape;31;p5"/>
-          <p:cNvSpPr txBox="1"/>
+          <p:cNvSpPr txBox="1">
+            <a:spLocks noGrp="1"/>
+          </p:cNvSpPr>
           <p:nvPr>
-            <p:ph idx="12" type="sldNum"/>
+            <p:ph type="sldNum" idx="12"/>
           </p:nvPr>
         </p:nvSpPr>
         <p:spPr>
@@ -4059,7 +4181,7 @@
           </a:prstGeom>
         </p:spPr>
         <p:txBody>
-          <a:bodyPr anchorCtr="0" anchor="ctr" bIns="91425" lIns="91425" spcFirstLastPara="1" rIns="91425" wrap="square" tIns="91425">
+          <a:bodyPr spcFirstLastPara="1" wrap="square" lIns="91425" tIns="91425" rIns="91425" bIns="91425" anchor="ctr" anchorCtr="0">
             <a:normAutofit/>
           </a:bodyPr>
           <a:lstStyle>
@@ -4101,7 +4223,7 @@
             </a:lvl9pPr>
           </a:lstStyle>
           <a:p>
-            <a:pPr indent="0" lvl="0" marL="0" rtl="0" algn="r">
+            <a:pPr marL="0" lvl="0" indent="0" algn="r" rtl="0">
               <a:spcBef>
                 <a:spcPts val="0"/>
               </a:spcBef>
@@ -4127,11 +4249,11 @@
 </file>
 
 <file path=ppt/slideLayouts/slideLayout5.xml><?xml version="1.0" encoding="utf-8"?>
-<p:sldLayout xmlns:a="http://schemas.openxmlformats.org/drawingml/2006/main" xmlns:r="http://schemas.openxmlformats.org/officeDocument/2006/relationships" xmlns:mc="http://schemas.openxmlformats.org/markup-compatibility/2006" xmlns:mv="urn:schemas-microsoft-com:mac:vml" xmlns:p="http://schemas.openxmlformats.org/presentationml/2006/main" xmlns:c="http://schemas.openxmlformats.org/drawingml/2006/chart" xmlns:dgm="http://schemas.openxmlformats.org/drawingml/2006/diagram" xmlns:o="urn:schemas-microsoft-com:office:office" xmlns:v="urn:schemas-microsoft-com:vml" xmlns:pvml="urn:schemas-microsoft-com:office:powerpoint" xmlns:com="http://schemas.openxmlformats.org/drawingml/2006/compatibility" xmlns:p14="http://schemas.microsoft.com/office/powerpoint/2010/main" xmlns:p15="http://schemas.microsoft.com/office/powerpoint/2012/main" xmlns:ahyp="http://schemas.microsoft.com/office/drawing/2018/hyperlinkcolor" matchingName="Title only" type="titleOnly">
+<p:sldLayout xmlns:a="http://schemas.openxmlformats.org/drawingml/2006/main" xmlns:r="http://schemas.openxmlformats.org/officeDocument/2006/relationships" xmlns:p="http://schemas.openxmlformats.org/presentationml/2006/main" matchingName="Title only" type="titleOnly">
   <p:cSld name="TITLE_ONLY">
     <p:spTree>
       <p:nvGrpSpPr>
-        <p:cNvPr id="32" name="Shape 32"/>
+        <p:cNvPr id="1" name="Shape 32"/>
         <p:cNvGrpSpPr/>
         <p:nvPr/>
       </p:nvGrpSpPr>
@@ -4165,12 +4287,12 @@
           </a:ln>
         </p:spPr>
         <p:txBody>
-          <a:bodyPr anchorCtr="0" anchor="ctr" bIns="91425" lIns="91425" spcFirstLastPara="1" rIns="91425" wrap="square" tIns="91425">
+          <a:bodyPr spcFirstLastPara="1" wrap="square" lIns="91425" tIns="91425" rIns="91425" bIns="91425" anchor="ctr" anchorCtr="0">
             <a:noAutofit/>
           </a:bodyPr>
           <a:lstStyle/>
           <a:p>
-            <a:pPr indent="0" lvl="0" marL="0" rtl="0" algn="l">
+            <a:pPr marL="0" lvl="0" indent="0" algn="l" rtl="0">
               <a:spcBef>
                 <a:spcPts val="0"/>
               </a:spcBef>
@@ -4179,9 +4301,6 @@
               </a:spcAft>
               <a:buNone/>
             </a:pPr>
-            <a:r>
-              <a:t/>
-            </a:r>
             <a:endParaRPr/>
           </a:p>
         </p:txBody>
@@ -4189,7 +4308,9 @@
       <p:sp>
         <p:nvSpPr>
           <p:cNvPr id="34" name="Google Shape;34;p6"/>
-          <p:cNvSpPr txBox="1"/>
+          <p:cNvSpPr txBox="1">
+            <a:spLocks noGrp="1"/>
+          </p:cNvSpPr>
           <p:nvPr>
             <p:ph type="title"/>
           </p:nvPr>
@@ -4204,7 +4325,7 @@
           </a:prstGeom>
         </p:spPr>
         <p:txBody>
-          <a:bodyPr anchorCtr="0" anchor="t" bIns="91425" lIns="91425" spcFirstLastPara="1" rIns="91425" wrap="square" tIns="91425">
+          <a:bodyPr spcFirstLastPara="1" wrap="square" lIns="91425" tIns="91425" rIns="91425" bIns="91425" anchor="t" anchorCtr="0">
             <a:normAutofit/>
           </a:bodyPr>
           <a:lstStyle>
@@ -4371,15 +4492,19 @@
               </a:defRPr>
             </a:lvl9pPr>
           </a:lstStyle>
-          <a:p/>
+          <a:p>
+            <a:endParaRPr/>
+          </a:p>
         </p:txBody>
       </p:sp>
       <p:sp>
         <p:nvSpPr>
           <p:cNvPr id="35" name="Google Shape;35;p6"/>
-          <p:cNvSpPr txBox="1"/>
+          <p:cNvSpPr txBox="1">
+            <a:spLocks noGrp="1"/>
+          </p:cNvSpPr>
           <p:nvPr>
-            <p:ph idx="12" type="sldNum"/>
+            <p:ph type="sldNum" idx="12"/>
           </p:nvPr>
         </p:nvSpPr>
         <p:spPr>
@@ -4392,7 +4517,7 @@
           </a:prstGeom>
         </p:spPr>
         <p:txBody>
-          <a:bodyPr anchorCtr="0" anchor="ctr" bIns="91425" lIns="91425" spcFirstLastPara="1" rIns="91425" wrap="square" tIns="91425">
+          <a:bodyPr spcFirstLastPara="1" wrap="square" lIns="91425" tIns="91425" rIns="91425" bIns="91425" anchor="ctr" anchorCtr="0">
             <a:normAutofit/>
           </a:bodyPr>
           <a:lstStyle>
@@ -4434,7 +4559,7 @@
             </a:lvl9pPr>
           </a:lstStyle>
           <a:p>
-            <a:pPr indent="0" lvl="0" marL="0" rtl="0" algn="r">
+            <a:pPr marL="0" lvl="0" indent="0" algn="r" rtl="0">
               <a:spcBef>
                 <a:spcPts val="0"/>
               </a:spcBef>
@@ -4460,11 +4585,11 @@
 </file>
 
 <file path=ppt/slideLayouts/slideLayout6.xml><?xml version="1.0" encoding="utf-8"?>
-<p:sldLayout xmlns:a="http://schemas.openxmlformats.org/drawingml/2006/main" xmlns:r="http://schemas.openxmlformats.org/officeDocument/2006/relationships" xmlns:mc="http://schemas.openxmlformats.org/markup-compatibility/2006" xmlns:mv="urn:schemas-microsoft-com:mac:vml" xmlns:p="http://schemas.openxmlformats.org/presentationml/2006/main" xmlns:c="http://schemas.openxmlformats.org/drawingml/2006/chart" xmlns:dgm="http://schemas.openxmlformats.org/drawingml/2006/diagram" xmlns:o="urn:schemas-microsoft-com:office:office" xmlns:v="urn:schemas-microsoft-com:vml" xmlns:pvml="urn:schemas-microsoft-com:office:powerpoint" xmlns:com="http://schemas.openxmlformats.org/drawingml/2006/compatibility" xmlns:p14="http://schemas.microsoft.com/office/powerpoint/2010/main" xmlns:p15="http://schemas.microsoft.com/office/powerpoint/2012/main" xmlns:ahyp="http://schemas.microsoft.com/office/drawing/2018/hyperlinkcolor" matchingName="One column text">
+<p:sldLayout xmlns:a="http://schemas.openxmlformats.org/drawingml/2006/main" xmlns:r="http://schemas.openxmlformats.org/officeDocument/2006/relationships" xmlns:p="http://schemas.openxmlformats.org/presentationml/2006/main" matchingName="One column text">
   <p:cSld name="ONE_COLUMN_TEXT">
     <p:spTree>
       <p:nvGrpSpPr>
-        <p:cNvPr id="36" name="Shape 36"/>
+        <p:cNvPr id="1" name="Shape 36"/>
         <p:cNvGrpSpPr/>
         <p:nvPr/>
       </p:nvGrpSpPr>
@@ -4498,12 +4623,12 @@
           </a:ln>
         </p:spPr>
         <p:txBody>
-          <a:bodyPr anchorCtr="0" anchor="ctr" bIns="91425" lIns="91425" spcFirstLastPara="1" rIns="91425" wrap="square" tIns="91425">
+          <a:bodyPr spcFirstLastPara="1" wrap="square" lIns="91425" tIns="91425" rIns="91425" bIns="91425" anchor="ctr" anchorCtr="0">
             <a:noAutofit/>
           </a:bodyPr>
           <a:lstStyle/>
           <a:p>
-            <a:pPr indent="0" lvl="0" marL="0" rtl="0" algn="l">
+            <a:pPr marL="0" lvl="0" indent="0" algn="l" rtl="0">
               <a:spcBef>
                 <a:spcPts val="0"/>
               </a:spcBef>
@@ -4512,9 +4637,6 @@
               </a:spcAft>
               <a:buNone/>
             </a:pPr>
-            <a:r>
-              <a:t/>
-            </a:r>
             <a:endParaRPr/>
           </a:p>
         </p:txBody>
@@ -4522,7 +4644,9 @@
       <p:sp>
         <p:nvSpPr>
           <p:cNvPr id="38" name="Google Shape;38;p7"/>
-          <p:cNvSpPr txBox="1"/>
+          <p:cNvSpPr txBox="1">
+            <a:spLocks noGrp="1"/>
+          </p:cNvSpPr>
           <p:nvPr>
             <p:ph type="title"/>
           </p:nvPr>
@@ -4537,7 +4661,7 @@
           </a:prstGeom>
         </p:spPr>
         <p:txBody>
-          <a:bodyPr anchorCtr="0" anchor="t" bIns="91425" lIns="91425" spcFirstLastPara="1" rIns="91425" wrap="square" tIns="91425">
+          <a:bodyPr spcFirstLastPara="1" wrap="square" lIns="91425" tIns="91425" rIns="91425" bIns="91425" anchor="t" anchorCtr="0">
             <a:normAutofit/>
           </a:bodyPr>
           <a:lstStyle>
@@ -4704,15 +4828,19 @@
               </a:defRPr>
             </a:lvl9pPr>
           </a:lstStyle>
-          <a:p/>
+          <a:p>
+            <a:endParaRPr/>
+          </a:p>
         </p:txBody>
       </p:sp>
       <p:sp>
         <p:nvSpPr>
           <p:cNvPr id="39" name="Google Shape;39;p7"/>
-          <p:cNvSpPr txBox="1"/>
+          <p:cNvSpPr txBox="1">
+            <a:spLocks noGrp="1"/>
+          </p:cNvSpPr>
           <p:nvPr>
-            <p:ph idx="1" type="body"/>
+            <p:ph type="body" idx="1"/>
           </p:nvPr>
         </p:nvSpPr>
         <p:spPr>
@@ -4725,11 +4853,11 @@
           </a:prstGeom>
         </p:spPr>
         <p:txBody>
-          <a:bodyPr anchorCtr="0" anchor="t" bIns="91425" lIns="91425" spcFirstLastPara="1" rIns="91425" wrap="square" tIns="91425">
+          <a:bodyPr spcFirstLastPara="1" wrap="square" lIns="91425" tIns="91425" rIns="91425" bIns="91425" anchor="t" anchorCtr="0">
             <a:normAutofit/>
           </a:bodyPr>
           <a:lstStyle>
-            <a:lvl1pPr indent="-311150" lvl="0" marL="457200">
+            <a:lvl1pPr marL="457200" lvl="0" indent="-311150">
               <a:spcBef>
                 <a:spcPts val="0"/>
               </a:spcBef>
@@ -4747,7 +4875,7 @@
                 </a:solidFill>
               </a:defRPr>
             </a:lvl1pPr>
-            <a:lvl2pPr indent="-298450" lvl="1" marL="914400">
+            <a:lvl2pPr marL="914400" lvl="1" indent="-298450">
               <a:spcBef>
                 <a:spcPts val="0"/>
               </a:spcBef>
@@ -4765,7 +4893,7 @@
                 </a:solidFill>
               </a:defRPr>
             </a:lvl2pPr>
-            <a:lvl3pPr indent="-298450" lvl="2" marL="1371600">
+            <a:lvl3pPr marL="1371600" lvl="2" indent="-298450">
               <a:spcBef>
                 <a:spcPts val="0"/>
               </a:spcBef>
@@ -4783,7 +4911,7 @@
                 </a:solidFill>
               </a:defRPr>
             </a:lvl3pPr>
-            <a:lvl4pPr indent="-298450" lvl="3" marL="1828800">
+            <a:lvl4pPr marL="1828800" lvl="3" indent="-298450">
               <a:spcBef>
                 <a:spcPts val="0"/>
               </a:spcBef>
@@ -4801,7 +4929,7 @@
                 </a:solidFill>
               </a:defRPr>
             </a:lvl4pPr>
-            <a:lvl5pPr indent="-298450" lvl="4" marL="2286000">
+            <a:lvl5pPr marL="2286000" lvl="4" indent="-298450">
               <a:spcBef>
                 <a:spcPts val="0"/>
               </a:spcBef>
@@ -4819,7 +4947,7 @@
                 </a:solidFill>
               </a:defRPr>
             </a:lvl5pPr>
-            <a:lvl6pPr indent="-298450" lvl="5" marL="2743200">
+            <a:lvl6pPr marL="2743200" lvl="5" indent="-298450">
               <a:spcBef>
                 <a:spcPts val="0"/>
               </a:spcBef>
@@ -4837,7 +4965,7 @@
                 </a:solidFill>
               </a:defRPr>
             </a:lvl6pPr>
-            <a:lvl7pPr indent="-298450" lvl="6" marL="3200400">
+            <a:lvl7pPr marL="3200400" lvl="6" indent="-298450">
               <a:spcBef>
                 <a:spcPts val="0"/>
               </a:spcBef>
@@ -4855,7 +4983,7 @@
                 </a:solidFill>
               </a:defRPr>
             </a:lvl7pPr>
-            <a:lvl8pPr indent="-298450" lvl="7" marL="3657600">
+            <a:lvl8pPr marL="3657600" lvl="7" indent="-298450">
               <a:spcBef>
                 <a:spcPts val="0"/>
               </a:spcBef>
@@ -4873,7 +5001,7 @@
                 </a:solidFill>
               </a:defRPr>
             </a:lvl8pPr>
-            <a:lvl9pPr indent="-298450" lvl="8" marL="4114800">
+            <a:lvl9pPr marL="4114800" lvl="8" indent="-298450">
               <a:spcBef>
                 <a:spcPts val="0"/>
               </a:spcBef>
@@ -4892,15 +5020,19 @@
               </a:defRPr>
             </a:lvl9pPr>
           </a:lstStyle>
-          <a:p/>
+          <a:p>
+            <a:endParaRPr/>
+          </a:p>
         </p:txBody>
       </p:sp>
       <p:sp>
         <p:nvSpPr>
           <p:cNvPr id="40" name="Google Shape;40;p7"/>
-          <p:cNvSpPr txBox="1"/>
+          <p:cNvSpPr txBox="1">
+            <a:spLocks noGrp="1"/>
+          </p:cNvSpPr>
           <p:nvPr>
-            <p:ph idx="12" type="sldNum"/>
+            <p:ph type="sldNum" idx="12"/>
           </p:nvPr>
         </p:nvSpPr>
         <p:spPr>
@@ -4913,7 +5045,7 @@
           </a:prstGeom>
         </p:spPr>
         <p:txBody>
-          <a:bodyPr anchorCtr="0" anchor="ctr" bIns="91425" lIns="91425" spcFirstLastPara="1" rIns="91425" wrap="square" tIns="91425">
+          <a:bodyPr spcFirstLastPara="1" wrap="square" lIns="91425" tIns="91425" rIns="91425" bIns="91425" anchor="ctr" anchorCtr="0">
             <a:normAutofit/>
           </a:bodyPr>
           <a:lstStyle>
@@ -4955,7 +5087,7 @@
             </a:lvl9pPr>
           </a:lstStyle>
           <a:p>
-            <a:pPr indent="0" lvl="0" marL="0" rtl="0" algn="r">
+            <a:pPr marL="0" lvl="0" indent="0" algn="r" rtl="0">
               <a:spcBef>
                 <a:spcPts val="0"/>
               </a:spcBef>
@@ -4981,18 +5113,19 @@
 </file>
 
 <file path=ppt/slideLayouts/slideLayout7.xml><?xml version="1.0" encoding="utf-8"?>
-<p:sldLayout xmlns:a="http://schemas.openxmlformats.org/drawingml/2006/main" xmlns:r="http://schemas.openxmlformats.org/officeDocument/2006/relationships" xmlns:mc="http://schemas.openxmlformats.org/markup-compatibility/2006" xmlns:mv="urn:schemas-microsoft-com:mac:vml" xmlns:p="http://schemas.openxmlformats.org/presentationml/2006/main" xmlns:c="http://schemas.openxmlformats.org/drawingml/2006/chart" xmlns:dgm="http://schemas.openxmlformats.org/drawingml/2006/diagram" xmlns:o="urn:schemas-microsoft-com:office:office" xmlns:v="urn:schemas-microsoft-com:vml" xmlns:pvml="urn:schemas-microsoft-com:office:powerpoint" xmlns:com="http://schemas.openxmlformats.org/drawingml/2006/compatibility" xmlns:p14="http://schemas.microsoft.com/office/powerpoint/2010/main" xmlns:p15="http://schemas.microsoft.com/office/powerpoint/2012/main" xmlns:ahyp="http://schemas.microsoft.com/office/drawing/2018/hyperlinkcolor" matchingName="Main point">
+<p:sldLayout xmlns:a="http://schemas.openxmlformats.org/drawingml/2006/main" xmlns:r="http://schemas.openxmlformats.org/officeDocument/2006/relationships" xmlns:p="http://schemas.openxmlformats.org/presentationml/2006/main" matchingName="Main point">
   <p:cSld name="MAIN_POINT">
     <p:bg>
       <p:bgPr>
         <a:solidFill>
           <a:schemeClr val="accent3"/>
         </a:solidFill>
+        <a:effectLst/>
       </p:bgPr>
     </p:bg>
     <p:spTree>
       <p:nvGrpSpPr>
-        <p:cNvPr id="41" name="Shape 41"/>
+        <p:cNvPr id="1" name="Shape 41"/>
         <p:cNvGrpSpPr/>
         <p:nvPr/>
       </p:nvGrpSpPr>
@@ -5007,7 +5140,9 @@
       <p:sp>
         <p:nvSpPr>
           <p:cNvPr id="42" name="Google Shape;42;p8"/>
-          <p:cNvSpPr txBox="1"/>
+          <p:cNvSpPr txBox="1">
+            <a:spLocks noGrp="1"/>
+          </p:cNvSpPr>
           <p:nvPr>
             <p:ph type="title"/>
           </p:nvPr>
@@ -5022,7 +5157,7 @@
           </a:prstGeom>
         </p:spPr>
         <p:txBody>
-          <a:bodyPr anchorCtr="0" anchor="ctr" bIns="91425" lIns="91425" spcFirstLastPara="1" rIns="91425" wrap="square" tIns="91425">
+          <a:bodyPr spcFirstLastPara="1" wrap="square" lIns="91425" tIns="91425" rIns="91425" bIns="91425" anchor="ctr" anchorCtr="0">
             <a:normAutofit/>
           </a:bodyPr>
           <a:lstStyle>
@@ -5126,15 +5261,19 @@
               <a:defRPr sz="3600"/>
             </a:lvl9pPr>
           </a:lstStyle>
-          <a:p/>
+          <a:p>
+            <a:endParaRPr/>
+          </a:p>
         </p:txBody>
       </p:sp>
       <p:sp>
         <p:nvSpPr>
           <p:cNvPr id="43" name="Google Shape;43;p8"/>
-          <p:cNvSpPr txBox="1"/>
+          <p:cNvSpPr txBox="1">
+            <a:spLocks noGrp="1"/>
+          </p:cNvSpPr>
           <p:nvPr>
-            <p:ph idx="12" type="sldNum"/>
+            <p:ph type="sldNum" idx="12"/>
           </p:nvPr>
         </p:nvSpPr>
         <p:spPr>
@@ -5147,7 +5286,7 @@
           </a:prstGeom>
         </p:spPr>
         <p:txBody>
-          <a:bodyPr anchorCtr="0" anchor="ctr" bIns="91425" lIns="91425" spcFirstLastPara="1" rIns="91425" wrap="square" tIns="91425">
+          <a:bodyPr spcFirstLastPara="1" wrap="square" lIns="91425" tIns="91425" rIns="91425" bIns="91425" anchor="ctr" anchorCtr="0">
             <a:normAutofit/>
           </a:bodyPr>
           <a:lstStyle>
@@ -5225,7 +5364,7 @@
             </a:lvl9pPr>
           </a:lstStyle>
           <a:p>
-            <a:pPr indent="0" lvl="0" marL="0" rtl="0" algn="r">
+            <a:pPr marL="0" lvl="0" indent="0" algn="r" rtl="0">
               <a:spcBef>
                 <a:spcPts val="0"/>
               </a:spcBef>
@@ -5251,11 +5390,11 @@
 </file>
 
 <file path=ppt/slideLayouts/slideLayout8.xml><?xml version="1.0" encoding="utf-8"?>
-<p:sldLayout xmlns:a="http://schemas.openxmlformats.org/drawingml/2006/main" xmlns:r="http://schemas.openxmlformats.org/officeDocument/2006/relationships" xmlns:mc="http://schemas.openxmlformats.org/markup-compatibility/2006" xmlns:mv="urn:schemas-microsoft-com:mac:vml" xmlns:p="http://schemas.openxmlformats.org/presentationml/2006/main" xmlns:c="http://schemas.openxmlformats.org/drawingml/2006/chart" xmlns:dgm="http://schemas.openxmlformats.org/drawingml/2006/diagram" xmlns:o="urn:schemas-microsoft-com:office:office" xmlns:v="urn:schemas-microsoft-com:vml" xmlns:pvml="urn:schemas-microsoft-com:office:powerpoint" xmlns:com="http://schemas.openxmlformats.org/drawingml/2006/compatibility" xmlns:p14="http://schemas.microsoft.com/office/powerpoint/2010/main" xmlns:p15="http://schemas.microsoft.com/office/powerpoint/2012/main" xmlns:ahyp="http://schemas.microsoft.com/office/drawing/2018/hyperlinkcolor" matchingName="Section title and description">
+<p:sldLayout xmlns:a="http://schemas.openxmlformats.org/drawingml/2006/main" xmlns:r="http://schemas.openxmlformats.org/officeDocument/2006/relationships" xmlns:p="http://schemas.openxmlformats.org/presentationml/2006/main" matchingName="Section title and description">
   <p:cSld name="SECTION_TITLE_AND_DESCRIPTION">
     <p:spTree>
       <p:nvGrpSpPr>
-        <p:cNvPr id="44" name="Shape 44"/>
+        <p:cNvPr id="1" name="Shape 44"/>
         <p:cNvGrpSpPr/>
         <p:nvPr/>
       </p:nvGrpSpPr>
@@ -5289,12 +5428,12 @@
           </a:ln>
         </p:spPr>
         <p:txBody>
-          <a:bodyPr anchorCtr="0" anchor="ctr" bIns="91425" lIns="91425" spcFirstLastPara="1" rIns="91425" wrap="square" tIns="91425">
+          <a:bodyPr spcFirstLastPara="1" wrap="square" lIns="91425" tIns="91425" rIns="91425" bIns="91425" anchor="ctr" anchorCtr="0">
             <a:noAutofit/>
           </a:bodyPr>
           <a:lstStyle/>
           <a:p>
-            <a:pPr indent="0" lvl="0" marL="0" rtl="0" algn="l">
+            <a:pPr marL="0" lvl="0" indent="0" algn="l" rtl="0">
               <a:spcBef>
                 <a:spcPts val="0"/>
               </a:spcBef>
@@ -5303,9 +5442,6 @@
               </a:spcAft>
               <a:buNone/>
             </a:pPr>
-            <a:r>
-              <a:t/>
-            </a:r>
             <a:endParaRPr/>
           </a:p>
         </p:txBody>
@@ -5313,7 +5449,9 @@
       <p:sp>
         <p:nvSpPr>
           <p:cNvPr id="46" name="Google Shape;46;p9"/>
-          <p:cNvSpPr txBox="1"/>
+          <p:cNvSpPr txBox="1">
+            <a:spLocks noGrp="1"/>
+          </p:cNvSpPr>
           <p:nvPr>
             <p:ph type="title"/>
           </p:nvPr>
@@ -5328,7 +5466,7 @@
           </a:prstGeom>
         </p:spPr>
         <p:txBody>
-          <a:bodyPr anchorCtr="0" anchor="t" bIns="91425" lIns="91425" spcFirstLastPara="1" rIns="91425" wrap="square" tIns="91425">
+          <a:bodyPr spcFirstLastPara="1" wrap="square" lIns="91425" tIns="91425" rIns="91425" bIns="91425" anchor="t" anchorCtr="0">
             <a:normAutofit/>
           </a:bodyPr>
           <a:lstStyle>
@@ -5495,15 +5633,19 @@
               </a:defRPr>
             </a:lvl9pPr>
           </a:lstStyle>
-          <a:p/>
+          <a:p>
+            <a:endParaRPr/>
+          </a:p>
         </p:txBody>
       </p:sp>
       <p:sp>
         <p:nvSpPr>
           <p:cNvPr id="47" name="Google Shape;47;p9"/>
-          <p:cNvSpPr txBox="1"/>
+          <p:cNvSpPr txBox="1">
+            <a:spLocks noGrp="1"/>
+          </p:cNvSpPr>
           <p:nvPr>
-            <p:ph idx="1" type="subTitle"/>
+            <p:ph type="subTitle" idx="1"/>
           </p:nvPr>
         </p:nvSpPr>
         <p:spPr>
@@ -5516,7 +5658,7 @@
           </a:prstGeom>
         </p:spPr>
         <p:txBody>
-          <a:bodyPr anchorCtr="0" anchor="t" bIns="91425" lIns="91425" spcFirstLastPara="1" rIns="91425" wrap="square" tIns="91425">
+          <a:bodyPr spcFirstLastPara="1" wrap="square" lIns="91425" tIns="91425" rIns="91425" bIns="91425" anchor="t" anchorCtr="0">
             <a:normAutofit/>
           </a:bodyPr>
           <a:lstStyle>
@@ -5710,15 +5852,19 @@
               </a:defRPr>
             </a:lvl9pPr>
           </a:lstStyle>
-          <a:p/>
+          <a:p>
+            <a:endParaRPr/>
+          </a:p>
         </p:txBody>
       </p:sp>
       <p:sp>
         <p:nvSpPr>
           <p:cNvPr id="48" name="Google Shape;48;p9"/>
-          <p:cNvSpPr txBox="1"/>
+          <p:cNvSpPr txBox="1">
+            <a:spLocks noGrp="1"/>
+          </p:cNvSpPr>
           <p:nvPr>
-            <p:ph idx="2" type="body"/>
+            <p:ph type="body" idx="2"/>
           </p:nvPr>
         </p:nvSpPr>
         <p:spPr>
@@ -5731,11 +5877,11 @@
           </a:prstGeom>
         </p:spPr>
         <p:txBody>
-          <a:bodyPr anchorCtr="0" anchor="t" bIns="91425" lIns="91425" spcFirstLastPara="1" rIns="91425" wrap="square" tIns="91425">
+          <a:bodyPr spcFirstLastPara="1" wrap="square" lIns="91425" tIns="91425" rIns="91425" bIns="91425" anchor="t" anchorCtr="0">
             <a:normAutofit/>
           </a:bodyPr>
           <a:lstStyle>
-            <a:lvl1pPr indent="-311150" lvl="0" marL="457200">
+            <a:lvl1pPr marL="457200" lvl="0" indent="-311150">
               <a:spcBef>
                 <a:spcPts val="0"/>
               </a:spcBef>
@@ -5746,7 +5892,7 @@
               <a:buChar char="●"/>
               <a:defRPr/>
             </a:lvl1pPr>
-            <a:lvl2pPr indent="-298450" lvl="1" marL="914400">
+            <a:lvl2pPr marL="914400" lvl="1" indent="-298450">
               <a:spcBef>
                 <a:spcPts val="0"/>
               </a:spcBef>
@@ -5757,7 +5903,7 @@
               <a:buChar char="○"/>
               <a:defRPr/>
             </a:lvl2pPr>
-            <a:lvl3pPr indent="-298450" lvl="2" marL="1371600">
+            <a:lvl3pPr marL="1371600" lvl="2" indent="-298450">
               <a:spcBef>
                 <a:spcPts val="0"/>
               </a:spcBef>
@@ -5768,7 +5914,7 @@
               <a:buChar char="■"/>
               <a:defRPr/>
             </a:lvl3pPr>
-            <a:lvl4pPr indent="-298450" lvl="3" marL="1828800">
+            <a:lvl4pPr marL="1828800" lvl="3" indent="-298450">
               <a:spcBef>
                 <a:spcPts val="0"/>
               </a:spcBef>
@@ -5779,7 +5925,7 @@
               <a:buChar char="●"/>
               <a:defRPr/>
             </a:lvl4pPr>
-            <a:lvl5pPr indent="-298450" lvl="4" marL="2286000">
+            <a:lvl5pPr marL="2286000" lvl="4" indent="-298450">
               <a:spcBef>
                 <a:spcPts val="0"/>
               </a:spcBef>
@@ -5790,7 +5936,7 @@
               <a:buChar char="○"/>
               <a:defRPr/>
             </a:lvl5pPr>
-            <a:lvl6pPr indent="-298450" lvl="5" marL="2743200">
+            <a:lvl6pPr marL="2743200" lvl="5" indent="-298450">
               <a:spcBef>
                 <a:spcPts val="0"/>
               </a:spcBef>
@@ -5801,7 +5947,7 @@
               <a:buChar char="■"/>
               <a:defRPr/>
             </a:lvl6pPr>
-            <a:lvl7pPr indent="-298450" lvl="6" marL="3200400">
+            <a:lvl7pPr marL="3200400" lvl="6" indent="-298450">
               <a:spcBef>
                 <a:spcPts val="0"/>
               </a:spcBef>
@@ -5812,7 +5958,7 @@
               <a:buChar char="●"/>
               <a:defRPr/>
             </a:lvl7pPr>
-            <a:lvl8pPr indent="-298450" lvl="7" marL="3657600">
+            <a:lvl8pPr marL="3657600" lvl="7" indent="-298450">
               <a:spcBef>
                 <a:spcPts val="0"/>
               </a:spcBef>
@@ -5823,7 +5969,7 @@
               <a:buChar char="○"/>
               <a:defRPr/>
             </a:lvl8pPr>
-            <a:lvl9pPr indent="-298450" lvl="8" marL="4114800">
+            <a:lvl9pPr marL="4114800" lvl="8" indent="-298450">
               <a:spcBef>
                 <a:spcPts val="0"/>
               </a:spcBef>
@@ -5835,15 +5981,19 @@
               <a:defRPr/>
             </a:lvl9pPr>
           </a:lstStyle>
-          <a:p/>
+          <a:p>
+            <a:endParaRPr/>
+          </a:p>
         </p:txBody>
       </p:sp>
       <p:sp>
         <p:nvSpPr>
           <p:cNvPr id="49" name="Google Shape;49;p9"/>
-          <p:cNvSpPr txBox="1"/>
+          <p:cNvSpPr txBox="1">
+            <a:spLocks noGrp="1"/>
+          </p:cNvSpPr>
           <p:nvPr>
-            <p:ph idx="12" type="sldNum"/>
+            <p:ph type="sldNum" idx="12"/>
           </p:nvPr>
         </p:nvSpPr>
         <p:spPr>
@@ -5856,7 +6006,7 @@
           </a:prstGeom>
         </p:spPr>
         <p:txBody>
-          <a:bodyPr anchorCtr="0" anchor="ctr" bIns="91425" lIns="91425" spcFirstLastPara="1" rIns="91425" wrap="square" tIns="91425">
+          <a:bodyPr spcFirstLastPara="1" wrap="square" lIns="91425" tIns="91425" rIns="91425" bIns="91425" anchor="ctr" anchorCtr="0">
             <a:normAutofit/>
           </a:bodyPr>
           <a:lstStyle>
@@ -5898,7 +6048,7 @@
             </a:lvl9pPr>
           </a:lstStyle>
           <a:p>
-            <a:pPr indent="0" lvl="0" marL="0" rtl="0" algn="r">
+            <a:pPr marL="0" lvl="0" indent="0" algn="r" rtl="0">
               <a:spcBef>
                 <a:spcPts val="0"/>
               </a:spcBef>
@@ -5924,11 +6074,11 @@
 </file>
 
 <file path=ppt/slideLayouts/slideLayout9.xml><?xml version="1.0" encoding="utf-8"?>
-<p:sldLayout xmlns:a="http://schemas.openxmlformats.org/drawingml/2006/main" xmlns:r="http://schemas.openxmlformats.org/officeDocument/2006/relationships" xmlns:mc="http://schemas.openxmlformats.org/markup-compatibility/2006" xmlns:mv="urn:schemas-microsoft-com:mac:vml" xmlns:p="http://schemas.openxmlformats.org/presentationml/2006/main" xmlns:c="http://schemas.openxmlformats.org/drawingml/2006/chart" xmlns:dgm="http://schemas.openxmlformats.org/drawingml/2006/diagram" xmlns:o="urn:schemas-microsoft-com:office:office" xmlns:v="urn:schemas-microsoft-com:vml" xmlns:pvml="urn:schemas-microsoft-com:office:powerpoint" xmlns:com="http://schemas.openxmlformats.org/drawingml/2006/compatibility" xmlns:p14="http://schemas.microsoft.com/office/powerpoint/2010/main" xmlns:p15="http://schemas.microsoft.com/office/powerpoint/2012/main" xmlns:ahyp="http://schemas.microsoft.com/office/drawing/2018/hyperlinkcolor" matchingName="Caption">
+<p:sldLayout xmlns:a="http://schemas.openxmlformats.org/drawingml/2006/main" xmlns:r="http://schemas.openxmlformats.org/officeDocument/2006/relationships" xmlns:p="http://schemas.openxmlformats.org/presentationml/2006/main" matchingName="Caption">
   <p:cSld name="CAPTION_ONLY">
     <p:spTree>
       <p:nvGrpSpPr>
-        <p:cNvPr id="50" name="Shape 50"/>
+        <p:cNvPr id="1" name="Shape 50"/>
         <p:cNvGrpSpPr/>
         <p:nvPr/>
       </p:nvGrpSpPr>
@@ -5962,12 +6112,12 @@
           </a:ln>
         </p:spPr>
         <p:txBody>
-          <a:bodyPr anchorCtr="0" anchor="ctr" bIns="91425" lIns="91425" spcFirstLastPara="1" rIns="91425" wrap="square" tIns="91425">
+          <a:bodyPr spcFirstLastPara="1" wrap="square" lIns="91425" tIns="91425" rIns="91425" bIns="91425" anchor="ctr" anchorCtr="0">
             <a:noAutofit/>
           </a:bodyPr>
           <a:lstStyle/>
           <a:p>
-            <a:pPr indent="0" lvl="0" marL="0" rtl="0" algn="l">
+            <a:pPr marL="0" lvl="0" indent="0" algn="l" rtl="0">
               <a:spcBef>
                 <a:spcPts val="0"/>
               </a:spcBef>
@@ -5976,9 +6126,6 @@
               </a:spcAft>
               <a:buNone/>
             </a:pPr>
-            <a:r>
-              <a:t/>
-            </a:r>
             <a:endParaRPr/>
           </a:p>
         </p:txBody>
@@ -5986,9 +6133,11 @@
       <p:sp>
         <p:nvSpPr>
           <p:cNvPr id="52" name="Google Shape;52;p10"/>
-          <p:cNvSpPr txBox="1"/>
+          <p:cNvSpPr txBox="1">
+            <a:spLocks noGrp="1"/>
+          </p:cNvSpPr>
           <p:nvPr>
-            <p:ph idx="1" type="body"/>
+            <p:ph type="body" idx="1"/>
           </p:nvPr>
         </p:nvSpPr>
         <p:spPr>
@@ -6001,11 +6150,11 @@
           </a:prstGeom>
         </p:spPr>
         <p:txBody>
-          <a:bodyPr anchorCtr="0" anchor="ctr" bIns="91425" lIns="91425" spcFirstLastPara="1" rIns="91425" wrap="square" tIns="91425">
+          <a:bodyPr spcFirstLastPara="1" wrap="square" lIns="91425" tIns="91425" rIns="91425" bIns="91425" anchor="ctr" anchorCtr="0">
             <a:normAutofit/>
           </a:bodyPr>
           <a:lstStyle>
-            <a:lvl1pPr indent="-228600" lvl="0" marL="457200">
+            <a:lvl1pPr marL="457200" lvl="0" indent="-228600">
               <a:lnSpc>
                 <a:spcPct val="100000"/>
               </a:lnSpc>
@@ -6032,15 +6181,19 @@
               </a:defRPr>
             </a:lvl1pPr>
           </a:lstStyle>
-          <a:p/>
+          <a:p>
+            <a:endParaRPr/>
+          </a:p>
         </p:txBody>
       </p:sp>
       <p:sp>
         <p:nvSpPr>
           <p:cNvPr id="53" name="Google Shape;53;p10"/>
-          <p:cNvSpPr txBox="1"/>
+          <p:cNvSpPr txBox="1">
+            <a:spLocks noGrp="1"/>
+          </p:cNvSpPr>
           <p:nvPr>
-            <p:ph idx="12" type="sldNum"/>
+            <p:ph type="sldNum" idx="12"/>
           </p:nvPr>
         </p:nvSpPr>
         <p:spPr>
@@ -6053,7 +6206,7 @@
           </a:prstGeom>
         </p:spPr>
         <p:txBody>
-          <a:bodyPr anchorCtr="0" anchor="ctr" bIns="91425" lIns="91425" spcFirstLastPara="1" rIns="91425" wrap="square" tIns="91425">
+          <a:bodyPr spcFirstLastPara="1" wrap="square" lIns="91425" tIns="91425" rIns="91425" bIns="91425" anchor="ctr" anchorCtr="0">
             <a:normAutofit/>
           </a:bodyPr>
           <a:lstStyle>
@@ -6131,7 +6284,7 @@
             </a:lvl9pPr>
           </a:lstStyle>
           <a:p>
-            <a:pPr indent="0" lvl="0" marL="0" rtl="0" algn="r">
+            <a:pPr marL="0" lvl="0" indent="0" algn="r" rtl="0">
               <a:spcBef>
                 <a:spcPts val="0"/>
               </a:spcBef>
@@ -6157,18 +6310,19 @@
 </file>
 
 <file path=ppt/slideMasters/slideMaster1.xml><?xml version="1.0" encoding="utf-8"?>
-<p:sldMaster xmlns:a="http://schemas.openxmlformats.org/drawingml/2006/main" xmlns:r="http://schemas.openxmlformats.org/officeDocument/2006/relationships" xmlns:mc="http://schemas.openxmlformats.org/markup-compatibility/2006" xmlns:mv="urn:schemas-microsoft-com:mac:vml" xmlns:p="http://schemas.openxmlformats.org/presentationml/2006/main" xmlns:c="http://schemas.openxmlformats.org/drawingml/2006/chart" xmlns:dgm="http://schemas.openxmlformats.org/drawingml/2006/diagram" xmlns:o="urn:schemas-microsoft-com:office:office" xmlns:v="urn:schemas-microsoft-com:vml" xmlns:pvml="urn:schemas-microsoft-com:office:powerpoint" xmlns:com="http://schemas.openxmlformats.org/drawingml/2006/compatibility" xmlns:p14="http://schemas.microsoft.com/office/powerpoint/2010/main" xmlns:p15="http://schemas.microsoft.com/office/powerpoint/2012/main" xmlns:ahyp="http://schemas.microsoft.com/office/drawing/2018/hyperlinkcolor">
+<p:sldMaster xmlns:a="http://schemas.openxmlformats.org/drawingml/2006/main" xmlns:r="http://schemas.openxmlformats.org/officeDocument/2006/relationships" xmlns:p="http://schemas.openxmlformats.org/presentationml/2006/main">
   <p:cSld name="paradigm">
     <p:bg>
       <p:bgPr>
         <a:solidFill>
           <a:schemeClr val="lt1"/>
         </a:solidFill>
+        <a:effectLst/>
       </p:bgPr>
     </p:bg>
     <p:spTree>
       <p:nvGrpSpPr>
-        <p:cNvPr id="5" name="Shape 5"/>
+        <p:cNvPr id="1" name="Shape 5"/>
         <p:cNvGrpSpPr/>
         <p:nvPr/>
       </p:nvGrpSpPr>
@@ -6183,7 +6337,9 @@
       <p:sp>
         <p:nvSpPr>
           <p:cNvPr id="6" name="Google Shape;6;p1"/>
-          <p:cNvSpPr txBox="1"/>
+          <p:cNvSpPr txBox="1">
+            <a:spLocks noGrp="1"/>
+          </p:cNvSpPr>
           <p:nvPr>
             <p:ph type="title"/>
           </p:nvPr>
@@ -6202,7 +6358,7 @@
           </a:ln>
         </p:spPr>
         <p:txBody>
-          <a:bodyPr anchorCtr="0" anchor="t" bIns="91425" lIns="91425" spcFirstLastPara="1" rIns="91425" wrap="square" tIns="91425">
+          <a:bodyPr spcFirstLastPara="1" wrap="square" lIns="91425" tIns="91425" rIns="91425" bIns="91425" anchor="t" anchorCtr="0">
             <a:normAutofit/>
           </a:bodyPr>
           <a:lstStyle>
@@ -6414,15 +6570,19 @@
               </a:defRPr>
             </a:lvl9pPr>
           </a:lstStyle>
-          <a:p/>
+          <a:p>
+            <a:endParaRPr/>
+          </a:p>
         </p:txBody>
       </p:sp>
       <p:sp>
         <p:nvSpPr>
           <p:cNvPr id="7" name="Google Shape;7;p1"/>
-          <p:cNvSpPr txBox="1"/>
+          <p:cNvSpPr txBox="1">
+            <a:spLocks noGrp="1"/>
+          </p:cNvSpPr>
           <p:nvPr>
-            <p:ph idx="1" type="body"/>
+            <p:ph type="body" idx="1"/>
           </p:nvPr>
         </p:nvSpPr>
         <p:spPr>
@@ -6439,11 +6599,11 @@
           </a:ln>
         </p:spPr>
         <p:txBody>
-          <a:bodyPr anchorCtr="0" anchor="t" bIns="91425" lIns="91425" spcFirstLastPara="1" rIns="91425" wrap="square" tIns="91425">
+          <a:bodyPr spcFirstLastPara="1" wrap="square" lIns="91425" tIns="91425" rIns="91425" bIns="91425" anchor="t" anchorCtr="0">
             <a:normAutofit/>
           </a:bodyPr>
           <a:lstStyle>
-            <a:lvl1pPr indent="-311150" lvl="0" marL="457200">
+            <a:lvl1pPr marL="457200" lvl="0" indent="-311150">
               <a:lnSpc>
                 <a:spcPct val="115000"/>
               </a:lnSpc>
@@ -6469,7 +6629,7 @@
                 <a:sym typeface="Roboto"/>
               </a:defRPr>
             </a:lvl1pPr>
-            <a:lvl2pPr indent="-298450" lvl="1" marL="914400">
+            <a:lvl2pPr marL="914400" lvl="1" indent="-298450">
               <a:lnSpc>
                 <a:spcPct val="115000"/>
               </a:lnSpc>
@@ -6495,7 +6655,7 @@
                 <a:sym typeface="Roboto"/>
               </a:defRPr>
             </a:lvl2pPr>
-            <a:lvl3pPr indent="-298450" lvl="2" marL="1371600">
+            <a:lvl3pPr marL="1371600" lvl="2" indent="-298450">
               <a:lnSpc>
                 <a:spcPct val="115000"/>
               </a:lnSpc>
@@ -6521,7 +6681,7 @@
                 <a:sym typeface="Roboto"/>
               </a:defRPr>
             </a:lvl3pPr>
-            <a:lvl4pPr indent="-298450" lvl="3" marL="1828800">
+            <a:lvl4pPr marL="1828800" lvl="3" indent="-298450">
               <a:lnSpc>
                 <a:spcPct val="115000"/>
               </a:lnSpc>
@@ -6547,7 +6707,7 @@
                 <a:sym typeface="Roboto"/>
               </a:defRPr>
             </a:lvl4pPr>
-            <a:lvl5pPr indent="-298450" lvl="4" marL="2286000">
+            <a:lvl5pPr marL="2286000" lvl="4" indent="-298450">
               <a:lnSpc>
                 <a:spcPct val="115000"/>
               </a:lnSpc>
@@ -6573,7 +6733,7 @@
                 <a:sym typeface="Roboto"/>
               </a:defRPr>
             </a:lvl5pPr>
-            <a:lvl6pPr indent="-298450" lvl="5" marL="2743200">
+            <a:lvl6pPr marL="2743200" lvl="5" indent="-298450">
               <a:lnSpc>
                 <a:spcPct val="115000"/>
               </a:lnSpc>
@@ -6599,7 +6759,7 @@
                 <a:sym typeface="Roboto"/>
               </a:defRPr>
             </a:lvl6pPr>
-            <a:lvl7pPr indent="-298450" lvl="6" marL="3200400">
+            <a:lvl7pPr marL="3200400" lvl="6" indent="-298450">
               <a:lnSpc>
                 <a:spcPct val="115000"/>
               </a:lnSpc>
@@ -6625,7 +6785,7 @@
                 <a:sym typeface="Roboto"/>
               </a:defRPr>
             </a:lvl7pPr>
-            <a:lvl8pPr indent="-298450" lvl="7" marL="3657600">
+            <a:lvl8pPr marL="3657600" lvl="7" indent="-298450">
               <a:lnSpc>
                 <a:spcPct val="115000"/>
               </a:lnSpc>
@@ -6651,7 +6811,7 @@
                 <a:sym typeface="Roboto"/>
               </a:defRPr>
             </a:lvl8pPr>
-            <a:lvl9pPr indent="-298450" lvl="8" marL="4114800">
+            <a:lvl9pPr marL="4114800" lvl="8" indent="-298450">
               <a:lnSpc>
                 <a:spcPct val="115000"/>
               </a:lnSpc>
@@ -6678,15 +6838,19 @@
               </a:defRPr>
             </a:lvl9pPr>
           </a:lstStyle>
-          <a:p/>
+          <a:p>
+            <a:endParaRPr/>
+          </a:p>
         </p:txBody>
       </p:sp>
       <p:sp>
         <p:nvSpPr>
           <p:cNvPr id="8" name="Google Shape;8;p1"/>
-          <p:cNvSpPr txBox="1"/>
+          <p:cNvSpPr txBox="1">
+            <a:spLocks noGrp="1"/>
+          </p:cNvSpPr>
           <p:nvPr>
-            <p:ph idx="12" type="sldNum"/>
+            <p:ph type="sldNum" idx="12"/>
           </p:nvPr>
         </p:nvSpPr>
         <p:spPr>
@@ -6703,7 +6867,7 @@
           </a:ln>
         </p:spPr>
         <p:txBody>
-          <a:bodyPr anchorCtr="0" anchor="ctr" bIns="91425" lIns="91425" spcFirstLastPara="1" rIns="91425" wrap="square" tIns="91425">
+          <a:bodyPr spcFirstLastPara="1" wrap="square" lIns="91425" tIns="91425" rIns="91425" bIns="91425" anchor="ctr" anchorCtr="0">
             <a:normAutofit/>
           </a:bodyPr>
           <a:lstStyle>
@@ -6817,7 +6981,7 @@
             </a:lvl9pPr>
           </a:lstStyle>
           <a:p>
-            <a:pPr indent="0" lvl="0" marL="0" rtl="0" algn="r">
+            <a:pPr marL="0" lvl="0" indent="0" algn="r" rtl="0">
               <a:spcBef>
                 <a:spcPts val="0"/>
               </a:spcBef>
@@ -6836,7 +7000,7 @@
       </p:sp>
     </p:spTree>
   </p:cSld>
-  <p:clrMap accent1="accent1" accent2="accent2" accent3="accent3" accent4="accent4" accent5="accent5" accent6="accent6" bg1="lt1" bg2="dk2" tx1="dk1" tx2="lt2" folHlink="folHlink" hlink="hlink"/>
+  <p:clrMap bg1="lt1" tx1="dk1" bg2="dk2" tx2="lt2" accent1="accent1" accent2="accent2" accent3="accent3" accent4="accent4" accent5="accent5" accent6="accent6" hlink="hlink" folHlink="folHlink"/>
   <p:sldLayoutIdLst>
     <p:sldLayoutId id="2147483648" r:id="rId1"/>
     <p:sldLayoutId id="2147483649" r:id="rId2"/>
@@ -6850,10 +7014,10 @@
     <p:sldLayoutId id="2147483657" r:id="rId10"/>
     <p:sldLayoutId id="2147483658" r:id="rId11"/>
   </p:sldLayoutIdLst>
-  <p:hf dt="0" ftr="0" hdr="0" sldNum="0"/>
+  <p:hf sldNum="0" hdr="0" ftr="0" dt="0"/>
   <p:txStyles>
     <p:titleStyle>
-      <a:defPPr lvl="0" marR="0" rtl="0" algn="l">
+      <a:defPPr marR="0" lvl="0" algn="l" rtl="0">
         <a:lnSpc>
           <a:spcPct val="100000"/>
         </a:lnSpc>
@@ -6864,7 +7028,7 @@
           <a:spcPts val="0"/>
         </a:spcAft>
       </a:defPPr>
-      <a:lvl1pPr lvl="0" marR="0" rtl="0" algn="l">
+      <a:lvl1pPr marR="0" lvl="0" algn="l" rtl="0">
         <a:lnSpc>
           <a:spcPct val="100000"/>
         </a:lnSpc>
@@ -6878,7 +7042,7 @@
           <a:srgbClr val="000000"/>
         </a:buClr>
         <a:buFont typeface="Arial"/>
-        <a:defRPr b="0" i="0" sz="1400" u="none" cap="none" strike="noStrike">
+        <a:defRPr sz="1400" b="0" i="0" u="none" strike="noStrike" cap="none">
           <a:solidFill>
             <a:srgbClr val="000000"/>
           </a:solidFill>
@@ -6888,7 +7052,7 @@
           <a:sym typeface="Arial"/>
         </a:defRPr>
       </a:lvl1pPr>
-      <a:lvl2pPr lvl="1" marR="0" rtl="0" algn="l">
+      <a:lvl2pPr marR="0" lvl="1" algn="l" rtl="0">
         <a:lnSpc>
           <a:spcPct val="100000"/>
         </a:lnSpc>
@@ -6902,7 +7066,7 @@
           <a:srgbClr val="000000"/>
         </a:buClr>
         <a:buFont typeface="Arial"/>
-        <a:defRPr b="0" i="0" sz="1400" u="none" cap="none" strike="noStrike">
+        <a:defRPr sz="1400" b="0" i="0" u="none" strike="noStrike" cap="none">
           <a:solidFill>
             <a:srgbClr val="000000"/>
           </a:solidFill>
@@ -6912,7 +7076,7 @@
           <a:sym typeface="Arial"/>
         </a:defRPr>
       </a:lvl2pPr>
-      <a:lvl3pPr lvl="2" marR="0" rtl="0" algn="l">
+      <a:lvl3pPr marR="0" lvl="2" algn="l" rtl="0">
         <a:lnSpc>
           <a:spcPct val="100000"/>
         </a:lnSpc>
@@ -6926,7 +7090,7 @@
           <a:srgbClr val="000000"/>
         </a:buClr>
         <a:buFont typeface="Arial"/>
-        <a:defRPr b="0" i="0" sz="1400" u="none" cap="none" strike="noStrike">
+        <a:defRPr sz="1400" b="0" i="0" u="none" strike="noStrike" cap="none">
           <a:solidFill>
             <a:srgbClr val="000000"/>
           </a:solidFill>
@@ -6936,7 +7100,7 @@
           <a:sym typeface="Arial"/>
         </a:defRPr>
       </a:lvl3pPr>
-      <a:lvl4pPr lvl="3" marR="0" rtl="0" algn="l">
+      <a:lvl4pPr marR="0" lvl="3" algn="l" rtl="0">
         <a:lnSpc>
           <a:spcPct val="100000"/>
         </a:lnSpc>
@@ -6950,7 +7114,7 @@
           <a:srgbClr val="000000"/>
         </a:buClr>
         <a:buFont typeface="Arial"/>
-        <a:defRPr b="0" i="0" sz="1400" u="none" cap="none" strike="noStrike">
+        <a:defRPr sz="1400" b="0" i="0" u="none" strike="noStrike" cap="none">
           <a:solidFill>
             <a:srgbClr val="000000"/>
           </a:solidFill>
@@ -6960,7 +7124,7 @@
           <a:sym typeface="Arial"/>
         </a:defRPr>
       </a:lvl4pPr>
-      <a:lvl5pPr lvl="4" marR="0" rtl="0" algn="l">
+      <a:lvl5pPr marR="0" lvl="4" algn="l" rtl="0">
         <a:lnSpc>
           <a:spcPct val="100000"/>
         </a:lnSpc>
@@ -6974,7 +7138,7 @@
           <a:srgbClr val="000000"/>
         </a:buClr>
         <a:buFont typeface="Arial"/>
-        <a:defRPr b="0" i="0" sz="1400" u="none" cap="none" strike="noStrike">
+        <a:defRPr sz="1400" b="0" i="0" u="none" strike="noStrike" cap="none">
           <a:solidFill>
             <a:srgbClr val="000000"/>
           </a:solidFill>
@@ -6984,7 +7148,7 @@
           <a:sym typeface="Arial"/>
         </a:defRPr>
       </a:lvl5pPr>
-      <a:lvl6pPr lvl="5" marR="0" rtl="0" algn="l">
+      <a:lvl6pPr marR="0" lvl="5" algn="l" rtl="0">
         <a:lnSpc>
           <a:spcPct val="100000"/>
         </a:lnSpc>
@@ -6998,7 +7162,7 @@
           <a:srgbClr val="000000"/>
         </a:buClr>
         <a:buFont typeface="Arial"/>
-        <a:defRPr b="0" i="0" sz="1400" u="none" cap="none" strike="noStrike">
+        <a:defRPr sz="1400" b="0" i="0" u="none" strike="noStrike" cap="none">
           <a:solidFill>
             <a:srgbClr val="000000"/>
           </a:solidFill>
@@ -7008,7 +7172,7 @@
           <a:sym typeface="Arial"/>
         </a:defRPr>
       </a:lvl6pPr>
-      <a:lvl7pPr lvl="6" marR="0" rtl="0" algn="l">
+      <a:lvl7pPr marR="0" lvl="6" algn="l" rtl="0">
         <a:lnSpc>
           <a:spcPct val="100000"/>
         </a:lnSpc>
@@ -7022,7 +7186,7 @@
           <a:srgbClr val="000000"/>
         </a:buClr>
         <a:buFont typeface="Arial"/>
-        <a:defRPr b="0" i="0" sz="1400" u="none" cap="none" strike="noStrike">
+        <a:defRPr sz="1400" b="0" i="0" u="none" strike="noStrike" cap="none">
           <a:solidFill>
             <a:srgbClr val="000000"/>
           </a:solidFill>
@@ -7032,7 +7196,7 @@
           <a:sym typeface="Arial"/>
         </a:defRPr>
       </a:lvl7pPr>
-      <a:lvl8pPr lvl="7" marR="0" rtl="0" algn="l">
+      <a:lvl8pPr marR="0" lvl="7" algn="l" rtl="0">
         <a:lnSpc>
           <a:spcPct val="100000"/>
         </a:lnSpc>
@@ -7046,7 +7210,7 @@
           <a:srgbClr val="000000"/>
         </a:buClr>
         <a:buFont typeface="Arial"/>
-        <a:defRPr b="0" i="0" sz="1400" u="none" cap="none" strike="noStrike">
+        <a:defRPr sz="1400" b="0" i="0" u="none" strike="noStrike" cap="none">
           <a:solidFill>
             <a:srgbClr val="000000"/>
           </a:solidFill>
@@ -7056,7 +7220,7 @@
           <a:sym typeface="Arial"/>
         </a:defRPr>
       </a:lvl8pPr>
-      <a:lvl9pPr lvl="8" marR="0" rtl="0" algn="l">
+      <a:lvl9pPr marR="0" lvl="8" algn="l" rtl="0">
         <a:lnSpc>
           <a:spcPct val="100000"/>
         </a:lnSpc>
@@ -7070,7 +7234,7 @@
           <a:srgbClr val="000000"/>
         </a:buClr>
         <a:buFont typeface="Arial"/>
-        <a:defRPr b="0" i="0" sz="1400" u="none" cap="none" strike="noStrike">
+        <a:defRPr sz="1400" b="0" i="0" u="none" strike="noStrike" cap="none">
           <a:solidFill>
             <a:srgbClr val="000000"/>
           </a:solidFill>
@@ -7082,7 +7246,7 @@
       </a:lvl9pPr>
     </p:titleStyle>
     <p:bodyStyle>
-      <a:defPPr lvl="0" marR="0" rtl="0" algn="l">
+      <a:defPPr marR="0" lvl="0" algn="l" rtl="0">
         <a:lnSpc>
           <a:spcPct val="100000"/>
         </a:lnSpc>
@@ -7093,7 +7257,7 @@
           <a:spcPts val="0"/>
         </a:spcAft>
       </a:defPPr>
-      <a:lvl1pPr lvl="0" marR="0" rtl="0" algn="l">
+      <a:lvl1pPr marR="0" lvl="0" algn="l" rtl="0">
         <a:lnSpc>
           <a:spcPct val="100000"/>
         </a:lnSpc>
@@ -7107,7 +7271,7 @@
           <a:srgbClr val="000000"/>
         </a:buClr>
         <a:buFont typeface="Arial"/>
-        <a:defRPr b="0" i="0" sz="1400" u="none" cap="none" strike="noStrike">
+        <a:defRPr sz="1400" b="0" i="0" u="none" strike="noStrike" cap="none">
           <a:solidFill>
             <a:srgbClr val="000000"/>
           </a:solidFill>
@@ -7117,7 +7281,7 @@
           <a:sym typeface="Arial"/>
         </a:defRPr>
       </a:lvl1pPr>
-      <a:lvl2pPr lvl="1" marR="0" rtl="0" algn="l">
+      <a:lvl2pPr marR="0" lvl="1" algn="l" rtl="0">
         <a:lnSpc>
           <a:spcPct val="100000"/>
         </a:lnSpc>
@@ -7131,7 +7295,7 @@
           <a:srgbClr val="000000"/>
         </a:buClr>
         <a:buFont typeface="Arial"/>
-        <a:defRPr b="0" i="0" sz="1400" u="none" cap="none" strike="noStrike">
+        <a:defRPr sz="1400" b="0" i="0" u="none" strike="noStrike" cap="none">
           <a:solidFill>
             <a:srgbClr val="000000"/>
           </a:solidFill>
@@ -7141,7 +7305,7 @@
           <a:sym typeface="Arial"/>
         </a:defRPr>
       </a:lvl2pPr>
-      <a:lvl3pPr lvl="2" marR="0" rtl="0" algn="l">
+      <a:lvl3pPr marR="0" lvl="2" algn="l" rtl="0">
         <a:lnSpc>
           <a:spcPct val="100000"/>
         </a:lnSpc>
@@ -7155,7 +7319,7 @@
           <a:srgbClr val="000000"/>
         </a:buClr>
         <a:buFont typeface="Arial"/>
-        <a:defRPr b="0" i="0" sz="1400" u="none" cap="none" strike="noStrike">
+        <a:defRPr sz="1400" b="0" i="0" u="none" strike="noStrike" cap="none">
           <a:solidFill>
             <a:srgbClr val="000000"/>
           </a:solidFill>
@@ -7165,7 +7329,7 @@
           <a:sym typeface="Arial"/>
         </a:defRPr>
       </a:lvl3pPr>
-      <a:lvl4pPr lvl="3" marR="0" rtl="0" algn="l">
+      <a:lvl4pPr marR="0" lvl="3" algn="l" rtl="0">
         <a:lnSpc>
           <a:spcPct val="100000"/>
         </a:lnSpc>
@@ -7179,7 +7343,7 @@
           <a:srgbClr val="000000"/>
         </a:buClr>
         <a:buFont typeface="Arial"/>
-        <a:defRPr b="0" i="0" sz="1400" u="none" cap="none" strike="noStrike">
+        <a:defRPr sz="1400" b="0" i="0" u="none" strike="noStrike" cap="none">
           <a:solidFill>
             <a:srgbClr val="000000"/>
           </a:solidFill>
@@ -7189,7 +7353,7 @@
           <a:sym typeface="Arial"/>
         </a:defRPr>
       </a:lvl4pPr>
-      <a:lvl5pPr lvl="4" marR="0" rtl="0" algn="l">
+      <a:lvl5pPr marR="0" lvl="4" algn="l" rtl="0">
         <a:lnSpc>
           <a:spcPct val="100000"/>
         </a:lnSpc>
@@ -7203,7 +7367,7 @@
           <a:srgbClr val="000000"/>
         </a:buClr>
         <a:buFont typeface="Arial"/>
-        <a:defRPr b="0" i="0" sz="1400" u="none" cap="none" strike="noStrike">
+        <a:defRPr sz="1400" b="0" i="0" u="none" strike="noStrike" cap="none">
           <a:solidFill>
             <a:srgbClr val="000000"/>
           </a:solidFill>
@@ -7213,7 +7377,7 @@
           <a:sym typeface="Arial"/>
         </a:defRPr>
       </a:lvl5pPr>
-      <a:lvl6pPr lvl="5" marR="0" rtl="0" algn="l">
+      <a:lvl6pPr marR="0" lvl="5" algn="l" rtl="0">
         <a:lnSpc>
           <a:spcPct val="100000"/>
         </a:lnSpc>
@@ -7227,7 +7391,7 @@
           <a:srgbClr val="000000"/>
         </a:buClr>
         <a:buFont typeface="Arial"/>
-        <a:defRPr b="0" i="0" sz="1400" u="none" cap="none" strike="noStrike">
+        <a:defRPr sz="1400" b="0" i="0" u="none" strike="noStrike" cap="none">
           <a:solidFill>
             <a:srgbClr val="000000"/>
           </a:solidFill>
@@ -7237,7 +7401,7 @@
           <a:sym typeface="Arial"/>
         </a:defRPr>
       </a:lvl6pPr>
-      <a:lvl7pPr lvl="6" marR="0" rtl="0" algn="l">
+      <a:lvl7pPr marR="0" lvl="6" algn="l" rtl="0">
         <a:lnSpc>
           <a:spcPct val="100000"/>
         </a:lnSpc>
@@ -7251,7 +7415,7 @@
           <a:srgbClr val="000000"/>
         </a:buClr>
         <a:buFont typeface="Arial"/>
-        <a:defRPr b="0" i="0" sz="1400" u="none" cap="none" strike="noStrike">
+        <a:defRPr sz="1400" b="0" i="0" u="none" strike="noStrike" cap="none">
           <a:solidFill>
             <a:srgbClr val="000000"/>
           </a:solidFill>
@@ -7261,7 +7425,7 @@
           <a:sym typeface="Arial"/>
         </a:defRPr>
       </a:lvl7pPr>
-      <a:lvl8pPr lvl="7" marR="0" rtl="0" algn="l">
+      <a:lvl8pPr marR="0" lvl="7" algn="l" rtl="0">
         <a:lnSpc>
           <a:spcPct val="100000"/>
         </a:lnSpc>
@@ -7275,7 +7439,7 @@
           <a:srgbClr val="000000"/>
         </a:buClr>
         <a:buFont typeface="Arial"/>
-        <a:defRPr b="0" i="0" sz="1400" u="none" cap="none" strike="noStrike">
+        <a:defRPr sz="1400" b="0" i="0" u="none" strike="noStrike" cap="none">
           <a:solidFill>
             <a:srgbClr val="000000"/>
           </a:solidFill>
@@ -7285,7 +7449,7 @@
           <a:sym typeface="Arial"/>
         </a:defRPr>
       </a:lvl8pPr>
-      <a:lvl9pPr lvl="8" marR="0" rtl="0" algn="l">
+      <a:lvl9pPr marR="0" lvl="8" algn="l" rtl="0">
         <a:lnSpc>
           <a:spcPct val="100000"/>
         </a:lnSpc>
@@ -7299,7 +7463,7 @@
           <a:srgbClr val="000000"/>
         </a:buClr>
         <a:buFont typeface="Arial"/>
-        <a:defRPr b="0" i="0" sz="1400" u="none" cap="none" strike="noStrike">
+        <a:defRPr sz="1400" b="0" i="0" u="none" strike="noStrike" cap="none">
           <a:solidFill>
             <a:srgbClr val="000000"/>
           </a:solidFill>
@@ -7311,7 +7475,7 @@
       </a:lvl9pPr>
     </p:bodyStyle>
     <p:otherStyle>
-      <a:defPPr lvl="0" marR="0" rtl="0" algn="l">
+      <a:defPPr marR="0" lvl="0" algn="l" rtl="0">
         <a:lnSpc>
           <a:spcPct val="100000"/>
         </a:lnSpc>
@@ -7322,7 +7486,7 @@
           <a:spcPts val="0"/>
         </a:spcAft>
       </a:defPPr>
-      <a:lvl1pPr lvl="0" marR="0" rtl="0" algn="l">
+      <a:lvl1pPr marR="0" lvl="0" algn="l" rtl="0">
         <a:lnSpc>
           <a:spcPct val="100000"/>
         </a:lnSpc>
@@ -7336,7 +7500,7 @@
           <a:srgbClr val="000000"/>
         </a:buClr>
         <a:buFont typeface="Arial"/>
-        <a:defRPr b="0" i="0" sz="1400" u="none" cap="none" strike="noStrike">
+        <a:defRPr sz="1400" b="0" i="0" u="none" strike="noStrike" cap="none">
           <a:solidFill>
             <a:srgbClr val="000000"/>
           </a:solidFill>
@@ -7346,7 +7510,7 @@
           <a:sym typeface="Arial"/>
         </a:defRPr>
       </a:lvl1pPr>
-      <a:lvl2pPr lvl="1" marR="0" rtl="0" algn="l">
+      <a:lvl2pPr marR="0" lvl="1" algn="l" rtl="0">
         <a:lnSpc>
           <a:spcPct val="100000"/>
         </a:lnSpc>
@@ -7360,7 +7524,7 @@
           <a:srgbClr val="000000"/>
         </a:buClr>
         <a:buFont typeface="Arial"/>
-        <a:defRPr b="0" i="0" sz="1400" u="none" cap="none" strike="noStrike">
+        <a:defRPr sz="1400" b="0" i="0" u="none" strike="noStrike" cap="none">
           <a:solidFill>
             <a:srgbClr val="000000"/>
           </a:solidFill>
@@ -7370,7 +7534,7 @@
           <a:sym typeface="Arial"/>
         </a:defRPr>
       </a:lvl2pPr>
-      <a:lvl3pPr lvl="2" marR="0" rtl="0" algn="l">
+      <a:lvl3pPr marR="0" lvl="2" algn="l" rtl="0">
         <a:lnSpc>
           <a:spcPct val="100000"/>
         </a:lnSpc>
@@ -7384,7 +7548,7 @@
           <a:srgbClr val="000000"/>
         </a:buClr>
         <a:buFont typeface="Arial"/>
-        <a:defRPr b="0" i="0" sz="1400" u="none" cap="none" strike="noStrike">
+        <a:defRPr sz="1400" b="0" i="0" u="none" strike="noStrike" cap="none">
           <a:solidFill>
             <a:srgbClr val="000000"/>
           </a:solidFill>
@@ -7394,7 +7558,7 @@
           <a:sym typeface="Arial"/>
         </a:defRPr>
       </a:lvl3pPr>
-      <a:lvl4pPr lvl="3" marR="0" rtl="0" algn="l">
+      <a:lvl4pPr marR="0" lvl="3" algn="l" rtl="0">
         <a:lnSpc>
           <a:spcPct val="100000"/>
         </a:lnSpc>
@@ -7408,7 +7572,7 @@
           <a:srgbClr val="000000"/>
         </a:buClr>
         <a:buFont typeface="Arial"/>
-        <a:defRPr b="0" i="0" sz="1400" u="none" cap="none" strike="noStrike">
+        <a:defRPr sz="1400" b="0" i="0" u="none" strike="noStrike" cap="none">
           <a:solidFill>
             <a:srgbClr val="000000"/>
           </a:solidFill>
@@ -7418,7 +7582,7 @@
           <a:sym typeface="Arial"/>
         </a:defRPr>
       </a:lvl4pPr>
-      <a:lvl5pPr lvl="4" marR="0" rtl="0" algn="l">
+      <a:lvl5pPr marR="0" lvl="4" algn="l" rtl="0">
         <a:lnSpc>
           <a:spcPct val="100000"/>
         </a:lnSpc>
@@ -7432,7 +7596,7 @@
           <a:srgbClr val="000000"/>
         </a:buClr>
         <a:buFont typeface="Arial"/>
-        <a:defRPr b="0" i="0" sz="1400" u="none" cap="none" strike="noStrike">
+        <a:defRPr sz="1400" b="0" i="0" u="none" strike="noStrike" cap="none">
           <a:solidFill>
             <a:srgbClr val="000000"/>
           </a:solidFill>
@@ -7442,7 +7606,7 @@
           <a:sym typeface="Arial"/>
         </a:defRPr>
       </a:lvl5pPr>
-      <a:lvl6pPr lvl="5" marR="0" rtl="0" algn="l">
+      <a:lvl6pPr marR="0" lvl="5" algn="l" rtl="0">
         <a:lnSpc>
           <a:spcPct val="100000"/>
         </a:lnSpc>
@@ -7456,7 +7620,7 @@
           <a:srgbClr val="000000"/>
         </a:buClr>
         <a:buFont typeface="Arial"/>
-        <a:defRPr b="0" i="0" sz="1400" u="none" cap="none" strike="noStrike">
+        <a:defRPr sz="1400" b="0" i="0" u="none" strike="noStrike" cap="none">
           <a:solidFill>
             <a:srgbClr val="000000"/>
           </a:solidFill>
@@ -7466,7 +7630,7 @@
           <a:sym typeface="Arial"/>
         </a:defRPr>
       </a:lvl6pPr>
-      <a:lvl7pPr lvl="6" marR="0" rtl="0" algn="l">
+      <a:lvl7pPr marR="0" lvl="6" algn="l" rtl="0">
         <a:lnSpc>
           <a:spcPct val="100000"/>
         </a:lnSpc>
@@ -7480,7 +7644,7 @@
           <a:srgbClr val="000000"/>
         </a:buClr>
         <a:buFont typeface="Arial"/>
-        <a:defRPr b="0" i="0" sz="1400" u="none" cap="none" strike="noStrike">
+        <a:defRPr sz="1400" b="0" i="0" u="none" strike="noStrike" cap="none">
           <a:solidFill>
             <a:srgbClr val="000000"/>
           </a:solidFill>
@@ -7490,7 +7654,7 @@
           <a:sym typeface="Arial"/>
         </a:defRPr>
       </a:lvl7pPr>
-      <a:lvl8pPr lvl="7" marR="0" rtl="0" algn="l">
+      <a:lvl8pPr marR="0" lvl="7" algn="l" rtl="0">
         <a:lnSpc>
           <a:spcPct val="100000"/>
         </a:lnSpc>
@@ -7504,7 +7668,7 @@
           <a:srgbClr val="000000"/>
         </a:buClr>
         <a:buFont typeface="Arial"/>
-        <a:defRPr b="0" i="0" sz="1400" u="none" cap="none" strike="noStrike">
+        <a:defRPr sz="1400" b="0" i="0" u="none" strike="noStrike" cap="none">
           <a:solidFill>
             <a:srgbClr val="000000"/>
           </a:solidFill>
@@ -7514,7 +7678,7 @@
           <a:sym typeface="Arial"/>
         </a:defRPr>
       </a:lvl8pPr>
-      <a:lvl9pPr lvl="8" marR="0" rtl="0" algn="l">
+      <a:lvl9pPr marR="0" lvl="8" algn="l" rtl="0">
         <a:lnSpc>
           <a:spcPct val="100000"/>
         </a:lnSpc>
@@ -7528,7 +7692,7 @@
           <a:srgbClr val="000000"/>
         </a:buClr>
         <a:buFont typeface="Arial"/>
-        <a:defRPr b="0" i="0" sz="1400" u="none" cap="none" strike="noStrike">
+        <a:defRPr sz="1400" b="0" i="0" u="none" strike="noStrike" cap="none">
           <a:solidFill>
             <a:srgbClr val="000000"/>
           </a:solidFill>
@@ -7544,11 +7708,11 @@
 </file>
 
 <file path=ppt/slides/slide1.xml><?xml version="1.0" encoding="utf-8"?>
-<p:sld xmlns:a="http://schemas.openxmlformats.org/drawingml/2006/main" xmlns:r="http://schemas.openxmlformats.org/officeDocument/2006/relationships" xmlns:mc="http://schemas.openxmlformats.org/markup-compatibility/2006" xmlns:mv="urn:schemas-microsoft-com:mac:vml" xmlns:p="http://schemas.openxmlformats.org/presentationml/2006/main" xmlns:c="http://schemas.openxmlformats.org/drawingml/2006/chart" xmlns:dgm="http://schemas.openxmlformats.org/drawingml/2006/diagram" xmlns:o="urn:schemas-microsoft-com:office:office" xmlns:v="urn:schemas-microsoft-com:vml" xmlns:pvml="urn:schemas-microsoft-com:office:powerpoint" xmlns:com="http://schemas.openxmlformats.org/drawingml/2006/compatibility" xmlns:p14="http://schemas.microsoft.com/office/powerpoint/2010/main" xmlns:p15="http://schemas.microsoft.com/office/powerpoint/2012/main" xmlns:ahyp="http://schemas.microsoft.com/office/drawing/2018/hyperlinkcolor">
+<p:sld xmlns:a="http://schemas.openxmlformats.org/drawingml/2006/main" xmlns:r="http://schemas.openxmlformats.org/officeDocument/2006/relationships" xmlns:p="http://schemas.openxmlformats.org/presentationml/2006/main">
   <p:cSld>
     <p:spTree>
       <p:nvGrpSpPr>
-        <p:cNvPr id="63" name="Shape 63"/>
+        <p:cNvPr id="1" name="Shape 63"/>
         <p:cNvGrpSpPr/>
         <p:nvPr/>
       </p:nvGrpSpPr>
@@ -7563,7 +7727,9 @@
       <p:sp>
         <p:nvSpPr>
           <p:cNvPr id="64" name="Google Shape;64;p13"/>
-          <p:cNvSpPr txBox="1"/>
+          <p:cNvSpPr txBox="1">
+            <a:spLocks noGrp="1"/>
+          </p:cNvSpPr>
           <p:nvPr>
             <p:ph type="ctrTitle"/>
           </p:nvPr>
@@ -7578,12 +7744,12 @@
           </a:prstGeom>
         </p:spPr>
         <p:txBody>
-          <a:bodyPr anchorCtr="0" anchor="t" bIns="91425" lIns="91425" spcFirstLastPara="1" rIns="91425" wrap="square" tIns="91425">
+          <a:bodyPr spcFirstLastPara="1" wrap="square" lIns="91425" tIns="91425" rIns="91425" bIns="91425" anchor="t" anchorCtr="0">
             <a:normAutofit/>
           </a:bodyPr>
           <a:lstStyle/>
           <a:p>
-            <a:pPr indent="0" lvl="0" marL="0" rtl="0" algn="l">
+            <a:pPr marL="0" lvl="0" indent="0" algn="l" rtl="0">
               <a:spcBef>
                 <a:spcPts val="0"/>
               </a:spcBef>
@@ -7603,9 +7769,11 @@
       <p:sp>
         <p:nvSpPr>
           <p:cNvPr id="65" name="Google Shape;65;p13"/>
-          <p:cNvSpPr txBox="1"/>
+          <p:cNvSpPr txBox="1">
+            <a:spLocks noGrp="1"/>
+          </p:cNvSpPr>
           <p:nvPr>
-            <p:ph idx="1" type="subTitle"/>
+            <p:ph type="subTitle" idx="1"/>
           </p:nvPr>
         </p:nvSpPr>
         <p:spPr>
@@ -7618,12 +7786,12 @@
           </a:prstGeom>
         </p:spPr>
         <p:txBody>
-          <a:bodyPr anchorCtr="0" anchor="t" bIns="91425" lIns="91425" spcFirstLastPara="1" rIns="91425" wrap="square" tIns="91425">
+          <a:bodyPr spcFirstLastPara="1" wrap="square" lIns="91425" tIns="91425" rIns="91425" bIns="91425" anchor="t" anchorCtr="0">
             <a:normAutofit fontScale="92500" lnSpcReduction="20000"/>
           </a:bodyPr>
           <a:lstStyle/>
           <a:p>
-            <a:pPr indent="0" lvl="0" marL="0" rtl="0" algn="l">
+            <a:pPr marL="0" lvl="0" indent="0" algn="l" rtl="0">
               <a:lnSpc>
                 <a:spcPct val="150000"/>
               </a:lnSpc>
@@ -7636,9 +7804,6 @@
               <a:buSzPct val="79492"/>
               <a:buNone/>
             </a:pPr>
-            <a:r>
-              <a:t/>
-            </a:r>
             <a:endParaRPr sz="1280">
               <a:solidFill>
                 <a:schemeClr val="lt1"/>
@@ -7646,7 +7811,7 @@
             </a:endParaRPr>
           </a:p>
           <a:p>
-            <a:pPr indent="0" lvl="0" marL="0" rtl="0" algn="l">
+            <a:pPr marL="0" lvl="0" indent="0" algn="l" rtl="0">
               <a:lnSpc>
                 <a:spcPct val="150000"/>
               </a:lnSpc>
@@ -7674,7 +7839,7 @@
             </a:endParaRPr>
           </a:p>
           <a:p>
-            <a:pPr indent="0" lvl="0" marL="0" rtl="0" algn="l">
+            <a:pPr marL="0" lvl="0" indent="0" algn="l" rtl="0">
               <a:lnSpc>
                 <a:spcPct val="150000"/>
               </a:lnSpc>
@@ -7712,11 +7877,11 @@
 </file>
 
 <file path=ppt/slides/slide2.xml><?xml version="1.0" encoding="utf-8"?>
-<p:sld xmlns:a="http://schemas.openxmlformats.org/drawingml/2006/main" xmlns:r="http://schemas.openxmlformats.org/officeDocument/2006/relationships" xmlns:mc="http://schemas.openxmlformats.org/markup-compatibility/2006" xmlns:mv="urn:schemas-microsoft-com:mac:vml" xmlns:p="http://schemas.openxmlformats.org/presentationml/2006/main" xmlns:c="http://schemas.openxmlformats.org/drawingml/2006/chart" xmlns:dgm="http://schemas.openxmlformats.org/drawingml/2006/diagram" xmlns:o="urn:schemas-microsoft-com:office:office" xmlns:v="urn:schemas-microsoft-com:vml" xmlns:pvml="urn:schemas-microsoft-com:office:powerpoint" xmlns:com="http://schemas.openxmlformats.org/drawingml/2006/compatibility" xmlns:p14="http://schemas.microsoft.com/office/powerpoint/2010/main" xmlns:p15="http://schemas.microsoft.com/office/powerpoint/2012/main" xmlns:ahyp="http://schemas.microsoft.com/office/drawing/2018/hyperlinkcolor">
+<p:sld xmlns:a="http://schemas.openxmlformats.org/drawingml/2006/main" xmlns:r="http://schemas.openxmlformats.org/officeDocument/2006/relationships" xmlns:p="http://schemas.openxmlformats.org/presentationml/2006/main">
   <p:cSld>
     <p:spTree>
       <p:nvGrpSpPr>
-        <p:cNvPr id="69" name="Shape 69"/>
+        <p:cNvPr id="1" name="Shape 69"/>
         <p:cNvGrpSpPr/>
         <p:nvPr/>
       </p:nvGrpSpPr>
@@ -7731,7 +7896,9 @@
       <p:sp>
         <p:nvSpPr>
           <p:cNvPr id="70" name="Google Shape;70;p14"/>
-          <p:cNvSpPr txBox="1"/>
+          <p:cNvSpPr txBox="1">
+            <a:spLocks noGrp="1"/>
+          </p:cNvSpPr>
           <p:nvPr>
             <p:ph type="title"/>
           </p:nvPr>
@@ -7746,12 +7913,12 @@
           </a:prstGeom>
         </p:spPr>
         <p:txBody>
-          <a:bodyPr anchorCtr="0" anchor="t" bIns="91425" lIns="91425" spcFirstLastPara="1" rIns="91425" wrap="square" tIns="91425">
+          <a:bodyPr spcFirstLastPara="1" wrap="square" lIns="91425" tIns="91425" rIns="91425" bIns="91425" anchor="t" anchorCtr="0">
             <a:normAutofit/>
           </a:bodyPr>
           <a:lstStyle/>
           <a:p>
-            <a:pPr indent="0" lvl="0" marL="0" rtl="0" algn="ctr">
+            <a:pPr marL="0" lvl="0" indent="0" algn="ctr" rtl="0">
               <a:spcBef>
                 <a:spcPts val="0"/>
               </a:spcBef>
@@ -7771,9 +7938,11 @@
       <p:sp>
         <p:nvSpPr>
           <p:cNvPr id="71" name="Google Shape;71;p14"/>
-          <p:cNvSpPr txBox="1"/>
+          <p:cNvSpPr txBox="1">
+            <a:spLocks noGrp="1"/>
+          </p:cNvSpPr>
           <p:nvPr>
-            <p:ph idx="1" type="body"/>
+            <p:ph type="body" idx="1"/>
           </p:nvPr>
         </p:nvSpPr>
         <p:spPr>
@@ -7786,12 +7955,12 @@
           </a:prstGeom>
         </p:spPr>
         <p:txBody>
-          <a:bodyPr anchorCtr="0" anchor="t" bIns="91425" lIns="91425" spcFirstLastPara="1" rIns="91425" wrap="square" tIns="91425">
+          <a:bodyPr spcFirstLastPara="1" wrap="square" lIns="91425" tIns="91425" rIns="91425" bIns="91425" anchor="t" anchorCtr="0">
             <a:noAutofit/>
           </a:bodyPr>
           <a:lstStyle/>
           <a:p>
-            <a:pPr indent="0" lvl="0" marL="0" rtl="0" algn="l">
+            <a:pPr marL="0" lvl="0" indent="0" algn="l" rtl="0">
               <a:lnSpc>
                 <a:spcPct val="115000"/>
               </a:lnSpc>
@@ -7808,7 +7977,7 @@
               <a:t>Razvoj </a:t>
             </a:r>
             <a:r>
-              <a:rPr b="1" lang="sl" sz="1360"/>
+              <a:rPr lang="sl" sz="1360" b="1"/>
               <a:t>vtičnika </a:t>
             </a:r>
             <a:r>
@@ -7818,7 +7987,7 @@
             <a:endParaRPr sz="1360"/>
           </a:p>
           <a:p>
-            <a:pPr indent="0" lvl="0" marL="457200" rtl="0" algn="l">
+            <a:pPr marL="457200" lvl="0" indent="0" algn="l" rtl="0">
               <a:lnSpc>
                 <a:spcPct val="115000"/>
               </a:lnSpc>
@@ -7830,13 +7999,10 @@
               </a:spcAft>
               <a:buNone/>
             </a:pPr>
-            <a:r>
-              <a:t/>
-            </a:r>
             <a:endParaRPr sz="1360"/>
           </a:p>
           <a:p>
-            <a:pPr indent="0" lvl="0" marL="0" rtl="0" algn="l">
+            <a:pPr marL="0" lvl="0" indent="0" algn="l" rtl="0">
               <a:lnSpc>
                 <a:spcPct val="115000"/>
               </a:lnSpc>
@@ -7853,13 +8019,13 @@
               <a:t>Zaznavanje vseh sledilnih </a:t>
             </a:r>
             <a:r>
-              <a:rPr b="1" lang="sl" sz="1360"/>
+              <a:rPr lang="sl" sz="1360" b="1"/>
               <a:t>zahtev in piškotkov</a:t>
             </a:r>
-            <a:endParaRPr b="1" sz="1360"/>
+            <a:endParaRPr sz="1360" b="1"/>
           </a:p>
           <a:p>
-            <a:pPr indent="0" lvl="0" marL="457200" rtl="0" algn="l">
+            <a:pPr marL="457200" lvl="0" indent="0" algn="l" rtl="0">
               <a:lnSpc>
                 <a:spcPct val="115000"/>
               </a:lnSpc>
@@ -7871,13 +8037,10 @@
               </a:spcAft>
               <a:buNone/>
             </a:pPr>
-            <a:r>
-              <a:t/>
-            </a:r>
             <a:endParaRPr sz="1360"/>
           </a:p>
           <a:p>
-            <a:pPr indent="0" lvl="0" marL="0" rtl="0" algn="l">
+            <a:pPr marL="0" lvl="0" indent="0" algn="l" rtl="0">
               <a:lnSpc>
                 <a:spcPct val="115000"/>
               </a:lnSpc>
@@ -7894,7 +8057,7 @@
               <a:t>Razvrščanje cookijev (</a:t>
             </a:r>
             <a:r>
-              <a:rPr b="1" lang="sl" sz="1360"/>
+              <a:rPr lang="sl" sz="1360" b="1"/>
               <a:t>first-party</a:t>
             </a:r>
             <a:r>
@@ -7902,7 +8065,7 @@
               <a:t>, </a:t>
             </a:r>
             <a:r>
-              <a:rPr b="1" lang="sl" sz="1360"/>
+              <a:rPr lang="sl" sz="1360" b="1"/>
               <a:t>third-party</a:t>
             </a:r>
             <a:r>
@@ -7912,7 +8075,7 @@
             <a:endParaRPr sz="1360"/>
           </a:p>
           <a:p>
-            <a:pPr indent="0" lvl="0" marL="0" rtl="0" algn="l">
+            <a:pPr marL="0" lvl="0" indent="0" algn="l" rtl="0">
               <a:lnSpc>
                 <a:spcPct val="115000"/>
               </a:lnSpc>
@@ -7924,9 +8087,6 @@
               </a:spcAft>
               <a:buNone/>
             </a:pPr>
-            <a:r>
-              <a:t/>
-            </a:r>
             <a:endParaRPr sz="1360"/>
           </a:p>
         </p:txBody>
@@ -7968,11 +8128,11 @@
 </file>
 
 <file path=ppt/slides/slide3.xml><?xml version="1.0" encoding="utf-8"?>
-<p:sld xmlns:a="http://schemas.openxmlformats.org/drawingml/2006/main" xmlns:r="http://schemas.openxmlformats.org/officeDocument/2006/relationships" xmlns:mc="http://schemas.openxmlformats.org/markup-compatibility/2006" xmlns:mv="urn:schemas-microsoft-com:mac:vml" xmlns:p="http://schemas.openxmlformats.org/presentationml/2006/main" xmlns:c="http://schemas.openxmlformats.org/drawingml/2006/chart" xmlns:dgm="http://schemas.openxmlformats.org/drawingml/2006/diagram" xmlns:o="urn:schemas-microsoft-com:office:office" xmlns:v="urn:schemas-microsoft-com:vml" xmlns:pvml="urn:schemas-microsoft-com:office:powerpoint" xmlns:com="http://schemas.openxmlformats.org/drawingml/2006/compatibility" xmlns:p14="http://schemas.microsoft.com/office/powerpoint/2010/main" xmlns:p15="http://schemas.microsoft.com/office/powerpoint/2012/main" xmlns:ahyp="http://schemas.microsoft.com/office/drawing/2018/hyperlinkcolor">
+<p:sld xmlns:a="http://schemas.openxmlformats.org/drawingml/2006/main" xmlns:r="http://schemas.openxmlformats.org/officeDocument/2006/relationships" xmlns:p="http://schemas.openxmlformats.org/presentationml/2006/main">
   <p:cSld>
     <p:spTree>
       <p:nvGrpSpPr>
-        <p:cNvPr id="76" name="Shape 76"/>
+        <p:cNvPr id="1" name="Shape 76"/>
         <p:cNvGrpSpPr/>
         <p:nvPr/>
       </p:nvGrpSpPr>
@@ -7987,7 +8147,9 @@
       <p:sp>
         <p:nvSpPr>
           <p:cNvPr id="77" name="Google Shape;77;p15"/>
-          <p:cNvSpPr txBox="1"/>
+          <p:cNvSpPr txBox="1">
+            <a:spLocks noGrp="1"/>
+          </p:cNvSpPr>
           <p:nvPr>
             <p:ph type="title"/>
           </p:nvPr>
@@ -8002,12 +8164,12 @@
           </a:prstGeom>
         </p:spPr>
         <p:txBody>
-          <a:bodyPr anchorCtr="0" anchor="t" bIns="91425" lIns="91425" spcFirstLastPara="1" rIns="91425" wrap="square" tIns="91425">
+          <a:bodyPr spcFirstLastPara="1" wrap="square" lIns="91425" tIns="91425" rIns="91425" bIns="91425" anchor="t" anchorCtr="0">
             <a:normAutofit/>
           </a:bodyPr>
           <a:lstStyle/>
           <a:p>
-            <a:pPr indent="0" lvl="0" marL="0" rtl="0" algn="ctr">
+            <a:pPr marL="0" lvl="0" indent="0" algn="ctr" rtl="0">
               <a:spcBef>
                 <a:spcPts val="0"/>
               </a:spcBef>
@@ -8027,9 +8189,11 @@
       <p:sp>
         <p:nvSpPr>
           <p:cNvPr id="78" name="Google Shape;78;p15"/>
-          <p:cNvSpPr txBox="1"/>
+          <p:cNvSpPr txBox="1">
+            <a:spLocks noGrp="1"/>
+          </p:cNvSpPr>
           <p:nvPr>
-            <p:ph idx="1" type="body"/>
+            <p:ph type="body" idx="1"/>
           </p:nvPr>
         </p:nvSpPr>
         <p:spPr>
@@ -8042,12 +8206,12 @@
           </a:prstGeom>
         </p:spPr>
         <p:txBody>
-          <a:bodyPr anchorCtr="0" anchor="t" bIns="91425" lIns="91425" spcFirstLastPara="1" rIns="91425" wrap="square" tIns="91425">
+          <a:bodyPr spcFirstLastPara="1" wrap="square" lIns="91425" tIns="91425" rIns="91425" bIns="91425" anchor="t" anchorCtr="0">
             <a:normAutofit/>
           </a:bodyPr>
           <a:lstStyle/>
           <a:p>
-            <a:pPr indent="0" lvl="0" marL="0" rtl="0" algn="l">
+            <a:pPr marL="0" lvl="0" indent="0" algn="l" rtl="0">
               <a:spcBef>
                 <a:spcPts val="0"/>
               </a:spcBef>
@@ -8057,25 +8221,17 @@
               <a:buNone/>
             </a:pPr>
             <a:r>
-              <a:rPr b="1" lang="sl"/>
+              <a:rPr lang="sl" b="1"/>
               <a:t>Trackerji </a:t>
             </a:r>
             <a:r>
               <a:rPr lang="sl"/>
-              <a:t>beležijo našo prisotnost na spletnih straneh (čas, št. klikov, št. obiskov </a:t>
-            </a:r>
-            <a:r>
-              <a:rPr lang="sl"/>
-              <a:t>...</a:t>
-            </a:r>
-            <a:r>
-              <a:rPr lang="sl"/>
-              <a:t>)</a:t>
+              <a:t>beležijo našo prisotnost na spletnih straneh (čas, št. klikov, št. obiskov ...)</a:t>
             </a:r>
             <a:endParaRPr b="1"/>
           </a:p>
           <a:p>
-            <a:pPr indent="0" lvl="0" marL="0" rtl="0" algn="l">
+            <a:pPr marL="0" lvl="0" indent="0" algn="l" rtl="0">
               <a:spcBef>
                 <a:spcPts val="1200"/>
               </a:spcBef>
@@ -8084,13 +8240,10 @@
               </a:spcAft>
               <a:buNone/>
             </a:pPr>
-            <a:r>
-              <a:t/>
-            </a:r>
             <a:endParaRPr b="1"/>
           </a:p>
           <a:p>
-            <a:pPr indent="0" lvl="0" marL="0" rtl="0" algn="l">
+            <a:pPr marL="0" lvl="0" indent="0" algn="l" rtl="0">
               <a:spcBef>
                 <a:spcPts val="1200"/>
               </a:spcBef>
@@ -8100,7 +8253,7 @@
               <a:buNone/>
             </a:pPr>
             <a:r>
-              <a:rPr b="1" lang="sl"/>
+              <a:rPr lang="sl" b="1"/>
               <a:t>FIRST-PARTY - </a:t>
             </a:r>
             <a:r>
@@ -8110,7 +8263,7 @@
             <a:endParaRPr/>
           </a:p>
           <a:p>
-            <a:pPr indent="0" lvl="0" marL="0" rtl="0" algn="l">
+            <a:pPr marL="0" lvl="0" indent="0" algn="l" rtl="0">
               <a:spcBef>
                 <a:spcPts val="1200"/>
               </a:spcBef>
@@ -8126,7 +8279,7 @@
             <a:endParaRPr/>
           </a:p>
           <a:p>
-            <a:pPr indent="0" lvl="0" marL="0" rtl="0" algn="l">
+            <a:pPr marL="0" lvl="0" indent="0" algn="l" rtl="0">
               <a:spcBef>
                 <a:spcPts val="1200"/>
               </a:spcBef>
@@ -8135,13 +8288,10 @@
               </a:spcAft>
               <a:buNone/>
             </a:pPr>
-            <a:r>
-              <a:t/>
-            </a:r>
             <a:endParaRPr/>
           </a:p>
           <a:p>
-            <a:pPr indent="0" lvl="0" marL="0" rtl="0" algn="l">
+            <a:pPr marL="0" lvl="0" indent="0" algn="l" rtl="0">
               <a:spcBef>
                 <a:spcPts val="1200"/>
               </a:spcBef>
@@ -8151,7 +8301,7 @@
               <a:buNone/>
             </a:pPr>
             <a:r>
-              <a:rPr b="1" lang="sl"/>
+              <a:rPr lang="sl" b="1"/>
               <a:t>THIRD-PARTY - </a:t>
             </a:r>
             <a:r>
@@ -8161,7 +8311,7 @@
             <a:endParaRPr/>
           </a:p>
           <a:p>
-            <a:pPr indent="0" lvl="0" marL="0" rtl="0" algn="l">
+            <a:pPr marL="0" lvl="0" indent="0" algn="l" rtl="0">
               <a:spcBef>
                 <a:spcPts val="1200"/>
               </a:spcBef>
@@ -8215,11 +8365,11 @@
 </file>
 
 <file path=ppt/slides/slide4.xml><?xml version="1.0" encoding="utf-8"?>
-<p:sld xmlns:a="http://schemas.openxmlformats.org/drawingml/2006/main" xmlns:r="http://schemas.openxmlformats.org/officeDocument/2006/relationships" xmlns:mc="http://schemas.openxmlformats.org/markup-compatibility/2006" xmlns:mv="urn:schemas-microsoft-com:mac:vml" xmlns:p="http://schemas.openxmlformats.org/presentationml/2006/main" xmlns:c="http://schemas.openxmlformats.org/drawingml/2006/chart" xmlns:dgm="http://schemas.openxmlformats.org/drawingml/2006/diagram" xmlns:o="urn:schemas-microsoft-com:office:office" xmlns:v="urn:schemas-microsoft-com:vml" xmlns:pvml="urn:schemas-microsoft-com:office:powerpoint" xmlns:com="http://schemas.openxmlformats.org/drawingml/2006/compatibility" xmlns:p14="http://schemas.microsoft.com/office/powerpoint/2010/main" xmlns:p15="http://schemas.microsoft.com/office/powerpoint/2012/main" xmlns:ahyp="http://schemas.microsoft.com/office/drawing/2018/hyperlinkcolor">
+<p:sld xmlns:a="http://schemas.openxmlformats.org/drawingml/2006/main" xmlns:r="http://schemas.openxmlformats.org/officeDocument/2006/relationships" xmlns:p="http://schemas.openxmlformats.org/presentationml/2006/main">
   <p:cSld>
     <p:spTree>
       <p:nvGrpSpPr>
-        <p:cNvPr id="83" name="Shape 83"/>
+        <p:cNvPr id="1" name="Shape 83"/>
         <p:cNvGrpSpPr/>
         <p:nvPr/>
       </p:nvGrpSpPr>
@@ -8234,7 +8384,9 @@
       <p:sp>
         <p:nvSpPr>
           <p:cNvPr id="84" name="Google Shape;84;p16"/>
-          <p:cNvSpPr txBox="1"/>
+          <p:cNvSpPr txBox="1">
+            <a:spLocks noGrp="1"/>
+          </p:cNvSpPr>
           <p:nvPr>
             <p:ph type="title"/>
           </p:nvPr>
@@ -8249,12 +8401,12 @@
           </a:prstGeom>
         </p:spPr>
         <p:txBody>
-          <a:bodyPr anchorCtr="0" anchor="t" bIns="91425" lIns="91425" spcFirstLastPara="1" rIns="91425" wrap="square" tIns="91425">
+          <a:bodyPr spcFirstLastPara="1" wrap="square" lIns="91425" tIns="91425" rIns="91425" bIns="91425" anchor="t" anchorCtr="0">
             <a:normAutofit/>
           </a:bodyPr>
           <a:lstStyle/>
           <a:p>
-            <a:pPr indent="0" lvl="0" marL="0" rtl="0" algn="ctr">
+            <a:pPr marL="0" lvl="0" indent="0" algn="ctr" rtl="0">
               <a:spcBef>
                 <a:spcPts val="0"/>
               </a:spcBef>
@@ -8270,7 +8422,7 @@
             <a:endParaRPr/>
           </a:p>
           <a:p>
-            <a:pPr indent="0" lvl="0" marL="0" rtl="0" algn="ctr">
+            <a:pPr marL="0" lvl="0" indent="0" algn="ctr" rtl="0">
               <a:spcBef>
                 <a:spcPts val="0"/>
               </a:spcBef>
@@ -8279,9 +8431,6 @@
               </a:spcAft>
               <a:buNone/>
             </a:pPr>
-            <a:r>
-              <a:t/>
-            </a:r>
             <a:endParaRPr/>
           </a:p>
         </p:txBody>
@@ -8289,9 +8438,11 @@
       <p:sp>
         <p:nvSpPr>
           <p:cNvPr id="85" name="Google Shape;85;p16"/>
-          <p:cNvSpPr txBox="1"/>
+          <p:cNvSpPr txBox="1">
+            <a:spLocks noGrp="1"/>
+          </p:cNvSpPr>
           <p:nvPr>
-            <p:ph idx="1" type="body"/>
+            <p:ph type="body" idx="1"/>
           </p:nvPr>
         </p:nvSpPr>
         <p:spPr>
@@ -8304,12 +8455,12 @@
           </a:prstGeom>
         </p:spPr>
         <p:txBody>
-          <a:bodyPr anchorCtr="0" anchor="t" bIns="91425" lIns="91425" spcFirstLastPara="1" rIns="91425" wrap="square" tIns="91425">
+          <a:bodyPr spcFirstLastPara="1" wrap="square" lIns="91425" tIns="91425" rIns="91425" bIns="91425" anchor="t" anchorCtr="0">
             <a:normAutofit/>
           </a:bodyPr>
           <a:lstStyle/>
           <a:p>
-            <a:pPr indent="0" lvl="0" marL="0" rtl="0" algn="l">
+            <a:pPr marL="0" lvl="0" indent="0" algn="l" rtl="0">
               <a:lnSpc>
                 <a:spcPct val="150000"/>
               </a:lnSpc>
@@ -8322,13 +8473,13 @@
               <a:buNone/>
             </a:pPr>
             <a:r>
-              <a:rPr b="1" lang="sl"/>
+              <a:rPr lang="sl" b="1" dirty="0"/>
               <a:t>User	   →	example.com 	→  	background.js</a:t>
             </a:r>
-            <a:endParaRPr b="1"/>
+            <a:endParaRPr b="1" dirty="0"/>
           </a:p>
           <a:p>
-            <a:pPr indent="0" lvl="0" marL="0" rtl="0" algn="l">
+            <a:pPr marL="0" lvl="0" indent="0" algn="l" rtl="0">
               <a:lnSpc>
                 <a:spcPct val="150000"/>
               </a:lnSpc>
@@ -8341,13 +8492,13 @@
               <a:buNone/>
             </a:pPr>
             <a:r>
-              <a:rPr b="1" lang="sl"/>
+              <a:rPr lang="sl" b="1" dirty="0"/>
               <a:t>         			↑          			↓</a:t>
             </a:r>
-            <a:endParaRPr b="1"/>
+            <a:endParaRPr b="1" dirty="0"/>
           </a:p>
           <a:p>
-            <a:pPr indent="0" lvl="0" marL="0" rtl="0" algn="l">
+            <a:pPr marL="0" lvl="0" indent="0" algn="l" rtl="0">
               <a:lnSpc>
                 <a:spcPct val="150000"/>
               </a:lnSpc>
@@ -8360,13 +8511,13 @@
               <a:buNone/>
             </a:pPr>
             <a:r>
-              <a:rPr b="1" lang="sl"/>
+              <a:rPr lang="sl" b="1" dirty="0"/>
               <a:t>     		webRequest   		cookies API</a:t>
             </a:r>
-            <a:endParaRPr b="1"/>
+            <a:endParaRPr b="1" dirty="0"/>
           </a:p>
           <a:p>
-            <a:pPr indent="0" lvl="0" marL="0" rtl="0" algn="l">
+            <a:pPr marL="0" lvl="0" indent="0" algn="l" rtl="0">
               <a:lnSpc>
                 <a:spcPct val="150000"/>
               </a:lnSpc>
@@ -8378,13 +8529,10 @@
               </a:spcAft>
               <a:buNone/>
             </a:pPr>
-            <a:r>
-              <a:t/>
-            </a:r>
-            <a:endParaRPr b="1"/>
+            <a:endParaRPr b="1" dirty="0"/>
           </a:p>
           <a:p>
-            <a:pPr indent="0" lvl="0" marL="0" rtl="0" algn="l">
+            <a:pPr marL="0" lvl="0" indent="0" algn="l" rtl="0">
               <a:lnSpc>
                 <a:spcPct val="150000"/>
               </a:lnSpc>
@@ -8397,13 +8545,13 @@
               <a:buNone/>
             </a:pPr>
             <a:r>
-              <a:rPr lang="sl"/>
+              <a:rPr lang="sl" dirty="0"/>
               <a:t>Razširitev spremlja, kam stran pošilja podatke, in kateri piškotki se uporabljajo.</a:t>
             </a:r>
-            <a:endParaRPr/>
+            <a:endParaRPr dirty="0"/>
           </a:p>
           <a:p>
-            <a:pPr indent="0" lvl="0" marL="0" rtl="0" algn="l">
+            <a:pPr marL="0" lvl="0" indent="0" algn="l" rtl="0">
               <a:lnSpc>
                 <a:spcPct val="150000"/>
               </a:lnSpc>
@@ -8415,13 +8563,10 @@
               </a:spcAft>
               <a:buNone/>
             </a:pPr>
-            <a:r>
-              <a:t/>
-            </a:r>
-            <a:endParaRPr/>
+            <a:endParaRPr dirty="0"/>
           </a:p>
           <a:p>
-            <a:pPr indent="0" lvl="0" marL="0" rtl="0" algn="l">
+            <a:pPr marL="0" lvl="0" indent="0" algn="l" rtl="0">
               <a:lnSpc>
                 <a:spcPct val="150000"/>
               </a:lnSpc>
@@ -8433,10 +8578,7 @@
               </a:spcAft>
               <a:buNone/>
             </a:pPr>
-            <a:r>
-              <a:t/>
-            </a:r>
-            <a:endParaRPr/>
+            <a:endParaRPr dirty="0"/>
           </a:p>
         </p:txBody>
       </p:sp>
@@ -8477,11 +8619,11 @@
 </file>
 
 <file path=ppt/slides/slide5.xml><?xml version="1.0" encoding="utf-8"?>
-<p:sld xmlns:a="http://schemas.openxmlformats.org/drawingml/2006/main" xmlns:r="http://schemas.openxmlformats.org/officeDocument/2006/relationships" xmlns:mc="http://schemas.openxmlformats.org/markup-compatibility/2006" xmlns:mv="urn:schemas-microsoft-com:mac:vml" xmlns:p="http://schemas.openxmlformats.org/presentationml/2006/main" xmlns:c="http://schemas.openxmlformats.org/drawingml/2006/chart" xmlns:dgm="http://schemas.openxmlformats.org/drawingml/2006/diagram" xmlns:o="urn:schemas-microsoft-com:office:office" xmlns:v="urn:schemas-microsoft-com:vml" xmlns:pvml="urn:schemas-microsoft-com:office:powerpoint" xmlns:com="http://schemas.openxmlformats.org/drawingml/2006/compatibility" xmlns:p14="http://schemas.microsoft.com/office/powerpoint/2010/main" xmlns:p15="http://schemas.microsoft.com/office/powerpoint/2012/main" xmlns:ahyp="http://schemas.microsoft.com/office/drawing/2018/hyperlinkcolor">
+<p:sld xmlns:a="http://schemas.openxmlformats.org/drawingml/2006/main" xmlns:r="http://schemas.openxmlformats.org/officeDocument/2006/relationships" xmlns:p="http://schemas.openxmlformats.org/presentationml/2006/main">
   <p:cSld>
     <p:spTree>
       <p:nvGrpSpPr>
-        <p:cNvPr id="90" name="Shape 90"/>
+        <p:cNvPr id="1" name="Shape 90"/>
         <p:cNvGrpSpPr/>
         <p:nvPr/>
       </p:nvGrpSpPr>
@@ -8496,7 +8638,9 @@
       <p:sp>
         <p:nvSpPr>
           <p:cNvPr id="91" name="Google Shape;91;p17"/>
-          <p:cNvSpPr txBox="1"/>
+          <p:cNvSpPr txBox="1">
+            <a:spLocks noGrp="1"/>
+          </p:cNvSpPr>
           <p:nvPr>
             <p:ph type="title"/>
           </p:nvPr>
@@ -8511,12 +8655,12 @@
           </a:prstGeom>
         </p:spPr>
         <p:txBody>
-          <a:bodyPr anchorCtr="0" anchor="t" bIns="91425" lIns="91425" spcFirstLastPara="1" rIns="91425" wrap="square" tIns="91425">
+          <a:bodyPr spcFirstLastPara="1" wrap="square" lIns="91425" tIns="91425" rIns="91425" bIns="91425" anchor="t" anchorCtr="0">
             <a:normAutofit/>
           </a:bodyPr>
           <a:lstStyle/>
           <a:p>
-            <a:pPr indent="0" lvl="0" marL="0" rtl="0" algn="ctr">
+            <a:pPr marL="0" lvl="0" indent="0" algn="ctr" rtl="0">
               <a:spcBef>
                 <a:spcPts val="0"/>
               </a:spcBef>
@@ -8526,13 +8670,20 @@
               <a:buNone/>
             </a:pPr>
             <a:r>
-              <a:rPr lang="sl"/>
-              <a:t>DELOVANJE VTIČNIKA</a:t>
-            </a:r>
-            <a:endParaRPr/>
+              <a:rPr lang="en-GB" dirty="0"/>
+              <a:t>IDENTIFIKACIJA</a:t>
+            </a:r>
+            <a:br>
+              <a:rPr lang="en-GB" dirty="0"/>
+            </a:br>
+            <a:r>
+              <a:rPr lang="en-GB" dirty="0"/>
+              <a:t>TRACKER-JEV</a:t>
+            </a:r>
+            <a:endParaRPr dirty="0"/>
           </a:p>
           <a:p>
-            <a:pPr indent="0" lvl="0" marL="0" rtl="0" algn="ctr">
+            <a:pPr marL="0" lvl="0" indent="0" algn="ctr" rtl="0">
               <a:spcBef>
                 <a:spcPts val="0"/>
               </a:spcBef>
@@ -8541,13 +8692,10 @@
               </a:spcAft>
               <a:buNone/>
             </a:pPr>
-            <a:r>
-              <a:t/>
-            </a:r>
-            <a:endParaRPr/>
+            <a:endParaRPr dirty="0"/>
           </a:p>
           <a:p>
-            <a:pPr indent="0" lvl="0" marL="0" rtl="0" algn="l">
+            <a:pPr marL="0" lvl="0" indent="0" algn="l" rtl="0">
               <a:spcBef>
                 <a:spcPts val="0"/>
               </a:spcBef>
@@ -8556,19 +8704,18 @@
               </a:spcAft>
               <a:buNone/>
             </a:pPr>
-            <a:r>
-              <a:t/>
-            </a:r>
-            <a:endParaRPr/>
+            <a:endParaRPr dirty="0"/>
           </a:p>
         </p:txBody>
       </p:sp>
       <p:sp>
         <p:nvSpPr>
           <p:cNvPr id="92" name="Google Shape;92;p17"/>
-          <p:cNvSpPr txBox="1"/>
+          <p:cNvSpPr txBox="1">
+            <a:spLocks noGrp="1"/>
+          </p:cNvSpPr>
           <p:nvPr>
-            <p:ph idx="1" type="body"/>
+            <p:ph type="body" idx="1"/>
           </p:nvPr>
         </p:nvSpPr>
         <p:spPr>
@@ -8581,12 +8728,12 @@
           </a:prstGeom>
         </p:spPr>
         <p:txBody>
-          <a:bodyPr anchorCtr="0" anchor="t" bIns="91425" lIns="91425" spcFirstLastPara="1" rIns="91425" wrap="square" tIns="91425">
+          <a:bodyPr spcFirstLastPara="1" wrap="square" lIns="91425" tIns="91425" rIns="91425" bIns="91425" anchor="t" anchorCtr="0">
             <a:normAutofit/>
           </a:bodyPr>
           <a:lstStyle/>
           <a:p>
-            <a:pPr indent="0" lvl="0" marL="0" rtl="0" algn="l">
+            <a:pPr marL="0" lvl="0" indent="0" algn="l" rtl="0">
               <a:spcBef>
                 <a:spcPts val="0"/>
               </a:spcBef>
@@ -8596,9 +8743,219 @@
               <a:buNone/>
             </a:pPr>
             <a:r>
-              <a:t/>
-            </a:r>
-            <a:endParaRPr/>
+              <a:rPr lang="en-GB" b="1" dirty="0"/>
+              <a:t>Kako </a:t>
+            </a:r>
+            <a:r>
+              <a:rPr lang="en-GB" b="1" dirty="0" err="1"/>
+              <a:t>sploh</a:t>
+            </a:r>
+            <a:r>
+              <a:rPr lang="en-GB" b="1" dirty="0"/>
+              <a:t> </a:t>
+            </a:r>
+            <a:r>
+              <a:rPr lang="en-GB" b="1" dirty="0" err="1"/>
+              <a:t>identificiramo</a:t>
+            </a:r>
+            <a:r>
+              <a:rPr lang="en-GB" b="1" dirty="0"/>
+              <a:t> </a:t>
+            </a:r>
+            <a:r>
+              <a:rPr lang="en-GB" b="1" dirty="0" err="1"/>
+              <a:t>cookije</a:t>
+            </a:r>
+            <a:r>
+              <a:rPr lang="en-GB" b="1" dirty="0"/>
+              <a:t>, ki so </a:t>
+            </a:r>
+            <a:r>
+              <a:rPr lang="en-GB" b="1" dirty="0" err="1"/>
+              <a:t>trackerji</a:t>
+            </a:r>
+            <a:r>
+              <a:rPr lang="en-GB" b="1" dirty="0"/>
+              <a:t>?</a:t>
+            </a:r>
+          </a:p>
+          <a:p>
+            <a:pPr marL="0" lvl="0" indent="0" algn="l" rtl="0">
+              <a:spcBef>
+                <a:spcPts val="0"/>
+              </a:spcBef>
+              <a:spcAft>
+                <a:spcPts val="1200"/>
+              </a:spcAft>
+              <a:buNone/>
+            </a:pPr>
+            <a:r>
+              <a:rPr lang="en-GB" dirty="0" err="1"/>
+              <a:t>Že</a:t>
+            </a:r>
+            <a:r>
+              <a:rPr lang="en-GB" dirty="0"/>
+              <a:t> </a:t>
+            </a:r>
+            <a:r>
+              <a:rPr lang="en-GB" dirty="0" err="1"/>
+              <a:t>znan</a:t>
+            </a:r>
+            <a:r>
+              <a:rPr lang="en-GB" dirty="0"/>
+              <a:t> </a:t>
+            </a:r>
+            <a:r>
+              <a:rPr lang="en-GB" dirty="0" err="1"/>
+              <a:t>vtičnik</a:t>
+            </a:r>
+            <a:r>
+              <a:rPr lang="en-GB" dirty="0"/>
+              <a:t> za </a:t>
+            </a:r>
+            <a:r>
+              <a:rPr lang="en-GB" dirty="0" err="1"/>
+              <a:t>privatnost</a:t>
+            </a:r>
+            <a:r>
+              <a:rPr lang="en-GB" dirty="0"/>
+              <a:t> in </a:t>
+            </a:r>
+            <a:r>
+              <a:rPr lang="en-GB" dirty="0" err="1"/>
+              <a:t>zasebnost</a:t>
+            </a:r>
+            <a:r>
+              <a:rPr lang="en-GB" dirty="0"/>
+              <a:t> disconnect.me </a:t>
+            </a:r>
+            <a:r>
+              <a:rPr lang="en-GB" dirty="0" err="1"/>
+              <a:t>ima</a:t>
+            </a:r>
+            <a:r>
+              <a:rPr lang="en-GB" dirty="0"/>
+              <a:t> </a:t>
+            </a:r>
+            <a:r>
+              <a:rPr lang="en-GB" dirty="0" err="1"/>
+              <a:t>javen</a:t>
+            </a:r>
+            <a:r>
+              <a:rPr lang="en-GB" dirty="0"/>
+              <a:t> database, </a:t>
+            </a:r>
+            <a:r>
+              <a:rPr lang="en-GB" dirty="0" err="1"/>
+              <a:t>kjer</a:t>
+            </a:r>
+            <a:r>
+              <a:rPr lang="en-GB" dirty="0"/>
+              <a:t> je </a:t>
+            </a:r>
+            <a:r>
+              <a:rPr lang="en-GB" dirty="0" err="1"/>
+              <a:t>shranjen</a:t>
+            </a:r>
+            <a:r>
+              <a:rPr lang="en-GB" dirty="0"/>
+              <a:t> list </a:t>
+            </a:r>
+            <a:r>
+              <a:rPr lang="en-GB" dirty="0" err="1"/>
+              <a:t>znanih</a:t>
+            </a:r>
+            <a:r>
+              <a:rPr lang="en-GB" dirty="0"/>
+              <a:t> tracker-</a:t>
+            </a:r>
+            <a:r>
+              <a:rPr lang="en-GB" dirty="0" err="1"/>
+              <a:t>jev</a:t>
+            </a:r>
+            <a:r>
+              <a:rPr lang="en-GB" dirty="0"/>
+              <a:t>. </a:t>
+            </a:r>
+            <a:r>
+              <a:rPr lang="en-GB" dirty="0" err="1"/>
+              <a:t>Shranjen</a:t>
+            </a:r>
+            <a:r>
+              <a:rPr lang="en-GB" dirty="0"/>
+              <a:t> je v </a:t>
+            </a:r>
+            <a:r>
+              <a:rPr lang="en-GB" dirty="0" err="1"/>
+              <a:t>formatu</a:t>
+            </a:r>
+            <a:r>
+              <a:rPr lang="en-GB" dirty="0"/>
+              <a:t> </a:t>
+            </a:r>
+            <a:r>
+              <a:rPr lang="en-GB" dirty="0" err="1"/>
+              <a:t>json</a:t>
+            </a:r>
+            <a:r>
+              <a:rPr lang="en-GB" dirty="0"/>
+              <a:t>.</a:t>
+            </a:r>
+          </a:p>
+          <a:p>
+            <a:pPr marL="0" lvl="0" indent="0" algn="l" rtl="0">
+              <a:spcBef>
+                <a:spcPts val="0"/>
+              </a:spcBef>
+              <a:spcAft>
+                <a:spcPts val="1200"/>
+              </a:spcAft>
+              <a:buNone/>
+            </a:pPr>
+            <a:r>
+              <a:rPr lang="en-GB" b="1" dirty="0" err="1"/>
+              <a:t>Klasifikacija</a:t>
+            </a:r>
+            <a:r>
+              <a:rPr lang="en-GB" b="1" dirty="0"/>
+              <a:t> cookie-</a:t>
+            </a:r>
+            <a:r>
+              <a:rPr lang="en-GB" b="1" dirty="0" err="1"/>
+              <a:t>jev</a:t>
+            </a:r>
+            <a:endParaRPr lang="en-GB" b="1" dirty="0"/>
+          </a:p>
+          <a:p>
+            <a:pPr marL="0" lvl="0" indent="0" algn="l" rtl="0">
+              <a:spcBef>
+                <a:spcPts val="0"/>
+              </a:spcBef>
+              <a:spcAft>
+                <a:spcPts val="1200"/>
+              </a:spcAft>
+              <a:buNone/>
+            </a:pPr>
+            <a:r>
+              <a:rPr lang="en-GB" dirty="0"/>
+              <a:t>Cookie-je </a:t>
+            </a:r>
+            <a:r>
+              <a:rPr lang="en-GB" dirty="0" err="1"/>
+              <a:t>razvrestimo</a:t>
+            </a:r>
+            <a:r>
+              <a:rPr lang="en-GB" dirty="0"/>
+              <a:t> </a:t>
+            </a:r>
+            <a:r>
+              <a:rPr lang="en-GB" dirty="0" err="1"/>
+              <a:t>na</a:t>
+            </a:r>
+            <a:r>
+              <a:rPr lang="en-GB" dirty="0"/>
+              <a:t> First-party, Third-party in Tracker cookies</a:t>
+            </a:r>
           </a:p>
         </p:txBody>
       </p:sp>
@@ -8618,7 +8975,7 @@
         </p:blipFill>
         <p:spPr>
           <a:xfrm>
-            <a:off x="1084925" y="2770650"/>
+            <a:off x="1084930" y="1755375"/>
             <a:ext cx="2160089" cy="1828875"/>
           </a:xfrm>
           <a:prstGeom prst="rect">
@@ -8630,6 +8987,36 @@
           </a:ln>
         </p:spPr>
       </p:pic>
+      <p:pic>
+        <p:nvPicPr>
+          <p:cNvPr id="3" name="Picture 2">
+            <a:extLst>
+              <a:ext uri="{FF2B5EF4-FFF2-40B4-BE49-F238E27FC236}">
+                <a16:creationId xmlns:a16="http://schemas.microsoft.com/office/drawing/2014/main" id="{78971B76-9015-143B-71A5-4F5E5F1460BF}"/>
+              </a:ext>
+            </a:extLst>
+          </p:cNvPr>
+          <p:cNvPicPr>
+            <a:picLocks noChangeAspect="1"/>
+          </p:cNvPicPr>
+          <p:nvPr/>
+        </p:nvPicPr>
+        <p:blipFill>
+          <a:blip r:embed="rId4"/>
+          <a:stretch>
+            <a:fillRect/>
+          </a:stretch>
+        </p:blipFill>
+        <p:spPr>
+          <a:xfrm>
+            <a:off x="4710133" y="3009825"/>
+            <a:ext cx="4035484" cy="1871998"/>
+          </a:xfrm>
+          <a:prstGeom prst="rect">
+            <a:avLst/>
+          </a:prstGeom>
+        </p:spPr>
+      </p:pic>
     </p:spTree>
   </p:cSld>
   <p:clrMapOvr>
@@ -8639,11 +9026,11 @@
 </file>
 
 <file path=ppt/slides/slide6.xml><?xml version="1.0" encoding="utf-8"?>
-<p:sld xmlns:a="http://schemas.openxmlformats.org/drawingml/2006/main" xmlns:r="http://schemas.openxmlformats.org/officeDocument/2006/relationships" xmlns:mc="http://schemas.openxmlformats.org/markup-compatibility/2006" xmlns:mv="urn:schemas-microsoft-com:mac:vml" xmlns:p="http://schemas.openxmlformats.org/presentationml/2006/main" xmlns:c="http://schemas.openxmlformats.org/drawingml/2006/chart" xmlns:dgm="http://schemas.openxmlformats.org/drawingml/2006/diagram" xmlns:o="urn:schemas-microsoft-com:office:office" xmlns:v="urn:schemas-microsoft-com:vml" xmlns:pvml="urn:schemas-microsoft-com:office:powerpoint" xmlns:com="http://schemas.openxmlformats.org/drawingml/2006/compatibility" xmlns:p14="http://schemas.microsoft.com/office/powerpoint/2010/main" xmlns:p15="http://schemas.microsoft.com/office/powerpoint/2012/main" xmlns:ahyp="http://schemas.microsoft.com/office/drawing/2018/hyperlinkcolor">
+<p:sld xmlns:a="http://schemas.openxmlformats.org/drawingml/2006/main" xmlns:r="http://schemas.openxmlformats.org/officeDocument/2006/relationships" xmlns:p="http://schemas.openxmlformats.org/presentationml/2006/main">
   <p:cSld>
     <p:spTree>
       <p:nvGrpSpPr>
-        <p:cNvPr id="97" name="Shape 97"/>
+        <p:cNvPr id="1" name="Shape 97"/>
         <p:cNvGrpSpPr/>
         <p:nvPr/>
       </p:nvGrpSpPr>
@@ -8658,7 +9045,9 @@
       <p:sp>
         <p:nvSpPr>
           <p:cNvPr id="98" name="Google Shape;98;p18"/>
-          <p:cNvSpPr txBox="1"/>
+          <p:cNvSpPr txBox="1">
+            <a:spLocks noGrp="1"/>
+          </p:cNvSpPr>
           <p:nvPr>
             <p:ph type="title"/>
           </p:nvPr>
@@ -8673,12 +9062,12 @@
           </a:prstGeom>
         </p:spPr>
         <p:txBody>
-          <a:bodyPr anchorCtr="0" anchor="t" bIns="91425" lIns="91425" spcFirstLastPara="1" rIns="91425" wrap="square" tIns="91425">
+          <a:bodyPr spcFirstLastPara="1" wrap="square" lIns="91425" tIns="91425" rIns="91425" bIns="91425" anchor="t" anchorCtr="0">
             <a:normAutofit/>
           </a:bodyPr>
           <a:lstStyle/>
           <a:p>
-            <a:pPr indent="0" lvl="0" marL="0" rtl="0" algn="ctr">
+            <a:pPr marL="0" lvl="0" indent="0" algn="ctr" rtl="0">
               <a:spcBef>
                 <a:spcPts val="0"/>
               </a:spcBef>
@@ -8698,9 +9087,11 @@
       <p:sp>
         <p:nvSpPr>
           <p:cNvPr id="99" name="Google Shape;99;p18"/>
-          <p:cNvSpPr txBox="1"/>
+          <p:cNvSpPr txBox="1">
+            <a:spLocks noGrp="1"/>
+          </p:cNvSpPr>
           <p:nvPr>
-            <p:ph idx="1" type="body"/>
+            <p:ph type="body" idx="1"/>
           </p:nvPr>
         </p:nvSpPr>
         <p:spPr>
@@ -8713,12 +9104,12 @@
           </a:prstGeom>
         </p:spPr>
         <p:txBody>
-          <a:bodyPr anchorCtr="0" anchor="t" bIns="91425" lIns="91425" spcFirstLastPara="1" rIns="91425" wrap="square" tIns="91425">
+          <a:bodyPr spcFirstLastPara="1" wrap="square" lIns="91425" tIns="91425" rIns="91425" bIns="91425" anchor="t" anchorCtr="0">
             <a:normAutofit/>
           </a:bodyPr>
           <a:lstStyle/>
           <a:p>
-            <a:pPr indent="-311150" lvl="0" marL="457200" rtl="0" algn="l">
+            <a:pPr marL="457200" lvl="0" indent="-311150" algn="l" rtl="0">
               <a:lnSpc>
                 <a:spcPct val="150000"/>
               </a:lnSpc>
@@ -8738,7 +9129,7 @@
             <a:endParaRPr/>
           </a:p>
           <a:p>
-            <a:pPr indent="0" lvl="0" marL="457200" rtl="0" algn="l">
+            <a:pPr marL="457200" lvl="0" indent="0" algn="l" rtl="0">
               <a:lnSpc>
                 <a:spcPct val="150000"/>
               </a:lnSpc>
@@ -8750,13 +9141,10 @@
               </a:spcAft>
               <a:buNone/>
             </a:pPr>
-            <a:r>
-              <a:t/>
-            </a:r>
             <a:endParaRPr/>
           </a:p>
           <a:p>
-            <a:pPr indent="-311150" lvl="0" marL="457200" rtl="0" algn="l">
+            <a:pPr marL="457200" lvl="0" indent="-311150" algn="l" rtl="0">
               <a:lnSpc>
                 <a:spcPct val="150000"/>
               </a:lnSpc>
@@ -8776,7 +9164,7 @@
             <a:endParaRPr/>
           </a:p>
           <a:p>
-            <a:pPr indent="0" lvl="0" marL="457200" rtl="0" algn="l">
+            <a:pPr marL="457200" lvl="0" indent="0" algn="l" rtl="0">
               <a:lnSpc>
                 <a:spcPct val="150000"/>
               </a:lnSpc>
@@ -8788,13 +9176,10 @@
               </a:spcAft>
               <a:buNone/>
             </a:pPr>
-            <a:r>
-              <a:t/>
-            </a:r>
             <a:endParaRPr/>
           </a:p>
           <a:p>
-            <a:pPr indent="-311150" lvl="0" marL="457200" rtl="0" algn="l">
+            <a:pPr marL="457200" lvl="0" indent="-311150" algn="l" rtl="0">
               <a:lnSpc>
                 <a:spcPct val="150000"/>
               </a:lnSpc>
@@ -8814,7 +9199,7 @@
             <a:endParaRPr/>
           </a:p>
           <a:p>
-            <a:pPr indent="0" lvl="0" marL="457200" rtl="0" algn="l">
+            <a:pPr marL="457200" lvl="0" indent="0" algn="l" rtl="0">
               <a:lnSpc>
                 <a:spcPct val="150000"/>
               </a:lnSpc>
@@ -8826,9 +9211,6 @@
               </a:spcAft>
               <a:buNone/>
             </a:pPr>
-            <a:r>
-              <a:t/>
-            </a:r>
             <a:endParaRPr/>
           </a:p>
         </p:txBody>
@@ -8876,14 +9258,14 @@
             <a:avLst/>
           </a:prstGeom>
           <a:noFill/>
-          <a:ln cap="flat" cmpd="sng" w="9525">
+          <a:ln w="9525" cap="flat" cmpd="sng">
             <a:solidFill>
               <a:schemeClr val="accent5"/>
             </a:solidFill>
             <a:prstDash val="solid"/>
             <a:round/>
-            <a:headEnd len="med" w="med" type="none"/>
-            <a:tailEnd len="med" w="med" type="triangle"/>
+            <a:headEnd type="none" w="med" len="med"/>
+            <a:tailEnd type="triangle" w="med" len="med"/>
           </a:ln>
         </p:spPr>
       </p:cxnSp>
@@ -8902,14 +9284,14 @@
             <a:avLst/>
           </a:prstGeom>
           <a:noFill/>
-          <a:ln cap="flat" cmpd="sng" w="9525">
+          <a:ln w="9525" cap="flat" cmpd="sng">
             <a:solidFill>
               <a:schemeClr val="accent5"/>
             </a:solidFill>
             <a:prstDash val="solid"/>
             <a:round/>
-            <a:headEnd len="med" w="med" type="none"/>
-            <a:tailEnd len="med" w="med" type="triangle"/>
+            <a:headEnd type="none" w="med" len="med"/>
+            <a:tailEnd type="triangle" w="med" len="med"/>
           </a:ln>
         </p:spPr>
       </p:cxnSp>
@@ -8928,14 +9310,14 @@
             <a:avLst/>
           </a:prstGeom>
           <a:noFill/>
-          <a:ln cap="flat" cmpd="sng" w="9525">
+          <a:ln w="9525" cap="flat" cmpd="sng">
             <a:solidFill>
               <a:schemeClr val="accent5"/>
             </a:solidFill>
             <a:prstDash val="solid"/>
             <a:round/>
-            <a:headEnd len="med" w="med" type="none"/>
-            <a:tailEnd len="med" w="med" type="triangle"/>
+            <a:headEnd type="none" w="med" len="med"/>
+            <a:tailEnd type="triangle" w="med" len="med"/>
           </a:ln>
         </p:spPr>
       </p:cxnSp>
@@ -8948,11 +9330,11 @@
 </file>
 
 <file path=ppt/slides/slide7.xml><?xml version="1.0" encoding="utf-8"?>
-<p:sld xmlns:a="http://schemas.openxmlformats.org/drawingml/2006/main" xmlns:r="http://schemas.openxmlformats.org/officeDocument/2006/relationships" xmlns:mc="http://schemas.openxmlformats.org/markup-compatibility/2006" xmlns:mv="urn:schemas-microsoft-com:mac:vml" xmlns:p="http://schemas.openxmlformats.org/presentationml/2006/main" xmlns:c="http://schemas.openxmlformats.org/drawingml/2006/chart" xmlns:dgm="http://schemas.openxmlformats.org/drawingml/2006/diagram" xmlns:o="urn:schemas-microsoft-com:office:office" xmlns:v="urn:schemas-microsoft-com:vml" xmlns:pvml="urn:schemas-microsoft-com:office:powerpoint" xmlns:com="http://schemas.openxmlformats.org/drawingml/2006/compatibility" xmlns:p14="http://schemas.microsoft.com/office/powerpoint/2010/main" xmlns:p15="http://schemas.microsoft.com/office/powerpoint/2012/main" xmlns:ahyp="http://schemas.microsoft.com/office/drawing/2018/hyperlinkcolor">
+<p:sld xmlns:a="http://schemas.openxmlformats.org/drawingml/2006/main" xmlns:r="http://schemas.openxmlformats.org/officeDocument/2006/relationships" xmlns:p="http://schemas.openxmlformats.org/presentationml/2006/main">
   <p:cSld>
     <p:spTree>
       <p:nvGrpSpPr>
-        <p:cNvPr id="107" name="Shape 107"/>
+        <p:cNvPr id="1" name="Shape 107"/>
         <p:cNvGrpSpPr/>
         <p:nvPr/>
       </p:nvGrpSpPr>
@@ -8967,7 +9349,9 @@
       <p:sp>
         <p:nvSpPr>
           <p:cNvPr id="108" name="Google Shape;108;p19"/>
-          <p:cNvSpPr txBox="1"/>
+          <p:cNvSpPr txBox="1">
+            <a:spLocks noGrp="1"/>
+          </p:cNvSpPr>
           <p:nvPr>
             <p:ph type="title"/>
           </p:nvPr>
@@ -8982,12 +9366,12 @@
           </a:prstGeom>
         </p:spPr>
         <p:txBody>
-          <a:bodyPr anchorCtr="0" anchor="t" bIns="91425" lIns="91425" spcFirstLastPara="1" rIns="91425" wrap="square" tIns="91425">
+          <a:bodyPr spcFirstLastPara="1" wrap="square" lIns="91425" tIns="91425" rIns="91425" bIns="91425" anchor="t" anchorCtr="0">
             <a:normAutofit/>
           </a:bodyPr>
           <a:lstStyle/>
           <a:p>
-            <a:pPr indent="0" lvl="0" marL="0" rtl="0" algn="ctr">
+            <a:pPr marL="0" lvl="0" indent="0" algn="ctr" rtl="0">
               <a:spcBef>
                 <a:spcPts val="0"/>
               </a:spcBef>
@@ -9007,9 +9391,11 @@
       <p:sp>
         <p:nvSpPr>
           <p:cNvPr id="109" name="Google Shape;109;p19"/>
-          <p:cNvSpPr txBox="1"/>
+          <p:cNvSpPr txBox="1">
+            <a:spLocks noGrp="1"/>
+          </p:cNvSpPr>
           <p:nvPr>
-            <p:ph idx="1" type="body"/>
+            <p:ph type="body" idx="1"/>
           </p:nvPr>
         </p:nvSpPr>
         <p:spPr>
@@ -9022,12 +9408,12 @@
           </a:prstGeom>
         </p:spPr>
         <p:txBody>
-          <a:bodyPr anchorCtr="0" anchor="t" bIns="91425" lIns="91425" spcFirstLastPara="1" rIns="91425" wrap="square" tIns="91425">
+          <a:bodyPr spcFirstLastPara="1" wrap="square" lIns="91425" tIns="91425" rIns="91425" bIns="91425" anchor="t" anchorCtr="0">
             <a:normAutofit lnSpcReduction="10000"/>
           </a:bodyPr>
           <a:lstStyle/>
           <a:p>
-            <a:pPr indent="-311150" lvl="0" marL="457200" rtl="0" algn="l">
+            <a:pPr marL="457200" lvl="0" indent="-311150" algn="l" rtl="0">
               <a:lnSpc>
                 <a:spcPct val="150000"/>
               </a:lnSpc>
@@ -9047,7 +9433,7 @@
             <a:endParaRPr/>
           </a:p>
           <a:p>
-            <a:pPr indent="0" lvl="0" marL="0" rtl="0" algn="l">
+            <a:pPr marL="0" lvl="0" indent="0" algn="l" rtl="0">
               <a:lnSpc>
                 <a:spcPct val="150000"/>
               </a:lnSpc>
@@ -9059,13 +9445,10 @@
               </a:spcAft>
               <a:buNone/>
             </a:pPr>
-            <a:r>
-              <a:t/>
-            </a:r>
             <a:endParaRPr/>
           </a:p>
           <a:p>
-            <a:pPr indent="-311150" lvl="0" marL="457200" rtl="0" algn="l">
+            <a:pPr marL="457200" lvl="0" indent="-311150" algn="l" rtl="0">
               <a:lnSpc>
                 <a:spcPct val="150000"/>
               </a:lnSpc>
@@ -9085,7 +9468,7 @@
             <a:endParaRPr/>
           </a:p>
           <a:p>
-            <a:pPr indent="0" lvl="0" marL="0" rtl="0" algn="l">
+            <a:pPr marL="0" lvl="0" indent="0" algn="l" rtl="0">
               <a:lnSpc>
                 <a:spcPct val="150000"/>
               </a:lnSpc>
@@ -9097,13 +9480,10 @@
               </a:spcAft>
               <a:buNone/>
             </a:pPr>
-            <a:r>
-              <a:t/>
-            </a:r>
             <a:endParaRPr/>
           </a:p>
           <a:p>
-            <a:pPr indent="0" lvl="0" marL="0" rtl="0" algn="l">
+            <a:pPr marL="0" lvl="0" indent="0" algn="l" rtl="0">
               <a:lnSpc>
                 <a:spcPct val="150000"/>
               </a:lnSpc>
@@ -9115,13 +9495,10 @@
               </a:spcAft>
               <a:buNone/>
             </a:pPr>
-            <a:r>
-              <a:t/>
-            </a:r>
             <a:endParaRPr/>
           </a:p>
           <a:p>
-            <a:pPr indent="0" lvl="0" marL="0" rtl="0" algn="l">
+            <a:pPr marL="0" lvl="0" indent="0" algn="l" rtl="0">
               <a:lnSpc>
                 <a:spcPct val="150000"/>
               </a:lnSpc>
@@ -9184,14 +9561,14 @@
             <a:avLst/>
           </a:prstGeom>
           <a:noFill/>
-          <a:ln cap="flat" cmpd="sng" w="9525">
+          <a:ln w="9525" cap="flat" cmpd="sng">
             <a:solidFill>
               <a:schemeClr val="accent5"/>
             </a:solidFill>
             <a:prstDash val="solid"/>
             <a:round/>
-            <a:headEnd len="med" w="med" type="none"/>
-            <a:tailEnd len="med" w="med" type="triangle"/>
+            <a:headEnd type="none" w="med" len="med"/>
+            <a:tailEnd type="triangle" w="med" len="med"/>
           </a:ln>
         </p:spPr>
       </p:cxnSp>
@@ -9210,14 +9587,14 @@
             <a:avLst/>
           </a:prstGeom>
           <a:noFill/>
-          <a:ln cap="flat" cmpd="sng" w="9525">
+          <a:ln w="9525" cap="flat" cmpd="sng">
             <a:solidFill>
               <a:schemeClr val="accent5"/>
             </a:solidFill>
             <a:prstDash val="solid"/>
             <a:round/>
-            <a:headEnd len="med" w="med" type="none"/>
-            <a:tailEnd len="med" w="med" type="triangle"/>
+            <a:headEnd type="none" w="med" len="med"/>
+            <a:tailEnd type="triangle" w="med" len="med"/>
           </a:ln>
         </p:spPr>
       </p:cxnSp>
@@ -9229,7 +9606,7 @@
         </p:nvGraphicFramePr>
         <p:xfrm>
           <a:off x="4615688" y="3170050"/>
-          <a:ext cx="3000000" cy="3000000"/>
+          <a:ext cx="4224375" cy="1341000"/>
         </p:xfrm>
         <a:graphic>
           <a:graphicData uri="http://schemas.openxmlformats.org/drawingml/2006/table">
@@ -9239,17 +9616,35 @@
                 <a:tableStyleId>{1C2FF8FE-C86D-4A9D-ABEA-20FD80FD5111}</a:tableStyleId>
               </a:tblPr>
               <a:tblGrid>
-                <a:gridCol w="1408125"/>
-                <a:gridCol w="1408125"/>
-                <a:gridCol w="1408125"/>
+                <a:gridCol w="1408125">
+                  <a:extLst>
+                    <a:ext uri="{9D8B030D-6E8A-4147-A177-3AD203B41FA5}">
+                      <a16:colId xmlns:a16="http://schemas.microsoft.com/office/drawing/2014/main" val="20000"/>
+                    </a:ext>
+                  </a:extLst>
+                </a:gridCol>
+                <a:gridCol w="1408125">
+                  <a:extLst>
+                    <a:ext uri="{9D8B030D-6E8A-4147-A177-3AD203B41FA5}">
+                      <a16:colId xmlns:a16="http://schemas.microsoft.com/office/drawing/2014/main" val="20001"/>
+                    </a:ext>
+                  </a:extLst>
+                </a:gridCol>
+                <a:gridCol w="1408125">
+                  <a:extLst>
+                    <a:ext uri="{9D8B030D-6E8A-4147-A177-3AD203B41FA5}">
+                      <a16:colId xmlns:a16="http://schemas.microsoft.com/office/drawing/2014/main" val="20002"/>
+                    </a:ext>
+                  </a:extLst>
+                </a:gridCol>
               </a:tblGrid>
-              <a:tr h="190500">
+              <a:tr h="0">
                 <a:tc>
                   <a:txBody>
                     <a:bodyPr/>
                     <a:lstStyle/>
                     <a:p>
-                      <a:pPr indent="0" lvl="0" marL="0" rtl="0" algn="l">
+                      <a:pPr marL="0" lvl="0" indent="0" algn="l" rtl="0">
                         <a:spcBef>
                           <a:spcPts val="0"/>
                         </a:spcBef>
@@ -9281,7 +9676,7 @@
                       </a:endParaRPr>
                     </a:p>
                   </a:txBody>
-                  <a:tcPr marT="91425" marB="91425" marR="91425" marL="91425">
+                  <a:tcPr marL="91425" marR="91425" marT="91425" marB="91425">
                     <a:solidFill>
                       <a:schemeClr val="accent5"/>
                     </a:solidFill>
@@ -9292,7 +9687,7 @@
                     <a:bodyPr/>
                     <a:lstStyle/>
                     <a:p>
-                      <a:pPr indent="0" lvl="0" marL="0" rtl="0" algn="l">
+                      <a:pPr marL="0" lvl="0" indent="0" algn="l" rtl="0">
                         <a:spcBef>
                           <a:spcPts val="0"/>
                         </a:spcBef>
@@ -9324,7 +9719,7 @@
                       </a:endParaRPr>
                     </a:p>
                   </a:txBody>
-                  <a:tcPr marT="91425" marB="91425" marR="91425" marL="91425">
+                  <a:tcPr marL="91425" marR="91425" marT="91425" marB="91425">
                     <a:solidFill>
                       <a:schemeClr val="accent5"/>
                     </a:solidFill>
@@ -9335,7 +9730,7 @@
                     <a:bodyPr/>
                     <a:lstStyle/>
                     <a:p>
-                      <a:pPr indent="0" lvl="0" marL="0" rtl="0" algn="l">
+                      <a:pPr marL="0" lvl="0" indent="0" algn="l" rtl="0">
                         <a:spcBef>
                           <a:spcPts val="0"/>
                         </a:spcBef>
@@ -9367,20 +9762,25 @@
                       </a:endParaRPr>
                     </a:p>
                   </a:txBody>
-                  <a:tcPr marT="91425" marB="91425" marR="91425" marL="91425">
+                  <a:tcPr marL="91425" marR="91425" marT="91425" marB="91425">
                     <a:solidFill>
                       <a:schemeClr val="accent5"/>
                     </a:solidFill>
                   </a:tcPr>
                 </a:tc>
+                <a:extLst>
+                  <a:ext uri="{0D108BD9-81ED-4DB2-BD59-A6C34878D82A}">
+                    <a16:rowId xmlns:a16="http://schemas.microsoft.com/office/drawing/2014/main" val="10000"/>
+                  </a:ext>
+                </a:extLst>
               </a:tr>
-              <a:tr h="190500">
+              <a:tr h="0">
                 <a:tc>
                   <a:txBody>
                     <a:bodyPr/>
                     <a:lstStyle/>
                     <a:p>
-                      <a:pPr indent="0" lvl="0" marL="0" rtl="0" algn="l">
+                      <a:pPr marL="0" lvl="0" indent="0" algn="l" rtl="0">
                         <a:spcBef>
                           <a:spcPts val="0"/>
                         </a:spcBef>
@@ -9406,7 +9806,7 @@
                       </a:endParaRPr>
                     </a:p>
                   </a:txBody>
-                  <a:tcPr marT="91425" marB="91425" marR="91425" marL="91425">
+                  <a:tcPr marL="91425" marR="91425" marT="91425" marB="91425">
                     <a:solidFill>
                       <a:srgbClr val="EFEFEF"/>
                     </a:solidFill>
@@ -9417,7 +9817,7 @@
                     <a:bodyPr/>
                     <a:lstStyle/>
                     <a:p>
-                      <a:pPr indent="0" lvl="0" marL="0" rtl="0" algn="l">
+                      <a:pPr marL="0" lvl="0" indent="0" algn="l" rtl="0">
                         <a:spcBef>
                           <a:spcPts val="0"/>
                         </a:spcBef>
@@ -9443,7 +9843,7 @@
                       </a:endParaRPr>
                     </a:p>
                   </a:txBody>
-                  <a:tcPr marT="91425" marB="91425" marR="91425" marL="91425">
+                  <a:tcPr marL="91425" marR="91425" marT="91425" marB="91425">
                     <a:solidFill>
                       <a:srgbClr val="EFEFEF"/>
                     </a:solidFill>
@@ -9454,7 +9854,7 @@
                     <a:bodyPr/>
                     <a:lstStyle/>
                     <a:p>
-                      <a:pPr indent="0" lvl="0" marL="0" rtl="0" algn="l">
+                      <a:pPr marL="0" lvl="0" indent="0" algn="l" rtl="0">
                         <a:spcBef>
                           <a:spcPts val="0"/>
                         </a:spcBef>
@@ -9480,20 +9880,25 @@
                       </a:endParaRPr>
                     </a:p>
                   </a:txBody>
-                  <a:tcPr marT="91425" marB="91425" marR="91425" marL="91425">
+                  <a:tcPr marL="91425" marR="91425" marT="91425" marB="91425">
                     <a:solidFill>
                       <a:srgbClr val="EFEFEF"/>
                     </a:solidFill>
                   </a:tcPr>
                 </a:tc>
+                <a:extLst>
+                  <a:ext uri="{0D108BD9-81ED-4DB2-BD59-A6C34878D82A}">
+                    <a16:rowId xmlns:a16="http://schemas.microsoft.com/office/drawing/2014/main" val="10001"/>
+                  </a:ext>
+                </a:extLst>
               </a:tr>
-              <a:tr h="190500">
+              <a:tr h="0">
                 <a:tc>
                   <a:txBody>
                     <a:bodyPr/>
                     <a:lstStyle/>
                     <a:p>
-                      <a:pPr indent="0" lvl="0" marL="0" rtl="0" algn="l">
+                      <a:pPr marL="0" lvl="0" indent="0" algn="l" rtl="0">
                         <a:spcBef>
                           <a:spcPts val="0"/>
                         </a:spcBef>
@@ -9519,7 +9924,7 @@
                       </a:endParaRPr>
                     </a:p>
                   </a:txBody>
-                  <a:tcPr marT="91425" marB="91425" marR="91425" marL="91425">
+                  <a:tcPr marL="91425" marR="91425" marT="91425" marB="91425">
                     <a:solidFill>
                       <a:srgbClr val="D9D9D9"/>
                     </a:solidFill>
@@ -9530,7 +9935,7 @@
                     <a:bodyPr/>
                     <a:lstStyle/>
                     <a:p>
-                      <a:pPr indent="0" lvl="0" marL="0" rtl="0" algn="l">
+                      <a:pPr marL="0" lvl="0" indent="0" algn="l" rtl="0">
                         <a:spcBef>
                           <a:spcPts val="0"/>
                         </a:spcBef>
@@ -9556,7 +9961,7 @@
                       </a:endParaRPr>
                     </a:p>
                   </a:txBody>
-                  <a:tcPr marT="91425" marB="91425" marR="91425" marL="91425">
+                  <a:tcPr marL="91425" marR="91425" marT="91425" marB="91425">
                     <a:solidFill>
                       <a:srgbClr val="D9D9D9"/>
                     </a:solidFill>
@@ -9567,7 +9972,7 @@
                     <a:bodyPr/>
                     <a:lstStyle/>
                     <a:p>
-                      <a:pPr indent="0" lvl="0" marL="0" rtl="0" algn="l">
+                      <a:pPr marL="0" lvl="0" indent="0" algn="l" rtl="0">
                         <a:spcBef>
                           <a:spcPts val="0"/>
                         </a:spcBef>
@@ -9593,20 +9998,25 @@
                       </a:endParaRPr>
                     </a:p>
                   </a:txBody>
-                  <a:tcPr marT="91425" marB="91425" marR="91425" marL="91425">
+                  <a:tcPr marL="91425" marR="91425" marT="91425" marB="91425">
                     <a:solidFill>
                       <a:srgbClr val="D9D9D9"/>
                     </a:solidFill>
                   </a:tcPr>
                 </a:tc>
+                <a:extLst>
+                  <a:ext uri="{0D108BD9-81ED-4DB2-BD59-A6C34878D82A}">
+                    <a16:rowId xmlns:a16="http://schemas.microsoft.com/office/drawing/2014/main" val="10002"/>
+                  </a:ext>
+                </a:extLst>
               </a:tr>
-              <a:tr h="190500">
+              <a:tr h="0">
                 <a:tc>
                   <a:txBody>
                     <a:bodyPr/>
                     <a:lstStyle/>
                     <a:p>
-                      <a:pPr indent="0" lvl="0" marL="0" rtl="0" algn="l">
+                      <a:pPr marL="0" lvl="0" indent="0" algn="l" rtl="0">
                         <a:spcBef>
                           <a:spcPts val="0"/>
                         </a:spcBef>
@@ -9632,7 +10042,7 @@
                       </a:endParaRPr>
                     </a:p>
                   </a:txBody>
-                  <a:tcPr marT="91425" marB="91425" marR="91425" marL="91425">
+                  <a:tcPr marL="91425" marR="91425" marT="91425" marB="91425">
                     <a:solidFill>
                       <a:srgbClr val="EFEFEF"/>
                     </a:solidFill>
@@ -9643,7 +10053,7 @@
                     <a:bodyPr/>
                     <a:lstStyle/>
                     <a:p>
-                      <a:pPr indent="0" lvl="0" marL="0" rtl="0" algn="l">
+                      <a:pPr marL="0" lvl="0" indent="0" algn="l" rtl="0">
                         <a:spcBef>
                           <a:spcPts val="0"/>
                         </a:spcBef>
@@ -9669,7 +10079,7 @@
                       </a:endParaRPr>
                     </a:p>
                   </a:txBody>
-                  <a:tcPr marT="91425" marB="91425" marR="91425" marL="91425">
+                  <a:tcPr marL="91425" marR="91425" marT="91425" marB="91425">
                     <a:solidFill>
                       <a:srgbClr val="EFEFEF"/>
                     </a:solidFill>
@@ -9680,7 +10090,7 @@
                     <a:bodyPr/>
                     <a:lstStyle/>
                     <a:p>
-                      <a:pPr indent="0" lvl="0" marL="0" rtl="0" algn="l">
+                      <a:pPr marL="0" lvl="0" indent="0" algn="l" rtl="0">
                         <a:spcBef>
                           <a:spcPts val="0"/>
                         </a:spcBef>
@@ -9706,12 +10116,17 @@
                       </a:endParaRPr>
                     </a:p>
                   </a:txBody>
-                  <a:tcPr marT="91425" marB="91425" marR="91425" marL="91425">
+                  <a:tcPr marL="91425" marR="91425" marT="91425" marB="91425">
                     <a:solidFill>
                       <a:srgbClr val="EFEFEF"/>
                     </a:solidFill>
                   </a:tcPr>
                 </a:tc>
+                <a:extLst>
+                  <a:ext uri="{0D108BD9-81ED-4DB2-BD59-A6C34878D82A}">
+                    <a16:rowId xmlns:a16="http://schemas.microsoft.com/office/drawing/2014/main" val="10003"/>
+                  </a:ext>
+                </a:extLst>
               </a:tr>
             </a:tbl>
           </a:graphicData>
@@ -9726,11 +10141,11 @@
 </file>
 
 <file path=ppt/slides/slide8.xml><?xml version="1.0" encoding="utf-8"?>
-<p:sld xmlns:a="http://schemas.openxmlformats.org/drawingml/2006/main" xmlns:r="http://schemas.openxmlformats.org/officeDocument/2006/relationships" xmlns:mc="http://schemas.openxmlformats.org/markup-compatibility/2006" xmlns:mv="urn:schemas-microsoft-com:mac:vml" xmlns:p="http://schemas.openxmlformats.org/presentationml/2006/main" xmlns:c="http://schemas.openxmlformats.org/drawingml/2006/chart" xmlns:dgm="http://schemas.openxmlformats.org/drawingml/2006/diagram" xmlns:o="urn:schemas-microsoft-com:office:office" xmlns:v="urn:schemas-microsoft-com:vml" xmlns:pvml="urn:schemas-microsoft-com:office:powerpoint" xmlns:com="http://schemas.openxmlformats.org/drawingml/2006/compatibility" xmlns:p14="http://schemas.microsoft.com/office/powerpoint/2010/main" xmlns:p15="http://schemas.microsoft.com/office/powerpoint/2012/main" xmlns:ahyp="http://schemas.microsoft.com/office/drawing/2018/hyperlinkcolor">
+<p:sld xmlns:a="http://schemas.openxmlformats.org/drawingml/2006/main" xmlns:r="http://schemas.openxmlformats.org/officeDocument/2006/relationships" xmlns:p="http://schemas.openxmlformats.org/presentationml/2006/main">
   <p:cSld>
     <p:spTree>
       <p:nvGrpSpPr>
-        <p:cNvPr id="117" name="Shape 117"/>
+        <p:cNvPr id="1" name="Shape 117"/>
         <p:cNvGrpSpPr/>
         <p:nvPr/>
       </p:nvGrpSpPr>
@@ -9745,7 +10160,9 @@
       <p:sp>
         <p:nvSpPr>
           <p:cNvPr id="118" name="Google Shape;118;p20"/>
-          <p:cNvSpPr txBox="1"/>
+          <p:cNvSpPr txBox="1">
+            <a:spLocks noGrp="1"/>
+          </p:cNvSpPr>
           <p:nvPr>
             <p:ph type="title"/>
           </p:nvPr>
@@ -9760,12 +10177,12 @@
           </a:prstGeom>
         </p:spPr>
         <p:txBody>
-          <a:bodyPr anchorCtr="0" anchor="t" bIns="91425" lIns="91425" spcFirstLastPara="1" rIns="91425" wrap="square" tIns="91425">
+          <a:bodyPr spcFirstLastPara="1" wrap="square" lIns="91425" tIns="91425" rIns="91425" bIns="91425" anchor="t" anchorCtr="0">
             <a:normAutofit/>
           </a:bodyPr>
           <a:lstStyle/>
           <a:p>
-            <a:pPr indent="0" lvl="0" marL="0" rtl="0" algn="ctr">
+            <a:pPr marL="0" lvl="0" indent="0" algn="ctr" rtl="0">
               <a:spcBef>
                 <a:spcPts val="0"/>
               </a:spcBef>
@@ -9781,7 +10198,7 @@
             <a:endParaRPr/>
           </a:p>
           <a:p>
-            <a:pPr indent="0" lvl="0" marL="0" rtl="0" algn="l">
+            <a:pPr marL="0" lvl="0" indent="0" algn="l" rtl="0">
               <a:spcBef>
                 <a:spcPts val="0"/>
               </a:spcBef>
@@ -9790,9 +10207,6 @@
               </a:spcAft>
               <a:buNone/>
             </a:pPr>
-            <a:r>
-              <a:t/>
-            </a:r>
             <a:endParaRPr/>
           </a:p>
         </p:txBody>
@@ -9800,9 +10214,11 @@
       <p:sp>
         <p:nvSpPr>
           <p:cNvPr id="119" name="Google Shape;119;p20"/>
-          <p:cNvSpPr txBox="1"/>
+          <p:cNvSpPr txBox="1">
+            <a:spLocks noGrp="1"/>
+          </p:cNvSpPr>
           <p:nvPr>
-            <p:ph idx="1" type="body"/>
+            <p:ph type="body" idx="1"/>
           </p:nvPr>
         </p:nvSpPr>
         <p:spPr>
@@ -9815,12 +10231,12 @@
           </a:prstGeom>
         </p:spPr>
         <p:txBody>
-          <a:bodyPr anchorCtr="0" anchor="t" bIns="91425" lIns="91425" spcFirstLastPara="1" rIns="91425" wrap="square" tIns="91425">
-            <a:normAutofit/>
+          <a:bodyPr spcFirstLastPara="1" wrap="square" lIns="91425" tIns="91425" rIns="91425" bIns="91425" anchor="t" anchorCtr="0">
+            <a:normAutofit lnSpcReduction="10000"/>
           </a:bodyPr>
           <a:lstStyle/>
           <a:p>
-            <a:pPr indent="0" lvl="0" marL="0" rtl="0" algn="l">
+            <a:pPr marL="0" lvl="0" indent="0" algn="l" rtl="0">
               <a:spcBef>
                 <a:spcPts val="0"/>
               </a:spcBef>
@@ -9830,9 +10246,427 @@
               <a:buNone/>
             </a:pPr>
             <a:r>
-              <a:t/>
-            </a:r>
-            <a:endParaRPr/>
+              <a:rPr lang="en-GB" b="1" dirty="0" err="1"/>
+              <a:t>Internetna</a:t>
+            </a:r>
+            <a:r>
+              <a:rPr lang="en-GB" b="1" dirty="0"/>
+              <a:t> </a:t>
+            </a:r>
+            <a:r>
+              <a:rPr lang="en-GB" b="1" dirty="0" err="1"/>
+              <a:t>zasebnost</a:t>
+            </a:r>
+            <a:r>
+              <a:rPr lang="en-GB" b="1" dirty="0"/>
+              <a:t> </a:t>
+            </a:r>
+            <a:r>
+              <a:rPr lang="en-GB" b="1" dirty="0" err="1"/>
+              <a:t>na</a:t>
+            </a:r>
+            <a:r>
+              <a:rPr lang="en-GB" b="1" dirty="0"/>
+              <a:t> </a:t>
+            </a:r>
+            <a:r>
+              <a:rPr lang="en-GB" b="1" dirty="0" err="1"/>
+              <a:t>modernem</a:t>
+            </a:r>
+            <a:r>
+              <a:rPr lang="en-GB" b="1" dirty="0"/>
+              <a:t> </a:t>
+            </a:r>
+            <a:r>
+              <a:rPr lang="en-GB" b="1" dirty="0" err="1"/>
+              <a:t>internetu</a:t>
+            </a:r>
+            <a:r>
+              <a:rPr lang="en-GB" b="1" dirty="0"/>
+              <a:t>:</a:t>
+            </a:r>
+          </a:p>
+          <a:p>
+            <a:pPr marL="0" lvl="0" indent="0" algn="l" rtl="0">
+              <a:spcBef>
+                <a:spcPts val="0"/>
+              </a:spcBef>
+              <a:spcAft>
+                <a:spcPts val="1200"/>
+              </a:spcAft>
+              <a:buNone/>
+            </a:pPr>
+            <a:r>
+              <a:rPr lang="en-GB" dirty="0"/>
+              <a:t>Za </a:t>
+            </a:r>
+            <a:r>
+              <a:rPr lang="en-GB" dirty="0" err="1"/>
+              <a:t>popolno</a:t>
+            </a:r>
+            <a:r>
+              <a:rPr lang="en-GB" dirty="0"/>
+              <a:t> </a:t>
+            </a:r>
+            <a:r>
+              <a:rPr lang="en-GB" dirty="0" err="1"/>
+              <a:t>zasebnost</a:t>
+            </a:r>
+            <a:r>
+              <a:rPr lang="en-GB" dirty="0"/>
+              <a:t>, </a:t>
+            </a:r>
+            <a:r>
+              <a:rPr lang="en-GB" dirty="0" err="1"/>
+              <a:t>seveda</a:t>
+            </a:r>
+            <a:r>
+              <a:rPr lang="en-GB" dirty="0"/>
+              <a:t> </a:t>
+            </a:r>
+            <a:r>
+              <a:rPr lang="en-GB" dirty="0" err="1"/>
+              <a:t>identifikacija</a:t>
+            </a:r>
+            <a:r>
+              <a:rPr lang="en-GB" dirty="0"/>
+              <a:t> in </a:t>
+            </a:r>
+            <a:r>
+              <a:rPr lang="en-GB" dirty="0" err="1"/>
+              <a:t>brisanje</a:t>
+            </a:r>
+            <a:r>
+              <a:rPr lang="en-GB" dirty="0"/>
+              <a:t> cookie-</a:t>
+            </a:r>
+            <a:r>
+              <a:rPr lang="en-GB" dirty="0" err="1"/>
+              <a:t>jev</a:t>
+            </a:r>
+            <a:r>
+              <a:rPr lang="en-GB" dirty="0"/>
+              <a:t> </a:t>
+            </a:r>
+            <a:r>
+              <a:rPr lang="en-GB" dirty="0" err="1"/>
+              <a:t>ni</a:t>
+            </a:r>
+            <a:r>
+              <a:rPr lang="en-GB" dirty="0"/>
+              <a:t> </a:t>
+            </a:r>
+            <a:r>
+              <a:rPr lang="en-GB" dirty="0" err="1"/>
+              <a:t>dovolj</a:t>
+            </a:r>
+            <a:r>
+              <a:rPr lang="en-GB" dirty="0"/>
+              <a:t>. HTTP cookie-ji so </a:t>
+            </a:r>
+            <a:r>
+              <a:rPr lang="en-GB" dirty="0" err="1"/>
+              <a:t>samo</a:t>
+            </a:r>
+            <a:r>
+              <a:rPr lang="en-GB" dirty="0"/>
+              <a:t> </a:t>
+            </a:r>
+            <a:r>
+              <a:rPr lang="en-GB" dirty="0" err="1"/>
+              <a:t>eden</a:t>
+            </a:r>
+            <a:r>
+              <a:rPr lang="en-GB" dirty="0"/>
+              <a:t> </a:t>
+            </a:r>
+            <a:r>
+              <a:rPr lang="en-GB" dirty="0" err="1"/>
+              <a:t>izmed</a:t>
+            </a:r>
+            <a:r>
+              <a:rPr lang="en-GB" dirty="0"/>
+              <a:t> </a:t>
+            </a:r>
+            <a:r>
+              <a:rPr lang="en-GB" dirty="0" err="1"/>
+              <a:t>načinov</a:t>
+            </a:r>
+            <a:r>
+              <a:rPr lang="en-GB" dirty="0"/>
+              <a:t>, </a:t>
+            </a:r>
+            <a:r>
+              <a:rPr lang="en-GB" dirty="0" err="1"/>
+              <a:t>kako</a:t>
+            </a:r>
+            <a:r>
+              <a:rPr lang="en-GB" dirty="0"/>
+              <a:t> </a:t>
+            </a:r>
+            <a:r>
+              <a:rPr lang="en-GB" dirty="0" err="1"/>
+              <a:t>nam</a:t>
+            </a:r>
+            <a:r>
+              <a:rPr lang="en-GB" dirty="0"/>
+              <a:t> </a:t>
+            </a:r>
+            <a:r>
+              <a:rPr lang="en-GB" dirty="0" err="1"/>
+              <a:t>spletne</a:t>
+            </a:r>
+            <a:r>
+              <a:rPr lang="en-GB" dirty="0"/>
+              <a:t> </a:t>
+            </a:r>
+            <a:r>
+              <a:rPr lang="en-GB" dirty="0" err="1"/>
+              <a:t>strani</a:t>
+            </a:r>
+            <a:r>
+              <a:rPr lang="en-GB" dirty="0"/>
+              <a:t> </a:t>
+            </a:r>
+            <a:r>
+              <a:rPr lang="en-GB" dirty="0" err="1"/>
+              <a:t>trackajo</a:t>
+            </a:r>
+            <a:r>
+              <a:rPr lang="en-GB" dirty="0"/>
+              <a:t> </a:t>
+            </a:r>
+            <a:r>
+              <a:rPr lang="en-GB" dirty="0" err="1"/>
+              <a:t>naše</a:t>
+            </a:r>
+            <a:r>
+              <a:rPr lang="en-GB" dirty="0"/>
+              <a:t> </a:t>
+            </a:r>
+            <a:r>
+              <a:rPr lang="en-GB" dirty="0" err="1"/>
+              <a:t>informacije</a:t>
+            </a:r>
+            <a:r>
+              <a:rPr lang="en-GB" dirty="0"/>
+              <a:t> (Local/</a:t>
+            </a:r>
+            <a:r>
+              <a:rPr lang="en-GB" dirty="0" err="1"/>
+              <a:t>WebStorage</a:t>
+            </a:r>
+            <a:r>
+              <a:rPr lang="en-GB" dirty="0"/>
+              <a:t> API’s, Network level logs, App permissions, etc…)</a:t>
+            </a:r>
+          </a:p>
+          <a:p>
+            <a:pPr marL="0" lvl="0" indent="0" algn="l" rtl="0">
+              <a:spcBef>
+                <a:spcPts val="0"/>
+              </a:spcBef>
+              <a:spcAft>
+                <a:spcPts val="1200"/>
+              </a:spcAft>
+              <a:buNone/>
+            </a:pPr>
+            <a:r>
+              <a:rPr lang="en-GB" dirty="0"/>
+              <a:t>Kot </a:t>
+            </a:r>
+            <a:r>
+              <a:rPr lang="en-GB" dirty="0" err="1"/>
+              <a:t>potrošniki</a:t>
+            </a:r>
+            <a:r>
+              <a:rPr lang="en-GB" dirty="0"/>
+              <a:t> se </a:t>
+            </a:r>
+            <a:r>
+              <a:rPr lang="en-GB" dirty="0" err="1"/>
+              <a:t>moramo</a:t>
+            </a:r>
+            <a:r>
+              <a:rPr lang="en-GB" dirty="0"/>
+              <a:t> </a:t>
+            </a:r>
+            <a:r>
+              <a:rPr lang="en-GB" dirty="0" err="1"/>
+              <a:t>zavedati</a:t>
+            </a:r>
+            <a:r>
+              <a:rPr lang="en-GB" dirty="0"/>
+              <a:t>, da </a:t>
+            </a:r>
+            <a:r>
+              <a:rPr lang="en-GB" dirty="0" err="1"/>
+              <a:t>moderen</a:t>
+            </a:r>
+            <a:r>
+              <a:rPr lang="en-GB" dirty="0"/>
+              <a:t> internet </a:t>
+            </a:r>
+            <a:r>
+              <a:rPr lang="en-GB" dirty="0" err="1"/>
+              <a:t>ni</a:t>
+            </a:r>
+            <a:r>
+              <a:rPr lang="en-GB" dirty="0"/>
+              <a:t> </a:t>
+            </a:r>
+            <a:r>
+              <a:rPr lang="en-GB" dirty="0" err="1"/>
+              <a:t>izdelan</a:t>
+            </a:r>
+            <a:r>
+              <a:rPr lang="en-GB" dirty="0"/>
+              <a:t> za </a:t>
+            </a:r>
+            <a:r>
+              <a:rPr lang="en-GB" dirty="0" err="1"/>
+              <a:t>zasebnost</a:t>
+            </a:r>
+            <a:r>
+              <a:rPr lang="en-GB" dirty="0"/>
+              <a:t>. Zato je </a:t>
+            </a:r>
+            <a:r>
+              <a:rPr lang="en-GB" dirty="0" err="1"/>
+              <a:t>vzdrževanje</a:t>
+            </a:r>
+            <a:r>
+              <a:rPr lang="en-GB" dirty="0"/>
+              <a:t> </a:t>
+            </a:r>
+            <a:r>
+              <a:rPr lang="en-GB" dirty="0" err="1"/>
+              <a:t>svoje</a:t>
+            </a:r>
+            <a:r>
+              <a:rPr lang="en-GB" dirty="0"/>
+              <a:t> </a:t>
+            </a:r>
+            <a:r>
+              <a:rPr lang="en-GB" dirty="0" err="1"/>
+              <a:t>internetne</a:t>
+            </a:r>
+            <a:r>
+              <a:rPr lang="en-GB" dirty="0"/>
+              <a:t> </a:t>
+            </a:r>
+            <a:r>
+              <a:rPr lang="en-GB" dirty="0" err="1"/>
+              <a:t>zasebnosti</a:t>
+            </a:r>
+            <a:r>
+              <a:rPr lang="en-GB" dirty="0"/>
+              <a:t> </a:t>
+            </a:r>
+            <a:r>
+              <a:rPr lang="en-GB" dirty="0" err="1"/>
+              <a:t>proces</a:t>
+            </a:r>
+            <a:r>
+              <a:rPr lang="en-GB" dirty="0"/>
+              <a:t>, ki je </a:t>
+            </a:r>
+            <a:r>
+              <a:rPr lang="en-GB" dirty="0" err="1"/>
+              <a:t>nenehno</a:t>
+            </a:r>
+            <a:r>
+              <a:rPr lang="en-GB" dirty="0"/>
+              <a:t> v </a:t>
+            </a:r>
+            <a:r>
+              <a:rPr lang="en-GB" dirty="0" err="1"/>
+              <a:t>teku</a:t>
+            </a:r>
+            <a:r>
+              <a:rPr lang="en-GB" dirty="0"/>
+              <a:t>.</a:t>
+            </a:r>
+          </a:p>
+          <a:p>
+            <a:pPr marL="0" lvl="0" indent="0" algn="l" rtl="0">
+              <a:spcBef>
+                <a:spcPts val="0"/>
+              </a:spcBef>
+              <a:spcAft>
+                <a:spcPts val="1200"/>
+              </a:spcAft>
+              <a:buNone/>
+            </a:pPr>
+            <a:endParaRPr lang="en-GB" dirty="0"/>
+          </a:p>
+          <a:p>
+            <a:pPr marL="0" lvl="0" indent="0" algn="l" rtl="0">
+              <a:spcBef>
+                <a:spcPts val="0"/>
+              </a:spcBef>
+              <a:spcAft>
+                <a:spcPts val="1200"/>
+              </a:spcAft>
+              <a:buNone/>
+            </a:pPr>
+            <a:r>
+              <a:rPr lang="en-GB" dirty="0"/>
+              <a:t>“Privacy is not an option, and it shouldn’t be the price we accept for just getting on the Internet.”</a:t>
+            </a:r>
+          </a:p>
+          <a:p>
+            <a:pPr marL="0" lvl="0" indent="0" algn="l" rtl="0">
+              <a:spcBef>
+                <a:spcPts val="0"/>
+              </a:spcBef>
+              <a:spcAft>
+                <a:spcPts val="1200"/>
+              </a:spcAft>
+              <a:buNone/>
+            </a:pPr>
+            <a:r>
+              <a:rPr lang="en-GB" b="1" dirty="0"/>
+              <a:t>- Gary Kovacs, former Mozilla CEO</a:t>
+            </a:r>
+          </a:p>
+          <a:p>
+            <a:pPr marL="0" lvl="0" indent="0" algn="l" rtl="0">
+              <a:spcBef>
+                <a:spcPts val="0"/>
+              </a:spcBef>
+              <a:spcAft>
+                <a:spcPts val="1200"/>
+              </a:spcAft>
+              <a:buNone/>
+            </a:pPr>
+            <a:endParaRPr lang="en-GB" b="1" dirty="0"/>
+          </a:p>
+          <a:p>
+            <a:pPr marL="285750" lvl="0" indent="-285750" algn="l" rtl="0">
+              <a:spcBef>
+                <a:spcPts val="0"/>
+              </a:spcBef>
+              <a:spcAft>
+                <a:spcPts val="1200"/>
+              </a:spcAft>
+              <a:buFontTx/>
+              <a:buChar char="-"/>
+            </a:pPr>
+            <a:endParaRPr lang="en-GB" b="1" dirty="0"/>
+          </a:p>
+          <a:p>
+            <a:pPr marL="285750" lvl="0" indent="-285750" algn="l" rtl="0">
+              <a:spcBef>
+                <a:spcPts val="0"/>
+              </a:spcBef>
+              <a:spcAft>
+                <a:spcPts val="1200"/>
+              </a:spcAft>
+              <a:buFontTx/>
+              <a:buChar char="-"/>
+            </a:pPr>
+            <a:endParaRPr lang="en-SI" b="1" dirty="0"/>
           </a:p>
         </p:txBody>
       </p:sp>
@@ -9873,7 +10707,7 @@
 </file>
 
 <file path=ppt/theme/theme1.xml><?xml version="1.0" encoding="utf-8"?>
-<a:theme xmlns:a="http://schemas.openxmlformats.org/drawingml/2006/main" xmlns:r="http://schemas.openxmlformats.org/officeDocument/2006/relationships" name="Paradigm">
+<a:theme xmlns:a="http://schemas.openxmlformats.org/drawingml/2006/main" name="Paradigm">
   <a:themeElements>
     <a:clrScheme name="Paradigm">
       <a:dk1>
@@ -10148,11 +10982,13 @@
       </a:bgFillStyleLst>
     </a:fmtScheme>
   </a:themeElements>
+  <a:objectDefaults/>
+  <a:extraClrSchemeLst/>
 </a:theme>
 </file>
 
 <file path=ppt/theme/theme2.xml><?xml version="1.0" encoding="utf-8"?>
-<a:theme xmlns:a="http://schemas.openxmlformats.org/drawingml/2006/main" xmlns:r="http://schemas.openxmlformats.org/officeDocument/2006/relationships">
+<a:theme xmlns:a="http://schemas.openxmlformats.org/drawingml/2006/main">
   <a:themeElements>
     <a:clrScheme name="Default">
       <a:dk1>
@@ -10427,5 +11263,7 @@
       </a:bgFillStyleLst>
     </a:fmtScheme>
   </a:themeElements>
+  <a:objectDefaults/>
+  <a:extraClrSchemeLst/>
 </a:theme>
 </file>